--- a/JS Presentation File.pptx
+++ b/JS Presentation File.pptx
@@ -8,10 +8,11 @@
     <p:sldId id="256" r:id="rId2"/>
     <p:sldId id="257" r:id="rId3"/>
     <p:sldId id="258" r:id="rId4"/>
-    <p:sldId id="260" r:id="rId5"/>
+    <p:sldId id="261" r:id="rId5"/>
     <p:sldId id="259" r:id="rId6"/>
-    <p:sldId id="261" r:id="rId7"/>
-    <p:sldId id="262" r:id="rId8"/>
+    <p:sldId id="262" r:id="rId7"/>
+    <p:sldId id="263" r:id="rId8"/>
+    <p:sldId id="264" r:id="rId9"/>
   </p:sldIdLst>
   <p:sldSz cx="12192000" cy="6858000"/>
   <p:notesSz cx="6858000" cy="9144000"/>
@@ -110,6 +111,11 @@
       </a:defRPr>
     </a:lvl9pPr>
   </p:defaultTextStyle>
+  <p:extLst>
+    <p:ext uri="{EFAFB233-063F-42B5-8137-9DF3F51BA10A}">
+      <p15:sldGuideLst xmlns:p15="http://schemas.microsoft.com/office/powerpoint/2012/main"/>
+    </p:ext>
+  </p:extLst>
 </p:presentation>
 </file>
 
@@ -299,7 +305,7 @@
           <a:p>
             <a:fld id="{B879BBF2-00E1-42F6-9F5B-A988C377CF54}" type="datetimeFigureOut">
               <a:rPr lang="en-US" smtClean="0"/>
-              <a:t>7/31/2022</a:t>
+              <a:t>8/1/2022</a:t>
             </a:fld>
             <a:endParaRPr lang="en-US"/>
           </a:p>
@@ -574,7 +580,7 @@
           <a:p>
             <a:fld id="{B879BBF2-00E1-42F6-9F5B-A988C377CF54}" type="datetimeFigureOut">
               <a:rPr lang="en-US" smtClean="0"/>
-              <a:t>7/31/2022</a:t>
+              <a:t>8/1/2022</a:t>
             </a:fld>
             <a:endParaRPr lang="en-US"/>
           </a:p>
@@ -768,7 +774,7 @@
           <a:p>
             <a:fld id="{B879BBF2-00E1-42F6-9F5B-A988C377CF54}" type="datetimeFigureOut">
               <a:rPr lang="en-US" smtClean="0"/>
-              <a:t>7/31/2022</a:t>
+              <a:t>8/1/2022</a:t>
             </a:fld>
             <a:endParaRPr lang="en-US"/>
           </a:p>
@@ -1041,7 +1047,7 @@
           <a:p>
             <a:fld id="{B879BBF2-00E1-42F6-9F5B-A988C377CF54}" type="datetimeFigureOut">
               <a:rPr lang="en-US" smtClean="0"/>
-              <a:t>7/31/2022</a:t>
+              <a:t>8/1/2022</a:t>
             </a:fld>
             <a:endParaRPr lang="en-US"/>
           </a:p>
@@ -1382,7 +1388,7 @@
           <a:p>
             <a:fld id="{B879BBF2-00E1-42F6-9F5B-A988C377CF54}" type="datetimeFigureOut">
               <a:rPr lang="en-US" smtClean="0"/>
-              <a:t>7/31/2022</a:t>
+              <a:t>8/1/2022</a:t>
             </a:fld>
             <a:endParaRPr lang="en-US"/>
           </a:p>
@@ -2005,7 +2011,7 @@
           <a:p>
             <a:fld id="{B879BBF2-00E1-42F6-9F5B-A988C377CF54}" type="datetimeFigureOut">
               <a:rPr lang="en-US" smtClean="0"/>
-              <a:t>7/31/2022</a:t>
+              <a:t>8/1/2022</a:t>
             </a:fld>
             <a:endParaRPr lang="en-US"/>
           </a:p>
@@ -2865,7 +2871,7 @@
           <a:p>
             <a:fld id="{B879BBF2-00E1-42F6-9F5B-A988C377CF54}" type="datetimeFigureOut">
               <a:rPr lang="en-US" smtClean="0"/>
-              <a:t>7/31/2022</a:t>
+              <a:t>8/1/2022</a:t>
             </a:fld>
             <a:endParaRPr lang="en-US"/>
           </a:p>
@@ -3035,7 +3041,7 @@
           <a:p>
             <a:fld id="{B879BBF2-00E1-42F6-9F5B-A988C377CF54}" type="datetimeFigureOut">
               <a:rPr lang="en-US" smtClean="0"/>
-              <a:t>7/31/2022</a:t>
+              <a:t>8/1/2022</a:t>
             </a:fld>
             <a:endParaRPr lang="en-US"/>
           </a:p>
@@ -3215,7 +3221,7 @@
           <a:p>
             <a:fld id="{B879BBF2-00E1-42F6-9F5B-A988C377CF54}" type="datetimeFigureOut">
               <a:rPr lang="en-US" smtClean="0"/>
-              <a:t>7/31/2022</a:t>
+              <a:t>8/1/2022</a:t>
             </a:fld>
             <a:endParaRPr lang="en-US"/>
           </a:p>
@@ -3385,7 +3391,7 @@
           <a:p>
             <a:fld id="{B879BBF2-00E1-42F6-9F5B-A988C377CF54}" type="datetimeFigureOut">
               <a:rPr lang="en-US" smtClean="0"/>
-              <a:t>7/31/2022</a:t>
+              <a:t>8/1/2022</a:t>
             </a:fld>
             <a:endParaRPr lang="en-US"/>
           </a:p>
@@ -3632,7 +3638,7 @@
           <a:p>
             <a:fld id="{B879BBF2-00E1-42F6-9F5B-A988C377CF54}" type="datetimeFigureOut">
               <a:rPr lang="en-US" smtClean="0"/>
-              <a:t>7/31/2022</a:t>
+              <a:t>8/1/2022</a:t>
             </a:fld>
             <a:endParaRPr lang="en-US"/>
           </a:p>
@@ -3924,7 +3930,7 @@
           <a:p>
             <a:fld id="{B879BBF2-00E1-42F6-9F5B-A988C377CF54}" type="datetimeFigureOut">
               <a:rPr lang="en-US" smtClean="0"/>
-              <a:t>7/31/2022</a:t>
+              <a:t>8/1/2022</a:t>
             </a:fld>
             <a:endParaRPr lang="en-US"/>
           </a:p>
@@ -4368,7 +4374,7 @@
           <a:p>
             <a:fld id="{B879BBF2-00E1-42F6-9F5B-A988C377CF54}" type="datetimeFigureOut">
               <a:rPr lang="en-US" smtClean="0"/>
-              <a:t>7/31/2022</a:t>
+              <a:t>8/1/2022</a:t>
             </a:fld>
             <a:endParaRPr lang="en-US"/>
           </a:p>
@@ -4486,7 +4492,7 @@
           <a:p>
             <a:fld id="{B879BBF2-00E1-42F6-9F5B-A988C377CF54}" type="datetimeFigureOut">
               <a:rPr lang="en-US" smtClean="0"/>
-              <a:t>7/31/2022</a:t>
+              <a:t>8/1/2022</a:t>
             </a:fld>
             <a:endParaRPr lang="en-US"/>
           </a:p>
@@ -4581,7 +4587,7 @@
           <a:p>
             <a:fld id="{B879BBF2-00E1-42F6-9F5B-A988C377CF54}" type="datetimeFigureOut">
               <a:rPr lang="en-US" smtClean="0"/>
-              <a:t>7/31/2022</a:t>
+              <a:t>8/1/2022</a:t>
             </a:fld>
             <a:endParaRPr lang="en-US"/>
           </a:p>
@@ -4860,7 +4866,7 @@
           <a:p>
             <a:fld id="{B879BBF2-00E1-42F6-9F5B-A988C377CF54}" type="datetimeFigureOut">
               <a:rPr lang="en-US" smtClean="0"/>
-              <a:t>7/31/2022</a:t>
+              <a:t>8/1/2022</a:t>
             </a:fld>
             <a:endParaRPr lang="en-US"/>
           </a:p>
@@ -5135,7 +5141,7 @@
           <a:p>
             <a:fld id="{B879BBF2-00E1-42F6-9F5B-A988C377CF54}" type="datetimeFigureOut">
               <a:rPr lang="en-US" smtClean="0"/>
-              <a:t>7/31/2022</a:t>
+              <a:t>8/1/2022</a:t>
             </a:fld>
             <a:endParaRPr lang="en-US"/>
           </a:p>
@@ -5564,7 +5570,7 @@
           <a:p>
             <a:fld id="{B879BBF2-00E1-42F6-9F5B-A988C377CF54}" type="datetimeFigureOut">
               <a:rPr lang="en-US" smtClean="0"/>
-              <a:t>7/31/2022</a:t>
+              <a:t>8/1/2022</a:t>
             </a:fld>
             <a:endParaRPr lang="en-US"/>
           </a:p>
@@ -6173,7 +6179,7 @@
         </p:nvSpPr>
         <p:spPr>
           <a:xfrm>
-            <a:off x="0" y="2813669"/>
+            <a:off x="0" y="1374613"/>
             <a:ext cx="12192000" cy="861420"/>
           </a:xfrm>
         </p:spPr>
@@ -6197,7 +6203,7 @@
                   </a:outerShdw>
                 </a:effectLst>
               </a:rPr>
-              <a:t>Presentation</a:t>
+              <a:t>Function</a:t>
             </a:r>
             <a:endParaRPr lang="en-US" sz="5500" b="1" cap="none" dirty="0">
               <a:solidFill>
@@ -6210,6 +6216,575 @@
                   </a:srgbClr>
                 </a:outerShdw>
               </a:effectLst>
+            </a:endParaRPr>
+          </a:p>
+        </p:txBody>
+      </p:sp>
+      <p:sp>
+        <p:nvSpPr>
+          <p:cNvPr id="4" name="Subtitle 2"/>
+          <p:cNvSpPr txBox="1">
+            <a:spLocks/>
+          </p:cNvSpPr>
+          <p:nvPr/>
+        </p:nvSpPr>
+        <p:spPr>
+          <a:xfrm>
+            <a:off x="614596" y="3509963"/>
+            <a:ext cx="3931639" cy="1107007"/>
+          </a:xfrm>
+          <a:prstGeom prst="rect">
+            <a:avLst/>
+          </a:prstGeom>
+        </p:spPr>
+        <p:txBody>
+          <a:bodyPr vert="horz" lIns="91440" tIns="45720" rIns="91440" bIns="45720" rtlCol="0" anchor="t">
+            <a:normAutofit/>
+          </a:bodyPr>
+          <a:lstStyle>
+            <a:lvl1pPr marL="0" indent="0" algn="l" defTabSz="457200" rtl="0" eaLnBrk="1" latinLnBrk="0" hangingPunct="1">
+              <a:spcBef>
+                <a:spcPts val="1000"/>
+              </a:spcBef>
+              <a:spcAft>
+                <a:spcPts val="0"/>
+              </a:spcAft>
+              <a:buClr>
+                <a:schemeClr val="bg2">
+                  <a:lumMod val="40000"/>
+                  <a:lumOff val="60000"/>
+                </a:schemeClr>
+              </a:buClr>
+              <a:buSzPct val="80000"/>
+              <a:buFont typeface="Wingdings 3" charset="2"/>
+              <a:buNone/>
+              <a:defRPr sz="2000" b="0" i="0" kern="1200" cap="all">
+                <a:solidFill>
+                  <a:schemeClr val="bg2">
+                    <a:lumMod val="40000"/>
+                    <a:lumOff val="60000"/>
+                  </a:schemeClr>
+                </a:solidFill>
+                <a:latin typeface="+mj-lt"/>
+                <a:ea typeface="+mj-ea"/>
+                <a:cs typeface="+mj-cs"/>
+              </a:defRPr>
+            </a:lvl1pPr>
+            <a:lvl2pPr marL="457200" indent="0" algn="ctr" defTabSz="457200" rtl="0" eaLnBrk="1" latinLnBrk="0" hangingPunct="1">
+              <a:spcBef>
+                <a:spcPts val="1000"/>
+              </a:spcBef>
+              <a:spcAft>
+                <a:spcPts val="0"/>
+              </a:spcAft>
+              <a:buClr>
+                <a:schemeClr val="bg2">
+                  <a:lumMod val="40000"/>
+                  <a:lumOff val="60000"/>
+                </a:schemeClr>
+              </a:buClr>
+              <a:buSzPct val="80000"/>
+              <a:buFont typeface="Wingdings 3" charset="2"/>
+              <a:buNone/>
+              <a:defRPr sz="1800" b="0" i="0" kern="1200">
+                <a:solidFill>
+                  <a:schemeClr val="tx1">
+                    <a:tint val="75000"/>
+                  </a:schemeClr>
+                </a:solidFill>
+                <a:latin typeface="+mj-lt"/>
+                <a:ea typeface="+mj-ea"/>
+                <a:cs typeface="+mj-cs"/>
+              </a:defRPr>
+            </a:lvl2pPr>
+            <a:lvl3pPr marL="914400" indent="0" algn="ctr" defTabSz="457200" rtl="0" eaLnBrk="1" latinLnBrk="0" hangingPunct="1">
+              <a:spcBef>
+                <a:spcPts val="1000"/>
+              </a:spcBef>
+              <a:spcAft>
+                <a:spcPts val="0"/>
+              </a:spcAft>
+              <a:buClr>
+                <a:schemeClr val="bg2">
+                  <a:lumMod val="40000"/>
+                  <a:lumOff val="60000"/>
+                </a:schemeClr>
+              </a:buClr>
+              <a:buSzPct val="80000"/>
+              <a:buFont typeface="Wingdings 3" charset="2"/>
+              <a:buNone/>
+              <a:defRPr sz="1600" b="0" i="0" kern="1200">
+                <a:solidFill>
+                  <a:schemeClr val="tx1">
+                    <a:tint val="75000"/>
+                  </a:schemeClr>
+                </a:solidFill>
+                <a:latin typeface="+mj-lt"/>
+                <a:ea typeface="+mj-ea"/>
+                <a:cs typeface="+mj-cs"/>
+              </a:defRPr>
+            </a:lvl3pPr>
+            <a:lvl4pPr marL="1371600" indent="0" algn="ctr" defTabSz="457200" rtl="0" eaLnBrk="1" latinLnBrk="0" hangingPunct="1">
+              <a:spcBef>
+                <a:spcPts val="1000"/>
+              </a:spcBef>
+              <a:spcAft>
+                <a:spcPts val="0"/>
+              </a:spcAft>
+              <a:buClr>
+                <a:schemeClr val="bg2">
+                  <a:lumMod val="40000"/>
+                  <a:lumOff val="60000"/>
+                </a:schemeClr>
+              </a:buClr>
+              <a:buSzPct val="80000"/>
+              <a:buFont typeface="Wingdings 3" charset="2"/>
+              <a:buNone/>
+              <a:defRPr sz="1400" b="0" i="0" kern="1200">
+                <a:solidFill>
+                  <a:schemeClr val="tx1">
+                    <a:tint val="75000"/>
+                  </a:schemeClr>
+                </a:solidFill>
+                <a:latin typeface="+mj-lt"/>
+                <a:ea typeface="+mj-ea"/>
+                <a:cs typeface="+mj-cs"/>
+              </a:defRPr>
+            </a:lvl4pPr>
+            <a:lvl5pPr marL="1828800" indent="0" algn="ctr" defTabSz="457200" rtl="0" eaLnBrk="1" latinLnBrk="0" hangingPunct="1">
+              <a:spcBef>
+                <a:spcPts val="1000"/>
+              </a:spcBef>
+              <a:spcAft>
+                <a:spcPts val="0"/>
+              </a:spcAft>
+              <a:buClr>
+                <a:schemeClr val="bg2">
+                  <a:lumMod val="40000"/>
+                  <a:lumOff val="60000"/>
+                </a:schemeClr>
+              </a:buClr>
+              <a:buSzPct val="80000"/>
+              <a:buFont typeface="Wingdings 3" charset="2"/>
+              <a:buNone/>
+              <a:defRPr sz="1400" b="0" i="0" kern="1200">
+                <a:solidFill>
+                  <a:schemeClr val="tx1">
+                    <a:tint val="75000"/>
+                  </a:schemeClr>
+                </a:solidFill>
+                <a:latin typeface="+mj-lt"/>
+                <a:ea typeface="+mj-ea"/>
+                <a:cs typeface="+mj-cs"/>
+              </a:defRPr>
+            </a:lvl5pPr>
+            <a:lvl6pPr marL="2286000" indent="0" algn="ctr" defTabSz="457200" rtl="0" eaLnBrk="1" latinLnBrk="0" hangingPunct="1">
+              <a:spcBef>
+                <a:spcPts val="1000"/>
+              </a:spcBef>
+              <a:spcAft>
+                <a:spcPts val="0"/>
+              </a:spcAft>
+              <a:buClr>
+                <a:schemeClr val="bg2">
+                  <a:lumMod val="40000"/>
+                  <a:lumOff val="60000"/>
+                </a:schemeClr>
+              </a:buClr>
+              <a:buSzPct val="80000"/>
+              <a:buFont typeface="Wingdings 3" charset="2"/>
+              <a:buNone/>
+              <a:defRPr sz="1400" b="0" i="0" kern="1200">
+                <a:solidFill>
+                  <a:schemeClr val="tx1">
+                    <a:tint val="75000"/>
+                  </a:schemeClr>
+                </a:solidFill>
+                <a:latin typeface="+mj-lt"/>
+                <a:ea typeface="+mj-ea"/>
+                <a:cs typeface="+mj-cs"/>
+              </a:defRPr>
+            </a:lvl6pPr>
+            <a:lvl7pPr marL="2743200" indent="0" algn="ctr" defTabSz="457200" rtl="0" eaLnBrk="1" latinLnBrk="0" hangingPunct="1">
+              <a:spcBef>
+                <a:spcPts val="1000"/>
+              </a:spcBef>
+              <a:spcAft>
+                <a:spcPts val="0"/>
+              </a:spcAft>
+              <a:buClr>
+                <a:schemeClr val="bg2">
+                  <a:lumMod val="40000"/>
+                  <a:lumOff val="60000"/>
+                </a:schemeClr>
+              </a:buClr>
+              <a:buSzPct val="80000"/>
+              <a:buFont typeface="Wingdings 3" charset="2"/>
+              <a:buNone/>
+              <a:defRPr sz="1400" b="0" i="0" kern="1200">
+                <a:solidFill>
+                  <a:schemeClr val="tx1">
+                    <a:tint val="75000"/>
+                  </a:schemeClr>
+                </a:solidFill>
+                <a:latin typeface="+mj-lt"/>
+                <a:ea typeface="+mj-ea"/>
+                <a:cs typeface="+mj-cs"/>
+              </a:defRPr>
+            </a:lvl7pPr>
+            <a:lvl8pPr marL="3200400" indent="0" algn="ctr" defTabSz="457200" rtl="0" eaLnBrk="1" latinLnBrk="0" hangingPunct="1">
+              <a:spcBef>
+                <a:spcPts val="1000"/>
+              </a:spcBef>
+              <a:spcAft>
+                <a:spcPts val="0"/>
+              </a:spcAft>
+              <a:buClr>
+                <a:schemeClr val="bg2">
+                  <a:lumMod val="40000"/>
+                  <a:lumOff val="60000"/>
+                </a:schemeClr>
+              </a:buClr>
+              <a:buSzPct val="80000"/>
+              <a:buFont typeface="Wingdings 3" charset="2"/>
+              <a:buNone/>
+              <a:defRPr sz="1400" b="0" i="0" kern="1200">
+                <a:solidFill>
+                  <a:schemeClr val="tx1">
+                    <a:tint val="75000"/>
+                  </a:schemeClr>
+                </a:solidFill>
+                <a:latin typeface="+mj-lt"/>
+                <a:ea typeface="+mj-ea"/>
+                <a:cs typeface="+mj-cs"/>
+              </a:defRPr>
+            </a:lvl8pPr>
+            <a:lvl9pPr marL="3657600" indent="0" algn="ctr" defTabSz="457200" rtl="0" eaLnBrk="1" latinLnBrk="0" hangingPunct="1">
+              <a:spcBef>
+                <a:spcPts val="1000"/>
+              </a:spcBef>
+              <a:spcAft>
+                <a:spcPts val="0"/>
+              </a:spcAft>
+              <a:buClr>
+                <a:schemeClr val="bg2">
+                  <a:lumMod val="40000"/>
+                  <a:lumOff val="60000"/>
+                </a:schemeClr>
+              </a:buClr>
+              <a:buSzPct val="80000"/>
+              <a:buFont typeface="Wingdings 3" charset="2"/>
+              <a:buNone/>
+              <a:defRPr sz="1400" b="0" i="0" kern="1200">
+                <a:solidFill>
+                  <a:schemeClr val="tx1">
+                    <a:tint val="75000"/>
+                  </a:schemeClr>
+                </a:solidFill>
+                <a:latin typeface="+mj-lt"/>
+                <a:ea typeface="+mj-ea"/>
+                <a:cs typeface="+mj-cs"/>
+              </a:defRPr>
+            </a:lvl9pPr>
+          </a:lstStyle>
+          <a:p>
+            <a:r>
+              <a:rPr lang="en-US" sz="2800" b="1" dirty="0" smtClean="0">
+                <a:solidFill>
+                  <a:srgbClr val="FFFF00"/>
+                </a:solidFill>
+                <a:effectLst>
+                  <a:outerShdw blurRad="38100" dist="38100" dir="2700000" algn="tl">
+                    <a:srgbClr val="000000">
+                      <a:alpha val="43137"/>
+                    </a:srgbClr>
+                  </a:outerShdw>
+                </a:effectLst>
+              </a:rPr>
+              <a:t>Presented By</a:t>
+            </a:r>
+          </a:p>
+          <a:p>
+            <a:r>
+              <a:rPr lang="en-US" sz="2800" b="1" dirty="0" smtClean="0">
+                <a:solidFill>
+                  <a:srgbClr val="FFFF00"/>
+                </a:solidFill>
+                <a:effectLst>
+                  <a:outerShdw blurRad="38100" dist="38100" dir="2700000" algn="tl">
+                    <a:srgbClr val="000000">
+                      <a:alpha val="43137"/>
+                    </a:srgbClr>
+                  </a:outerShdw>
+                </a:effectLst>
+              </a:rPr>
+              <a:t>Name : </a:t>
+            </a:r>
+            <a:r>
+              <a:rPr lang="en-US" sz="2800" b="1" dirty="0" err="1" smtClean="0">
+                <a:solidFill>
+                  <a:srgbClr val="FFFF00"/>
+                </a:solidFill>
+                <a:effectLst>
+                  <a:outerShdw blurRad="38100" dist="38100" dir="2700000" algn="tl">
+                    <a:srgbClr val="000000">
+                      <a:alpha val="43137"/>
+                    </a:srgbClr>
+                  </a:outerShdw>
+                </a:effectLst>
+              </a:rPr>
+              <a:t>Mithun</a:t>
+            </a:r>
+            <a:r>
+              <a:rPr lang="en-US" sz="2800" b="1" dirty="0" smtClean="0">
+                <a:solidFill>
+                  <a:srgbClr val="FFFF00"/>
+                </a:solidFill>
+                <a:effectLst>
+                  <a:outerShdw blurRad="38100" dist="38100" dir="2700000" algn="tl">
+                    <a:srgbClr val="000000">
+                      <a:alpha val="43137"/>
+                    </a:srgbClr>
+                  </a:outerShdw>
+                </a:effectLst>
+              </a:rPr>
+              <a:t> Miah </a:t>
+            </a:r>
+          </a:p>
+        </p:txBody>
+      </p:sp>
+      <p:sp>
+        <p:nvSpPr>
+          <p:cNvPr id="5" name="Subtitle 2"/>
+          <p:cNvSpPr txBox="1">
+            <a:spLocks/>
+          </p:cNvSpPr>
+          <p:nvPr/>
+        </p:nvSpPr>
+        <p:spPr>
+          <a:xfrm>
+            <a:off x="6673120" y="3509963"/>
+            <a:ext cx="4854315" cy="1107007"/>
+          </a:xfrm>
+          <a:prstGeom prst="rect">
+            <a:avLst/>
+          </a:prstGeom>
+        </p:spPr>
+        <p:txBody>
+          <a:bodyPr vert="horz" lIns="91440" tIns="45720" rIns="91440" bIns="45720" rtlCol="0">
+            <a:normAutofit/>
+          </a:bodyPr>
+          <a:lstStyle>
+            <a:lvl1pPr marL="0" indent="0" algn="ctr" defTabSz="914400" rtl="0" eaLnBrk="1" latinLnBrk="0" hangingPunct="1">
+              <a:lnSpc>
+                <a:spcPct val="90000"/>
+              </a:lnSpc>
+              <a:spcBef>
+                <a:spcPts val="1000"/>
+              </a:spcBef>
+              <a:buFont typeface="Arial" panose="020B0604020202020204" pitchFamily="34" charset="0"/>
+              <a:buNone/>
+              <a:defRPr sz="2400" kern="1200">
+                <a:solidFill>
+                  <a:schemeClr val="tx1"/>
+                </a:solidFill>
+                <a:latin typeface="+mn-lt"/>
+                <a:ea typeface="+mn-ea"/>
+                <a:cs typeface="+mn-cs"/>
+              </a:defRPr>
+            </a:lvl1pPr>
+            <a:lvl2pPr marL="457200" indent="0" algn="ctr" defTabSz="914400" rtl="0" eaLnBrk="1" latinLnBrk="0" hangingPunct="1">
+              <a:lnSpc>
+                <a:spcPct val="90000"/>
+              </a:lnSpc>
+              <a:spcBef>
+                <a:spcPts val="500"/>
+              </a:spcBef>
+              <a:buFont typeface="Arial" panose="020B0604020202020204" pitchFamily="34" charset="0"/>
+              <a:buNone/>
+              <a:defRPr sz="2000" kern="1200">
+                <a:solidFill>
+                  <a:schemeClr val="tx1"/>
+                </a:solidFill>
+                <a:latin typeface="+mn-lt"/>
+                <a:ea typeface="+mn-ea"/>
+                <a:cs typeface="+mn-cs"/>
+              </a:defRPr>
+            </a:lvl2pPr>
+            <a:lvl3pPr marL="914400" indent="0" algn="ctr" defTabSz="914400" rtl="0" eaLnBrk="1" latinLnBrk="0" hangingPunct="1">
+              <a:lnSpc>
+                <a:spcPct val="90000"/>
+              </a:lnSpc>
+              <a:spcBef>
+                <a:spcPts val="500"/>
+              </a:spcBef>
+              <a:buFont typeface="Arial" panose="020B0604020202020204" pitchFamily="34" charset="0"/>
+              <a:buNone/>
+              <a:defRPr sz="1800" kern="1200">
+                <a:solidFill>
+                  <a:schemeClr val="tx1"/>
+                </a:solidFill>
+                <a:latin typeface="+mn-lt"/>
+                <a:ea typeface="+mn-ea"/>
+                <a:cs typeface="+mn-cs"/>
+              </a:defRPr>
+            </a:lvl3pPr>
+            <a:lvl4pPr marL="1371600" indent="0" algn="ctr" defTabSz="914400" rtl="0" eaLnBrk="1" latinLnBrk="0" hangingPunct="1">
+              <a:lnSpc>
+                <a:spcPct val="90000"/>
+              </a:lnSpc>
+              <a:spcBef>
+                <a:spcPts val="500"/>
+              </a:spcBef>
+              <a:buFont typeface="Arial" panose="020B0604020202020204" pitchFamily="34" charset="0"/>
+              <a:buNone/>
+              <a:defRPr sz="1600" kern="1200">
+                <a:solidFill>
+                  <a:schemeClr val="tx1"/>
+                </a:solidFill>
+                <a:latin typeface="+mn-lt"/>
+                <a:ea typeface="+mn-ea"/>
+                <a:cs typeface="+mn-cs"/>
+              </a:defRPr>
+            </a:lvl4pPr>
+            <a:lvl5pPr marL="1828800" indent="0" algn="ctr" defTabSz="914400" rtl="0" eaLnBrk="1" latinLnBrk="0" hangingPunct="1">
+              <a:lnSpc>
+                <a:spcPct val="90000"/>
+              </a:lnSpc>
+              <a:spcBef>
+                <a:spcPts val="500"/>
+              </a:spcBef>
+              <a:buFont typeface="Arial" panose="020B0604020202020204" pitchFamily="34" charset="0"/>
+              <a:buNone/>
+              <a:defRPr sz="1600" kern="1200">
+                <a:solidFill>
+                  <a:schemeClr val="tx1"/>
+                </a:solidFill>
+                <a:latin typeface="+mn-lt"/>
+                <a:ea typeface="+mn-ea"/>
+                <a:cs typeface="+mn-cs"/>
+              </a:defRPr>
+            </a:lvl5pPr>
+            <a:lvl6pPr marL="2286000" indent="0" algn="ctr" defTabSz="914400" rtl="0" eaLnBrk="1" latinLnBrk="0" hangingPunct="1">
+              <a:lnSpc>
+                <a:spcPct val="90000"/>
+              </a:lnSpc>
+              <a:spcBef>
+                <a:spcPts val="500"/>
+              </a:spcBef>
+              <a:buFont typeface="Arial" panose="020B0604020202020204" pitchFamily="34" charset="0"/>
+              <a:buNone/>
+              <a:defRPr sz="1600" kern="1200">
+                <a:solidFill>
+                  <a:schemeClr val="tx1"/>
+                </a:solidFill>
+                <a:latin typeface="+mn-lt"/>
+                <a:ea typeface="+mn-ea"/>
+                <a:cs typeface="+mn-cs"/>
+              </a:defRPr>
+            </a:lvl6pPr>
+            <a:lvl7pPr marL="2743200" indent="0" algn="ctr" defTabSz="914400" rtl="0" eaLnBrk="1" latinLnBrk="0" hangingPunct="1">
+              <a:lnSpc>
+                <a:spcPct val="90000"/>
+              </a:lnSpc>
+              <a:spcBef>
+                <a:spcPts val="500"/>
+              </a:spcBef>
+              <a:buFont typeface="Arial" panose="020B0604020202020204" pitchFamily="34" charset="0"/>
+              <a:buNone/>
+              <a:defRPr sz="1600" kern="1200">
+                <a:solidFill>
+                  <a:schemeClr val="tx1"/>
+                </a:solidFill>
+                <a:latin typeface="+mn-lt"/>
+                <a:ea typeface="+mn-ea"/>
+                <a:cs typeface="+mn-cs"/>
+              </a:defRPr>
+            </a:lvl7pPr>
+            <a:lvl8pPr marL="3200400" indent="0" algn="ctr" defTabSz="914400" rtl="0" eaLnBrk="1" latinLnBrk="0" hangingPunct="1">
+              <a:lnSpc>
+                <a:spcPct val="90000"/>
+              </a:lnSpc>
+              <a:spcBef>
+                <a:spcPts val="500"/>
+              </a:spcBef>
+              <a:buFont typeface="Arial" panose="020B0604020202020204" pitchFamily="34" charset="0"/>
+              <a:buNone/>
+              <a:defRPr sz="1600" kern="1200">
+                <a:solidFill>
+                  <a:schemeClr val="tx1"/>
+                </a:solidFill>
+                <a:latin typeface="+mn-lt"/>
+                <a:ea typeface="+mn-ea"/>
+                <a:cs typeface="+mn-cs"/>
+              </a:defRPr>
+            </a:lvl8pPr>
+            <a:lvl9pPr marL="3657600" indent="0" algn="ctr" defTabSz="914400" rtl="0" eaLnBrk="1" latinLnBrk="0" hangingPunct="1">
+              <a:lnSpc>
+                <a:spcPct val="90000"/>
+              </a:lnSpc>
+              <a:spcBef>
+                <a:spcPts val="500"/>
+              </a:spcBef>
+              <a:buFont typeface="Arial" panose="020B0604020202020204" pitchFamily="34" charset="0"/>
+              <a:buNone/>
+              <a:defRPr sz="1600" kern="1200">
+                <a:solidFill>
+                  <a:schemeClr val="tx1"/>
+                </a:solidFill>
+                <a:latin typeface="+mn-lt"/>
+                <a:ea typeface="+mn-ea"/>
+                <a:cs typeface="+mn-cs"/>
+              </a:defRPr>
+            </a:lvl9pPr>
+          </a:lstStyle>
+          <a:p>
+            <a:r>
+              <a:rPr lang="en-US" sz="2800" b="1" dirty="0" smtClean="0">
+                <a:solidFill>
+                  <a:srgbClr val="FFFF00"/>
+                </a:solidFill>
+              </a:rPr>
+              <a:t>Presented To</a:t>
+            </a:r>
+          </a:p>
+          <a:p>
+            <a:r>
+              <a:rPr lang="en-US" sz="2800" b="1" dirty="0" smtClean="0">
+                <a:solidFill>
+                  <a:srgbClr val="FFFF00"/>
+                </a:solidFill>
+              </a:rPr>
+              <a:t>Name : </a:t>
+            </a:r>
+            <a:r>
+              <a:rPr lang="en-US" sz="2800" b="1" dirty="0" err="1" smtClean="0">
+                <a:solidFill>
+                  <a:srgbClr val="FFFF00"/>
+                </a:solidFill>
+              </a:rPr>
+              <a:t>Mostafizur</a:t>
+            </a:r>
+            <a:r>
+              <a:rPr lang="en-US" sz="2800" b="1" dirty="0" smtClean="0">
+                <a:solidFill>
+                  <a:srgbClr val="FFFF00"/>
+                </a:solidFill>
+              </a:rPr>
+              <a:t> </a:t>
+            </a:r>
+            <a:r>
+              <a:rPr lang="en-US" sz="2800" b="1" dirty="0" smtClean="0">
+                <a:solidFill>
+                  <a:srgbClr val="FFFF00"/>
+                </a:solidFill>
+              </a:rPr>
+              <a:t>Rahman</a:t>
+            </a:r>
+            <a:endParaRPr lang="en-US" sz="2800" b="1" dirty="0" smtClean="0">
+              <a:solidFill>
+                <a:srgbClr val="FFFF00"/>
+              </a:solidFill>
             </a:endParaRPr>
           </a:p>
         </p:txBody>
@@ -7756,7 +8331,15 @@
                   <a:schemeClr val="tx1"/>
                 </a:solidFill>
               </a:rPr>
-              <a:t>একটি জাভাস্ক্রিপ্ট ফাংশন হল কত গুলো জাভাস্ক্রিপ্ট স্টেটমেন্টের সমষ্টি।</a:t>
+              <a:t>জাভাস্ক্রিপ্ট </a:t>
+            </a:r>
+            <a:r>
+              <a:rPr lang="as-IN" sz="2400" b="1" dirty="0" smtClean="0">
+                <a:solidFill>
+                  <a:schemeClr val="tx1"/>
+                </a:solidFill>
+              </a:rPr>
+              <a:t>ফাংশন হল কত গুলো জাভাস্ক্রিপ্ট স্টেটমেন্টের সমষ্টি।</a:t>
             </a:r>
             <a:r>
               <a:rPr lang="en-US" sz="2400" b="1" cap="none" dirty="0" smtClean="0">
@@ -8400,19 +8983,19 @@
         </p:nvSpPr>
         <p:spPr>
           <a:xfrm>
-            <a:off x="0" y="1891026"/>
+            <a:off x="-1" y="1479546"/>
             <a:ext cx="12192000" cy="649059"/>
           </a:xfrm>
         </p:spPr>
         <p:txBody>
           <a:bodyPr>
-            <a:normAutofit fontScale="92500" lnSpcReduction="20000"/>
+            <a:normAutofit/>
           </a:bodyPr>
           <a:lstStyle/>
           <a:p>
             <a:pPr algn="ctr"/>
             <a:r>
-              <a:rPr lang="as-IN" sz="3500" b="1" cap="none" dirty="0">
+              <a:rPr lang="en-US" sz="3500" b="1" cap="none" dirty="0" smtClean="0">
                 <a:solidFill>
                   <a:srgbClr val="FFFF00"/>
                 </a:solidFill>
@@ -8423,70 +9006,80 @@
                     </a:srgbClr>
                   </a:outerShdw>
                 </a:effectLst>
-                <a:latin typeface="Verdana" panose="020B0604030504040204" pitchFamily="34" charset="0"/>
-                <a:ea typeface="Verdana" panose="020B0604030504040204" pitchFamily="34" charset="0"/>
-              </a:rPr>
-              <a:t>কেন ফাংশন ব্যবহার</a:t>
-            </a:r>
-            <a:r>
-              <a:rPr lang="as-IN" sz="3500" b="1" cap="none" dirty="0">
-                <a:solidFill>
-                  <a:srgbClr val="FFFF00"/>
-                </a:solidFill>
-                <a:effectLst>
-                  <a:outerShdw blurRad="38100" dist="38100" dir="2700000" algn="tl">
-                    <a:srgbClr val="000000">
-                      <a:alpha val="43137"/>
-                    </a:srgbClr>
-                  </a:outerShdw>
-                </a:effectLst>
+              </a:rPr>
+              <a:t>Function </a:t>
+            </a:r>
+            <a:r>
+              <a:rPr lang="en-US" sz="3600" b="1" dirty="0" err="1" smtClean="0">
+                <a:solidFill>
+                  <a:srgbClr val="FFC000"/>
+                </a:solidFill>
+                <a:latin typeface="Hind Siliguri"/>
+              </a:rPr>
+              <a:t>কত</a:t>
+            </a:r>
+            <a:r>
+              <a:rPr lang="en-US" sz="3600" b="1" dirty="0" smtClean="0">
+                <a:solidFill>
+                  <a:srgbClr val="FFC000"/>
+                </a:solidFill>
+                <a:latin typeface="Hind Siliguri"/>
               </a:rPr>
               <a:t> </a:t>
             </a:r>
             <a:r>
-              <a:rPr lang="en-US" sz="4700" b="1" cap="none" dirty="0" err="1" smtClean="0">
-                <a:solidFill>
-                  <a:srgbClr val="FFFF00"/>
-                </a:solidFill>
-                <a:effectLst>
-                  <a:outerShdw blurRad="38100" dist="38100" dir="2700000" algn="tl">
-                    <a:srgbClr val="000000">
-                      <a:alpha val="43137"/>
-                    </a:srgbClr>
-                  </a:outerShdw>
-                </a:effectLst>
-              </a:rPr>
-              <a:t>করবো</a:t>
-            </a:r>
-            <a:r>
-              <a:rPr lang="en-US" sz="3500" b="1" cap="none" dirty="0" smtClean="0">
-                <a:solidFill>
-                  <a:srgbClr val="FFFF00"/>
-                </a:solidFill>
-                <a:effectLst>
-                  <a:outerShdw blurRad="38100" dist="38100" dir="2700000" algn="tl">
-                    <a:srgbClr val="000000">
-                      <a:alpha val="43137"/>
-                    </a:srgbClr>
-                  </a:outerShdw>
-                </a:effectLst>
+              <a:rPr lang="en-US" sz="3600" b="1" dirty="0" err="1" smtClean="0">
+                <a:solidFill>
+                  <a:srgbClr val="FFC000"/>
+                </a:solidFill>
+                <a:latin typeface="Hind Siliguri"/>
+              </a:rPr>
+              <a:t>প্রকার</a:t>
+            </a:r>
+            <a:r>
+              <a:rPr lang="en-US" sz="3600" b="1" dirty="0" smtClean="0">
+                <a:solidFill>
+                  <a:srgbClr val="FFC000"/>
+                </a:solidFill>
+                <a:latin typeface="Hind Siliguri"/>
               </a:rPr>
               <a:t> </a:t>
             </a:r>
             <a:r>
-              <a:rPr lang="as-IN" sz="3500" b="1" cap="none" dirty="0" smtClean="0">
-                <a:solidFill>
-                  <a:srgbClr val="FFFF00"/>
-                </a:solidFill>
-                <a:effectLst>
-                  <a:outerShdw blurRad="38100" dist="38100" dir="2700000" algn="tl">
-                    <a:srgbClr val="000000">
-                      <a:alpha val="43137"/>
-                    </a:srgbClr>
-                  </a:outerShdw>
-                </a:effectLst>
-              </a:rPr>
-              <a:t>?</a:t>
+              <a:rPr lang="en-US" sz="3600" b="1" dirty="0" err="1" smtClean="0">
+                <a:solidFill>
+                  <a:srgbClr val="FFC000"/>
+                </a:solidFill>
+                <a:latin typeface="Hind Siliguri"/>
+              </a:rPr>
+              <a:t>হয়ে</a:t>
+            </a:r>
+            <a:r>
+              <a:rPr lang="en-US" sz="3600" b="1" dirty="0" smtClean="0">
+                <a:solidFill>
+                  <a:srgbClr val="FFC000"/>
+                </a:solidFill>
+                <a:latin typeface="Hind Siliguri"/>
+              </a:rPr>
+              <a:t> </a:t>
+            </a:r>
+            <a:r>
+              <a:rPr lang="en-US" sz="3600" b="1" dirty="0" err="1" smtClean="0">
+                <a:solidFill>
+                  <a:srgbClr val="FFC000"/>
+                </a:solidFill>
+                <a:latin typeface="Hind Siliguri"/>
+              </a:rPr>
+              <a:t>থাকে</a:t>
+            </a:r>
+            <a:r>
+              <a:rPr lang="en-US" sz="3600" b="1" dirty="0" smtClean="0">
+                <a:solidFill>
+                  <a:srgbClr val="FFC000"/>
+                </a:solidFill>
+                <a:latin typeface="Hind Siliguri"/>
+              </a:rPr>
+              <a:t> ?</a:t>
             </a:r>
             <a:endParaRPr lang="en-US" sz="3500" b="1" cap="none" dirty="0">
               <a:solidFill>
@@ -8513,8 +9106,8 @@
         </p:nvSpPr>
         <p:spPr>
           <a:xfrm>
-            <a:off x="876299" y="3216908"/>
-            <a:ext cx="10439400" cy="1537972"/>
+            <a:off x="239844" y="2393949"/>
+            <a:ext cx="11692326" cy="501652"/>
           </a:xfrm>
           <a:prstGeom prst="rect">
             <a:avLst/>
@@ -8522,7 +9115,7 @@
         </p:spPr>
         <p:txBody>
           <a:bodyPr vert="horz" lIns="91440" tIns="45720" rIns="91440" bIns="45720" rtlCol="0" anchor="t">
-            <a:normAutofit/>
+            <a:noAutofit/>
           </a:bodyPr>
           <a:lstStyle>
             <a:lvl1pPr marL="0" indent="0" algn="l" defTabSz="457200" rtl="0" eaLnBrk="1" latinLnBrk="0" hangingPunct="1">
@@ -8777,7 +9370,7 @@
               </a:lnSpc>
             </a:pPr>
             <a:r>
-              <a:rPr lang="en-US" sz="2200" b="1" cap="none" dirty="0" smtClean="0">
+              <a:rPr lang="en-US" sz="2600" b="1" cap="none" dirty="0" smtClean="0">
                 <a:solidFill>
                   <a:schemeClr val="tx1"/>
                 </a:solidFill>
@@ -8793,23 +9386,23 @@
               <a:t> </a:t>
             </a:r>
             <a:r>
-              <a:rPr lang="as-IN" sz="2200" b="1" dirty="0">
+              <a:rPr lang="as-IN" sz="2600" b="1" dirty="0">
                 <a:solidFill>
                   <a:schemeClr val="tx1"/>
                 </a:solidFill>
               </a:rPr>
-              <a:t>আমরা কোড পুনরায় ব্যবহার করতে পারি: কোডটি একবার সংজ্ঞায়িত করুন এবং এটি বহুবার ব্যবহার করুন</a:t>
-            </a:r>
-            <a:r>
-              <a:rPr lang="as-IN" sz="2200" b="1" dirty="0" smtClean="0">
+              <a:t>জাভাস্ক্রিপ্টে </a:t>
+            </a:r>
+            <a:r>
+              <a:rPr lang="en-US" sz="2600" b="1" dirty="0" smtClean="0">
                 <a:solidFill>
                   <a:schemeClr val="tx1"/>
                 </a:solidFill>
               </a:rPr>
-              <a:t>।</a:t>
-            </a:r>
-            <a:r>
-              <a:rPr lang="en-US" sz="2200" b="1" dirty="0" smtClean="0">
+              <a:t>2</a:t>
+            </a:r>
+            <a:r>
+              <a:rPr lang="as-IN" sz="2600" b="1" dirty="0" smtClean="0">
                 <a:solidFill>
                   <a:schemeClr val="tx1"/>
                 </a:solidFill>
@@ -8817,30 +9410,30 @@
               <a:t> </a:t>
             </a:r>
             <a:r>
-              <a:rPr lang="as-IN" sz="2200" b="1" dirty="0">
+              <a:rPr lang="as-IN" sz="2600" b="1" dirty="0">
                 <a:solidFill>
                   <a:schemeClr val="tx1"/>
                 </a:solidFill>
               </a:rPr>
-              <a:t>আমরা একই </a:t>
-            </a:r>
-            <a:r>
-              <a:rPr lang="as-IN" sz="2200" b="1" dirty="0" smtClean="0">
+              <a:t>ধরনের ফাংশন </a:t>
+            </a:r>
+            <a:r>
+              <a:rPr lang="as-IN" sz="2600" b="1" dirty="0" smtClean="0">
                 <a:solidFill>
                   <a:schemeClr val="tx1"/>
                 </a:solidFill>
               </a:rPr>
-              <a:t>কোড </a:t>
-            </a:r>
-            <a:r>
-              <a:rPr lang="as-IN" sz="2200" b="1" dirty="0">
+              <a:t>রয়েছে</a:t>
+            </a:r>
+            <a:r>
+              <a:rPr lang="en-US" sz="2600" b="1" dirty="0" smtClean="0">
                 <a:solidFill>
                   <a:schemeClr val="tx1"/>
                 </a:solidFill>
               </a:rPr>
-              <a:t>বিভিন্ন আর্গুমেন্ট সহ অনেকবার ব্যবহার করতে পারি, বিভিন্ন ফলাফল তৈরি করতে।</a:t>
-            </a:r>
-            <a:endParaRPr lang="en-US" sz="2200" b="1" cap="none" dirty="0">
+              <a:t> …</a:t>
+            </a:r>
+            <a:endParaRPr lang="en-US" sz="2600" b="1" cap="none" dirty="0">
               <a:solidFill>
                 <a:schemeClr val="tx1"/>
               </a:solidFill>
@@ -8855,10 +9448,95 @@
           </a:p>
         </p:txBody>
       </p:sp>
+      <p:sp>
+        <p:nvSpPr>
+          <p:cNvPr id="4" name="Rectangle 3"/>
+          <p:cNvSpPr/>
+          <p:nvPr/>
+        </p:nvSpPr>
+        <p:spPr>
+          <a:xfrm>
+            <a:off x="594360" y="2987042"/>
+            <a:ext cx="4142532" cy="738664"/>
+          </a:xfrm>
+          <a:prstGeom prst="rect">
+            <a:avLst/>
+          </a:prstGeom>
+        </p:spPr>
+        <p:txBody>
+          <a:bodyPr wrap="square">
+            <a:spAutoFit/>
+          </a:bodyPr>
+          <a:lstStyle/>
+          <a:p>
+            <a:pPr>
+              <a:buFont typeface="Arial" panose="020B0604020202020204" pitchFamily="34" charset="0"/>
+              <a:buChar char="•"/>
+            </a:pPr>
+            <a:r>
+              <a:rPr lang="en-US" sz="2100" b="1" i="0" dirty="0" smtClean="0">
+                <a:effectLst/>
+                <a:latin typeface="Arial" panose="020B0604020202020204" pitchFamily="34" charset="0"/>
+              </a:rPr>
+              <a:t> </a:t>
+            </a:r>
+            <a:r>
+              <a:rPr lang="en-US" sz="2100" b="1" dirty="0" smtClean="0">
+                <a:latin typeface="Arial" panose="020B0604020202020204" pitchFamily="34" charset="0"/>
+              </a:rPr>
+              <a:t>Pre-defined </a:t>
+            </a:r>
+            <a:r>
+              <a:rPr lang="en-US" sz="2100" b="1" i="0" dirty="0" smtClean="0">
+                <a:effectLst/>
+                <a:latin typeface="Arial" panose="020B0604020202020204" pitchFamily="34" charset="0"/>
+              </a:rPr>
+              <a:t>function</a:t>
+            </a:r>
+          </a:p>
+          <a:p>
+            <a:pPr>
+              <a:buFont typeface="Arial" panose="020B0604020202020204" pitchFamily="34" charset="0"/>
+              <a:buChar char="•"/>
+            </a:pPr>
+            <a:r>
+              <a:rPr lang="en-US" sz="2100" b="1" i="0" dirty="0" smtClean="0">
+                <a:effectLst/>
+                <a:latin typeface="Arial" panose="020B0604020202020204" pitchFamily="34" charset="0"/>
+              </a:rPr>
+              <a:t> </a:t>
+            </a:r>
+            <a:r>
+              <a:rPr lang="en-US" sz="2100" b="1" i="0" dirty="0" smtClean="0">
+                <a:effectLst/>
+                <a:latin typeface="Arial" panose="020B0604020202020204" pitchFamily="34" charset="0"/>
+              </a:rPr>
+              <a:t>User-</a:t>
+            </a:r>
+            <a:r>
+              <a:rPr lang="en-US" sz="2100" b="1" dirty="0" smtClean="0">
+                <a:latin typeface="Arial" panose="020B0604020202020204" pitchFamily="34" charset="0"/>
+              </a:rPr>
+              <a:t>defined</a:t>
+            </a:r>
+            <a:r>
+              <a:rPr lang="en-US" sz="2100" b="1" i="0" dirty="0" smtClean="0">
+                <a:effectLst/>
+                <a:latin typeface="Arial" panose="020B0604020202020204" pitchFamily="34" charset="0"/>
+              </a:rPr>
+              <a:t> function</a:t>
+            </a:r>
+            <a:endParaRPr lang="en-US" sz="2100" b="1" i="0" dirty="0" smtClean="0">
+              <a:effectLst/>
+              <a:latin typeface="Arial" panose="020B0604020202020204" pitchFamily="34" charset="0"/>
+            </a:endParaRPr>
+          </a:p>
+        </p:txBody>
+      </p:sp>
     </p:spTree>
     <p:extLst>
       <p:ext uri="{BB962C8B-B14F-4D97-AF65-F5344CB8AC3E}">
-        <p14:creationId xmlns:p14="http://schemas.microsoft.com/office/powerpoint/2010/main" val="839360838"/>
+        <p14:creationId xmlns:p14="http://schemas.microsoft.com/office/powerpoint/2010/main" val="995234757"/>
       </p:ext>
     </p:extLst>
   </p:cSld>
@@ -9194,6 +9872,59 @@
                       </p:childTnLst>
                     </p:cTn>
                   </p:par>
+                  <p:par>
+                    <p:cTn id="23" fill="hold">
+                      <p:stCondLst>
+                        <p:cond delay="indefinite"/>
+                      </p:stCondLst>
+                      <p:childTnLst>
+                        <p:par>
+                          <p:cTn id="24" fill="hold">
+                            <p:stCondLst>
+                              <p:cond delay="0"/>
+                            </p:stCondLst>
+                            <p:childTnLst>
+                              <p:par>
+                                <p:cTn id="25" presetID="10" presetClass="entr" presetSubtype="0" fill="hold" grpId="0" nodeType="clickEffect">
+                                  <p:stCondLst>
+                                    <p:cond delay="0"/>
+                                  </p:stCondLst>
+                                  <p:childTnLst>
+                                    <p:set>
+                                      <p:cBhvr>
+                                        <p:cTn id="26" dur="1" fill="hold">
+                                          <p:stCondLst>
+                                            <p:cond delay="0"/>
+                                          </p:stCondLst>
+                                        </p:cTn>
+                                        <p:tgtEl>
+                                          <p:spTgt spid="4"/>
+                                        </p:tgtEl>
+                                        <p:attrNameLst>
+                                          <p:attrName>style.visibility</p:attrName>
+                                        </p:attrNameLst>
+                                      </p:cBhvr>
+                                      <p:to>
+                                        <p:strVal val="visible"/>
+                                      </p:to>
+                                    </p:set>
+                                    <p:animEffect transition="in" filter="fade">
+                                      <p:cBhvr>
+                                        <p:cTn id="27" dur="500"/>
+                                        <p:tgtEl>
+                                          <p:spTgt spid="4"/>
+                                        </p:tgtEl>
+                                      </p:cBhvr>
+                                    </p:animEffect>
+                                  </p:childTnLst>
+                                </p:cTn>
+                              </p:par>
+                            </p:childTnLst>
+                          </p:cTn>
+                        </p:par>
+                      </p:childTnLst>
+                    </p:cTn>
+                  </p:par>
                 </p:childTnLst>
               </p:cTn>
               <p:prevCondLst>
@@ -9219,6 +9950,7 @@
       <p:bldP spid="2" grpId="0" animBg="1"/>
       <p:bldP spid="3" grpId="0" build="p"/>
       <p:bldP spid="5" grpId="0" build="p"/>
+      <p:bldP spid="4" grpId="0"/>
     </p:bldLst>
   </p:timing>
 </p:sld>
@@ -9373,7 +10105,7 @@
                 </a:solidFill>
                 <a:latin typeface="Hind Siliguri"/>
               </a:rPr>
-              <a:t>ব্যবহার</a:t>
+              <a:t>কাজ</a:t>
             </a:r>
             <a:r>
               <a:rPr lang="en-US" sz="3600" b="1" dirty="0" smtClean="0">
@@ -9391,7 +10123,7 @@
                 </a:solidFill>
                 <a:latin typeface="Hind Siliguri"/>
               </a:rPr>
-              <a:t>করবো</a:t>
+              <a:t>করে</a:t>
             </a:r>
             <a:r>
               <a:rPr lang="en-US" sz="3600" b="1" dirty="0" smtClean="0">
@@ -9400,7 +10132,16 @@
                 </a:solidFill>
                 <a:latin typeface="Hind Siliguri"/>
               </a:rPr>
-              <a:t> ?</a:t>
+              <a:t> </a:t>
+            </a:r>
+            <a:r>
+              <a:rPr lang="en-US" sz="3600" b="1" dirty="0" smtClean="0">
+                <a:solidFill>
+                  <a:srgbClr val="FFC000"/>
+                </a:solidFill>
+                <a:latin typeface="Hind Siliguri"/>
+              </a:rPr>
+              <a:t>?</a:t>
             </a:r>
             <a:endParaRPr lang="en-US" sz="3500" b="1" cap="none" dirty="0">
               <a:solidFill>
@@ -9809,7 +10550,7 @@
         </p:nvSpPr>
         <p:spPr>
           <a:xfrm>
-            <a:off x="3951822" y="3212425"/>
+            <a:off x="3951821" y="4394524"/>
             <a:ext cx="4288353" cy="461665"/>
           </a:xfrm>
           <a:prstGeom prst="rect">
@@ -9875,7 +10616,7 @@
         </p:blipFill>
         <p:spPr>
           <a:xfrm>
-            <a:off x="2606040" y="3708600"/>
+            <a:off x="2506977" y="4923943"/>
             <a:ext cx="7178040" cy="1305360"/>
           </a:xfrm>
           <a:prstGeom prst="rect">
@@ -9893,7 +10634,7 @@
         </p:nvSpPr>
         <p:spPr>
           <a:xfrm>
-            <a:off x="239844" y="5030742"/>
+            <a:off x="239844" y="3160186"/>
             <a:ext cx="11692326" cy="513904"/>
           </a:xfrm>
           <a:prstGeom prst="rect">
@@ -10203,7 +10944,7 @@
         </p:nvSpPr>
         <p:spPr>
           <a:xfrm>
-            <a:off x="594360" y="5561428"/>
+            <a:off x="354517" y="3714949"/>
             <a:ext cx="6096000" cy="646331"/>
           </a:xfrm>
           <a:prstGeom prst="rect">
@@ -10879,7 +11620,7 @@
         </p:nvSpPr>
         <p:spPr>
           <a:xfrm>
-            <a:off x="-1" y="1479546"/>
+            <a:off x="-1" y="1359626"/>
             <a:ext cx="12192000" cy="649059"/>
           </a:xfrm>
         </p:spPr>
@@ -10903,79 +11644,7 @@
                   </a:outerShdw>
                 </a:effectLst>
               </a:rPr>
-              <a:t>Function </a:t>
-            </a:r>
-            <a:r>
-              <a:rPr lang="en-US" sz="3600" b="1" dirty="0" err="1" smtClean="0">
-                <a:solidFill>
-                  <a:srgbClr val="FFC000"/>
-                </a:solidFill>
-                <a:latin typeface="Hind Siliguri"/>
-              </a:rPr>
-              <a:t>কত</a:t>
-            </a:r>
-            <a:r>
-              <a:rPr lang="en-US" sz="3600" b="1" dirty="0" smtClean="0">
-                <a:solidFill>
-                  <a:srgbClr val="FFC000"/>
-                </a:solidFill>
-                <a:latin typeface="Hind Siliguri"/>
-              </a:rPr>
-              <a:t> </a:t>
-            </a:r>
-            <a:r>
-              <a:rPr lang="en-US" sz="3600" b="1" dirty="0" err="1" smtClean="0">
-                <a:solidFill>
-                  <a:srgbClr val="FFC000"/>
-                </a:solidFill>
-                <a:latin typeface="Hind Siliguri"/>
-              </a:rPr>
-              <a:t>প্রকার</a:t>
-            </a:r>
-            <a:r>
-              <a:rPr lang="en-US" sz="3600" b="1" dirty="0" smtClean="0">
-                <a:solidFill>
-                  <a:srgbClr val="FFC000"/>
-                </a:solidFill>
-                <a:latin typeface="Hind Siliguri"/>
-              </a:rPr>
-              <a:t> </a:t>
-            </a:r>
-            <a:r>
-              <a:rPr lang="en-US" sz="3600" b="1" dirty="0" err="1" smtClean="0">
-                <a:solidFill>
-                  <a:srgbClr val="FFC000"/>
-                </a:solidFill>
-                <a:latin typeface="Hind Siliguri"/>
-              </a:rPr>
-              <a:t>হয়ে</a:t>
-            </a:r>
-            <a:r>
-              <a:rPr lang="en-US" sz="3600" b="1" dirty="0" smtClean="0">
-                <a:solidFill>
-                  <a:srgbClr val="FFC000"/>
-                </a:solidFill>
-                <a:latin typeface="Hind Siliguri"/>
-              </a:rPr>
-              <a:t> </a:t>
-            </a:r>
-            <a:r>
-              <a:rPr lang="en-US" sz="3600" b="1" dirty="0" err="1" smtClean="0">
-                <a:solidFill>
-                  <a:srgbClr val="FFC000"/>
-                </a:solidFill>
-                <a:latin typeface="Hind Siliguri"/>
-              </a:rPr>
-              <a:t>থাকে</a:t>
-            </a:r>
-            <a:r>
-              <a:rPr lang="en-US" sz="3600" b="1" dirty="0" smtClean="0">
-                <a:solidFill>
-                  <a:srgbClr val="FFC000"/>
-                </a:solidFill>
-                <a:latin typeface="Hind Siliguri"/>
-              </a:rPr>
-              <a:t> ?</a:t>
+              <a:t>Recursive Function Example</a:t>
             </a:r>
             <a:endParaRPr lang="en-US" sz="3500" b="1" cap="none" dirty="0">
               <a:solidFill>
@@ -10994,7 +11663,7 @@
       </p:sp>
       <p:sp>
         <p:nvSpPr>
-          <p:cNvPr id="5" name="Subtitle 2"/>
+          <p:cNvPr id="6" name="Subtitle 2"/>
           <p:cNvSpPr txBox="1">
             <a:spLocks/>
           </p:cNvSpPr>
@@ -11002,8 +11671,306 @@
         </p:nvSpPr>
         <p:spPr>
           <a:xfrm>
-            <a:off x="239844" y="2393949"/>
-            <a:ext cx="11692326" cy="501652"/>
+            <a:off x="149900" y="1989220"/>
+            <a:ext cx="5576342" cy="559108"/>
+          </a:xfrm>
+          <a:prstGeom prst="rect">
+            <a:avLst/>
+          </a:prstGeom>
+        </p:spPr>
+        <p:txBody>
+          <a:bodyPr vert="horz" lIns="91440" tIns="45720" rIns="91440" bIns="45720" rtlCol="0" anchor="t">
+            <a:normAutofit/>
+          </a:bodyPr>
+          <a:lstStyle>
+            <a:lvl1pPr marL="0" indent="0" algn="l" defTabSz="457200" rtl="0" eaLnBrk="1" latinLnBrk="0" hangingPunct="1">
+              <a:spcBef>
+                <a:spcPts val="1000"/>
+              </a:spcBef>
+              <a:spcAft>
+                <a:spcPts val="0"/>
+              </a:spcAft>
+              <a:buClr>
+                <a:schemeClr val="bg2">
+                  <a:lumMod val="40000"/>
+                  <a:lumOff val="60000"/>
+                </a:schemeClr>
+              </a:buClr>
+              <a:buSzPct val="80000"/>
+              <a:buFont typeface="Wingdings 3" charset="2"/>
+              <a:buNone/>
+              <a:defRPr sz="2000" b="0" i="0" kern="1200" cap="all">
+                <a:solidFill>
+                  <a:schemeClr val="bg2">
+                    <a:lumMod val="40000"/>
+                    <a:lumOff val="60000"/>
+                  </a:schemeClr>
+                </a:solidFill>
+                <a:latin typeface="+mj-lt"/>
+                <a:ea typeface="+mj-ea"/>
+                <a:cs typeface="+mj-cs"/>
+              </a:defRPr>
+            </a:lvl1pPr>
+            <a:lvl2pPr marL="457200" indent="0" algn="ctr" defTabSz="457200" rtl="0" eaLnBrk="1" latinLnBrk="0" hangingPunct="1">
+              <a:spcBef>
+                <a:spcPts val="1000"/>
+              </a:spcBef>
+              <a:spcAft>
+                <a:spcPts val="0"/>
+              </a:spcAft>
+              <a:buClr>
+                <a:schemeClr val="bg2">
+                  <a:lumMod val="40000"/>
+                  <a:lumOff val="60000"/>
+                </a:schemeClr>
+              </a:buClr>
+              <a:buSzPct val="80000"/>
+              <a:buFont typeface="Wingdings 3" charset="2"/>
+              <a:buNone/>
+              <a:defRPr sz="1800" b="0" i="0" kern="1200">
+                <a:solidFill>
+                  <a:schemeClr val="tx1">
+                    <a:tint val="75000"/>
+                  </a:schemeClr>
+                </a:solidFill>
+                <a:latin typeface="+mj-lt"/>
+                <a:ea typeface="+mj-ea"/>
+                <a:cs typeface="+mj-cs"/>
+              </a:defRPr>
+            </a:lvl2pPr>
+            <a:lvl3pPr marL="914400" indent="0" algn="ctr" defTabSz="457200" rtl="0" eaLnBrk="1" latinLnBrk="0" hangingPunct="1">
+              <a:spcBef>
+                <a:spcPts val="1000"/>
+              </a:spcBef>
+              <a:spcAft>
+                <a:spcPts val="0"/>
+              </a:spcAft>
+              <a:buClr>
+                <a:schemeClr val="bg2">
+                  <a:lumMod val="40000"/>
+                  <a:lumOff val="60000"/>
+                </a:schemeClr>
+              </a:buClr>
+              <a:buSzPct val="80000"/>
+              <a:buFont typeface="Wingdings 3" charset="2"/>
+              <a:buNone/>
+              <a:defRPr sz="1600" b="0" i="0" kern="1200">
+                <a:solidFill>
+                  <a:schemeClr val="tx1">
+                    <a:tint val="75000"/>
+                  </a:schemeClr>
+                </a:solidFill>
+                <a:latin typeface="+mj-lt"/>
+                <a:ea typeface="+mj-ea"/>
+                <a:cs typeface="+mj-cs"/>
+              </a:defRPr>
+            </a:lvl3pPr>
+            <a:lvl4pPr marL="1371600" indent="0" algn="ctr" defTabSz="457200" rtl="0" eaLnBrk="1" latinLnBrk="0" hangingPunct="1">
+              <a:spcBef>
+                <a:spcPts val="1000"/>
+              </a:spcBef>
+              <a:spcAft>
+                <a:spcPts val="0"/>
+              </a:spcAft>
+              <a:buClr>
+                <a:schemeClr val="bg2">
+                  <a:lumMod val="40000"/>
+                  <a:lumOff val="60000"/>
+                </a:schemeClr>
+              </a:buClr>
+              <a:buSzPct val="80000"/>
+              <a:buFont typeface="Wingdings 3" charset="2"/>
+              <a:buNone/>
+              <a:defRPr sz="1400" b="0" i="0" kern="1200">
+                <a:solidFill>
+                  <a:schemeClr val="tx1">
+                    <a:tint val="75000"/>
+                  </a:schemeClr>
+                </a:solidFill>
+                <a:latin typeface="+mj-lt"/>
+                <a:ea typeface="+mj-ea"/>
+                <a:cs typeface="+mj-cs"/>
+              </a:defRPr>
+            </a:lvl4pPr>
+            <a:lvl5pPr marL="1828800" indent="0" algn="ctr" defTabSz="457200" rtl="0" eaLnBrk="1" latinLnBrk="0" hangingPunct="1">
+              <a:spcBef>
+                <a:spcPts val="1000"/>
+              </a:spcBef>
+              <a:spcAft>
+                <a:spcPts val="0"/>
+              </a:spcAft>
+              <a:buClr>
+                <a:schemeClr val="bg2">
+                  <a:lumMod val="40000"/>
+                  <a:lumOff val="60000"/>
+                </a:schemeClr>
+              </a:buClr>
+              <a:buSzPct val="80000"/>
+              <a:buFont typeface="Wingdings 3" charset="2"/>
+              <a:buNone/>
+              <a:defRPr sz="1400" b="0" i="0" kern="1200">
+                <a:solidFill>
+                  <a:schemeClr val="tx1">
+                    <a:tint val="75000"/>
+                  </a:schemeClr>
+                </a:solidFill>
+                <a:latin typeface="+mj-lt"/>
+                <a:ea typeface="+mj-ea"/>
+                <a:cs typeface="+mj-cs"/>
+              </a:defRPr>
+            </a:lvl5pPr>
+            <a:lvl6pPr marL="2286000" indent="0" algn="ctr" defTabSz="457200" rtl="0" eaLnBrk="1" latinLnBrk="0" hangingPunct="1">
+              <a:spcBef>
+                <a:spcPts val="1000"/>
+              </a:spcBef>
+              <a:spcAft>
+                <a:spcPts val="0"/>
+              </a:spcAft>
+              <a:buClr>
+                <a:schemeClr val="bg2">
+                  <a:lumMod val="40000"/>
+                  <a:lumOff val="60000"/>
+                </a:schemeClr>
+              </a:buClr>
+              <a:buSzPct val="80000"/>
+              <a:buFont typeface="Wingdings 3" charset="2"/>
+              <a:buNone/>
+              <a:defRPr sz="1400" b="0" i="0" kern="1200">
+                <a:solidFill>
+                  <a:schemeClr val="tx1">
+                    <a:tint val="75000"/>
+                  </a:schemeClr>
+                </a:solidFill>
+                <a:latin typeface="+mj-lt"/>
+                <a:ea typeface="+mj-ea"/>
+                <a:cs typeface="+mj-cs"/>
+              </a:defRPr>
+            </a:lvl6pPr>
+            <a:lvl7pPr marL="2743200" indent="0" algn="ctr" defTabSz="457200" rtl="0" eaLnBrk="1" latinLnBrk="0" hangingPunct="1">
+              <a:spcBef>
+                <a:spcPts val="1000"/>
+              </a:spcBef>
+              <a:spcAft>
+                <a:spcPts val="0"/>
+              </a:spcAft>
+              <a:buClr>
+                <a:schemeClr val="bg2">
+                  <a:lumMod val="40000"/>
+                  <a:lumOff val="60000"/>
+                </a:schemeClr>
+              </a:buClr>
+              <a:buSzPct val="80000"/>
+              <a:buFont typeface="Wingdings 3" charset="2"/>
+              <a:buNone/>
+              <a:defRPr sz="1400" b="0" i="0" kern="1200">
+                <a:solidFill>
+                  <a:schemeClr val="tx1">
+                    <a:tint val="75000"/>
+                  </a:schemeClr>
+                </a:solidFill>
+                <a:latin typeface="+mj-lt"/>
+                <a:ea typeface="+mj-ea"/>
+                <a:cs typeface="+mj-cs"/>
+              </a:defRPr>
+            </a:lvl7pPr>
+            <a:lvl8pPr marL="3200400" indent="0" algn="ctr" defTabSz="457200" rtl="0" eaLnBrk="1" latinLnBrk="0" hangingPunct="1">
+              <a:spcBef>
+                <a:spcPts val="1000"/>
+              </a:spcBef>
+              <a:spcAft>
+                <a:spcPts val="0"/>
+              </a:spcAft>
+              <a:buClr>
+                <a:schemeClr val="bg2">
+                  <a:lumMod val="40000"/>
+                  <a:lumOff val="60000"/>
+                </a:schemeClr>
+              </a:buClr>
+              <a:buSzPct val="80000"/>
+              <a:buFont typeface="Wingdings 3" charset="2"/>
+              <a:buNone/>
+              <a:defRPr sz="1400" b="0" i="0" kern="1200">
+                <a:solidFill>
+                  <a:schemeClr val="tx1">
+                    <a:tint val="75000"/>
+                  </a:schemeClr>
+                </a:solidFill>
+                <a:latin typeface="+mj-lt"/>
+                <a:ea typeface="+mj-ea"/>
+                <a:cs typeface="+mj-cs"/>
+              </a:defRPr>
+            </a:lvl8pPr>
+            <a:lvl9pPr marL="3657600" indent="0" algn="ctr" defTabSz="457200" rtl="0" eaLnBrk="1" latinLnBrk="0" hangingPunct="1">
+              <a:spcBef>
+                <a:spcPts val="1000"/>
+              </a:spcBef>
+              <a:spcAft>
+                <a:spcPts val="0"/>
+              </a:spcAft>
+              <a:buClr>
+                <a:schemeClr val="bg2">
+                  <a:lumMod val="40000"/>
+                  <a:lumOff val="60000"/>
+                </a:schemeClr>
+              </a:buClr>
+              <a:buSzPct val="80000"/>
+              <a:buFont typeface="Wingdings 3" charset="2"/>
+              <a:buNone/>
+              <a:defRPr sz="1400" b="0" i="0" kern="1200">
+                <a:solidFill>
+                  <a:schemeClr val="tx1">
+                    <a:tint val="75000"/>
+                  </a:schemeClr>
+                </a:solidFill>
+                <a:latin typeface="+mj-lt"/>
+                <a:ea typeface="+mj-ea"/>
+                <a:cs typeface="+mj-cs"/>
+              </a:defRPr>
+            </a:lvl9pPr>
+          </a:lstStyle>
+          <a:p>
+            <a:r>
+              <a:rPr lang="en-US" sz="2800" b="1" cap="none" dirty="0" smtClean="0">
+                <a:solidFill>
+                  <a:srgbClr val="FFC000"/>
+                </a:solidFill>
+                <a:effectLst>
+                  <a:outerShdw blurRad="38100" dist="38100" dir="2700000" algn="tl">
+                    <a:srgbClr val="000000">
+                      <a:alpha val="43137"/>
+                    </a:srgbClr>
+                  </a:outerShdw>
+                </a:effectLst>
+              </a:rPr>
+              <a:t>What is Recursion Function ?</a:t>
+            </a:r>
+            <a:endParaRPr lang="en-US" sz="2800" b="1" cap="none" dirty="0">
+              <a:solidFill>
+                <a:srgbClr val="FFC000"/>
+              </a:solidFill>
+              <a:effectLst>
+                <a:outerShdw blurRad="38100" dist="38100" dir="2700000" algn="tl">
+                  <a:srgbClr val="000000">
+                    <a:alpha val="43137"/>
+                  </a:srgbClr>
+                </a:outerShdw>
+              </a:effectLst>
+            </a:endParaRPr>
+          </a:p>
+        </p:txBody>
+      </p:sp>
+      <p:sp>
+        <p:nvSpPr>
+          <p:cNvPr id="7" name="Subtitle 2"/>
+          <p:cNvSpPr txBox="1">
+            <a:spLocks/>
+          </p:cNvSpPr>
+          <p:nvPr/>
+        </p:nvSpPr>
+        <p:spPr>
+          <a:xfrm>
+            <a:off x="149900" y="2548327"/>
+            <a:ext cx="10223293" cy="764499"/>
           </a:xfrm>
           <a:prstGeom prst="rect">
             <a:avLst/>
@@ -11260,13 +12227,8 @@
             </a:lvl9pPr>
           </a:lstStyle>
           <a:p>
-            <a:pPr>
-              <a:lnSpc>
-                <a:spcPct val="120000"/>
-              </a:lnSpc>
-            </a:pPr>
-            <a:r>
-              <a:rPr lang="en-US" sz="2600" b="1" cap="none" dirty="0" smtClean="0">
+            <a:r>
+              <a:rPr lang="en-US" b="1" cap="none" dirty="0">
                 <a:solidFill>
                   <a:schemeClr val="tx1"/>
                 </a:solidFill>
@@ -11277,35 +12239,40 @@
                     </a:srgbClr>
                   </a:outerShdw>
                 </a:effectLst>
-                <a:sym typeface="Wingdings" panose="05000000000000000000" pitchFamily="2" charset="2"/>
-              </a:rPr>
-              <a:t> </a:t>
-            </a:r>
-            <a:r>
-              <a:rPr lang="as-IN" sz="2600" b="1" dirty="0">
+              </a:rPr>
+              <a:t>Recursion </a:t>
+            </a:r>
+            <a:r>
+              <a:rPr lang="as-IN" b="1" cap="none" dirty="0">
                 <a:solidFill>
                   <a:schemeClr val="tx1"/>
                 </a:solidFill>
-              </a:rPr>
-              <a:t>জাভাস্ক্রিপ্টে 3 ধরনের ফাংশন </a:t>
-            </a:r>
-            <a:r>
-              <a:rPr lang="as-IN" sz="2600" b="1" dirty="0" smtClean="0">
+                <a:effectLst>
+                  <a:outerShdw blurRad="38100" dist="38100" dir="2700000" algn="tl">
+                    <a:srgbClr val="000000">
+                      <a:alpha val="43137"/>
+                    </a:srgbClr>
+                  </a:outerShdw>
+                </a:effectLst>
+              </a:rPr>
+              <a:t>হল নিজেকে কল করার একটি প্রক্রিয়া। একটি ফাংশন যা নিজেকে কল করে তাকে পুনরাবৃত্ত ফাংশন বলা </a:t>
+            </a:r>
+            <a:r>
+              <a:rPr lang="as-IN" b="1" cap="none" dirty="0" smtClean="0">
                 <a:solidFill>
                   <a:schemeClr val="tx1"/>
                 </a:solidFill>
-              </a:rPr>
-              <a:t>রয়েছে</a:t>
-            </a:r>
-            <a:r>
-              <a:rPr lang="en-US" sz="2600" b="1" dirty="0" smtClean="0">
-                <a:solidFill>
-                  <a:schemeClr val="tx1"/>
-                </a:solidFill>
-              </a:rPr>
-              <a:t> …</a:t>
-            </a:r>
-            <a:endParaRPr lang="en-US" sz="2600" b="1" cap="none" dirty="0">
+                <a:effectLst>
+                  <a:outerShdw blurRad="38100" dist="38100" dir="2700000" algn="tl">
+                    <a:srgbClr val="000000">
+                      <a:alpha val="43137"/>
+                    </a:srgbClr>
+                  </a:outerShdw>
+                </a:effectLst>
+              </a:rPr>
+              <a:t>হয়</a:t>
+            </a:r>
+            <a:endParaRPr lang="en-US" b="1" cap="none" dirty="0">
               <a:solidFill>
                 <a:schemeClr val="tx1"/>
               </a:solidFill>
@@ -11320,690 +12287,69 @@
           </a:p>
         </p:txBody>
       </p:sp>
-      <p:sp>
-        <p:nvSpPr>
-          <p:cNvPr id="4" name="Rectangle 3"/>
-          <p:cNvSpPr/>
+      <p:pic>
+        <p:nvPicPr>
+          <p:cNvPr id="4" name="Picture 3"/>
+          <p:cNvPicPr>
+            <a:picLocks noChangeAspect="1"/>
+          </p:cNvPicPr>
           <p:nvPr/>
-        </p:nvSpPr>
+        </p:nvPicPr>
+        <p:blipFill>
+          <a:blip r:embed="rId2">
+            <a:extLst>
+              <a:ext uri="{28A0092B-C50C-407E-A947-70E740481C1C}">
+                <a14:useLocalDpi xmlns:a14="http://schemas.microsoft.com/office/drawing/2010/main" val="0"/>
+              </a:ext>
+            </a:extLst>
+          </a:blip>
+          <a:stretch>
+            <a:fillRect/>
+          </a:stretch>
+        </p:blipFill>
         <p:spPr>
           <a:xfrm>
-            <a:off x="594360" y="2987042"/>
-            <a:ext cx="7696200" cy="1061829"/>
+            <a:off x="644577" y="4167265"/>
+            <a:ext cx="4839326" cy="2503358"/>
           </a:xfrm>
           <a:prstGeom prst="rect">
             <a:avLst/>
           </a:prstGeom>
         </p:spPr>
-        <p:txBody>
-          <a:bodyPr wrap="square">
-            <a:spAutoFit/>
-          </a:bodyPr>
-          <a:lstStyle/>
-          <a:p>
-            <a:pPr>
-              <a:buFont typeface="Arial" panose="020B0604020202020204" pitchFamily="34" charset="0"/>
-              <a:buChar char="•"/>
-            </a:pPr>
-            <a:r>
-              <a:rPr lang="en-US" sz="2100" b="1" i="0" dirty="0" smtClean="0">
-                <a:effectLst/>
-                <a:latin typeface="Arial" panose="020B0604020202020204" pitchFamily="34" charset="0"/>
-              </a:rPr>
-              <a:t> Named function</a:t>
-            </a:r>
-          </a:p>
-          <a:p>
-            <a:pPr>
-              <a:buFont typeface="Arial" panose="020B0604020202020204" pitchFamily="34" charset="0"/>
-              <a:buChar char="•"/>
-            </a:pPr>
-            <a:r>
-              <a:rPr lang="en-US" sz="2100" b="1" i="0" dirty="0" smtClean="0">
-                <a:effectLst/>
-                <a:latin typeface="Arial" panose="020B0604020202020204" pitchFamily="34" charset="0"/>
-              </a:rPr>
-              <a:t> Anonymous function</a:t>
-            </a:r>
-          </a:p>
-          <a:p>
-            <a:pPr>
-              <a:buFont typeface="Arial" panose="020B0604020202020204" pitchFamily="34" charset="0"/>
-              <a:buChar char="•"/>
-            </a:pPr>
-            <a:r>
-              <a:rPr lang="en-US" sz="2100" b="1" i="0" dirty="0" smtClean="0">
-                <a:effectLst/>
-                <a:latin typeface="Arial" panose="020B0604020202020204" pitchFamily="34" charset="0"/>
-              </a:rPr>
-              <a:t> Immediately invoked function expression.</a:t>
-            </a:r>
-            <a:endParaRPr lang="en-US" sz="2100" b="1" i="0" dirty="0">
-              <a:effectLst/>
-              <a:latin typeface="Arial" panose="020B0604020202020204" pitchFamily="34" charset="0"/>
-            </a:endParaRPr>
-          </a:p>
-        </p:txBody>
-      </p:sp>
-    </p:spTree>
-    <p:extLst>
-      <p:ext uri="{BB962C8B-B14F-4D97-AF65-F5344CB8AC3E}">
-        <p14:creationId xmlns:p14="http://schemas.microsoft.com/office/powerpoint/2010/main" val="995234757"/>
-      </p:ext>
-    </p:extLst>
-  </p:cSld>
-  <p:clrMapOvr>
-    <a:masterClrMapping/>
-  </p:clrMapOvr>
-  <p:timing>
-    <p:tnLst>
-      <p:par>
-        <p:cTn id="1" dur="indefinite" restart="never" nodeType="tmRoot">
-          <p:childTnLst>
-            <p:seq concurrent="1" nextAc="seek">
-              <p:cTn id="2" dur="indefinite" nodeType="mainSeq">
-                <p:childTnLst>
-                  <p:par>
-                    <p:cTn id="3" fill="hold">
-                      <p:stCondLst>
-                        <p:cond delay="indefinite"/>
-                      </p:stCondLst>
-                      <p:childTnLst>
-                        <p:par>
-                          <p:cTn id="4" fill="hold">
-                            <p:stCondLst>
-                              <p:cond delay="0"/>
-                            </p:stCondLst>
-                            <p:childTnLst>
-                              <p:par>
-                                <p:cTn id="5" presetID="2" presetClass="entr" presetSubtype="4" fill="hold" grpId="0" nodeType="clickEffect">
-                                  <p:stCondLst>
-                                    <p:cond delay="0"/>
-                                  </p:stCondLst>
-                                  <p:childTnLst>
-                                    <p:set>
-                                      <p:cBhvr>
-                                        <p:cTn id="6" dur="1" fill="hold">
-                                          <p:stCondLst>
-                                            <p:cond delay="0"/>
-                                          </p:stCondLst>
-                                        </p:cTn>
-                                        <p:tgtEl>
-                                          <p:spTgt spid="2"/>
-                                        </p:tgtEl>
-                                        <p:attrNameLst>
-                                          <p:attrName>style.visibility</p:attrName>
-                                        </p:attrNameLst>
-                                      </p:cBhvr>
-                                      <p:to>
-                                        <p:strVal val="visible"/>
-                                      </p:to>
-                                    </p:set>
-                                    <p:anim calcmode="lin" valueType="num">
-                                      <p:cBhvr additive="base">
-                                        <p:cTn id="7" dur="500" fill="hold"/>
-                                        <p:tgtEl>
-                                          <p:spTgt spid="2"/>
-                                        </p:tgtEl>
-                                        <p:attrNameLst>
-                                          <p:attrName>ppt_x</p:attrName>
-                                        </p:attrNameLst>
-                                      </p:cBhvr>
-                                      <p:tavLst>
-                                        <p:tav tm="0">
-                                          <p:val>
-                                            <p:strVal val="#ppt_x"/>
-                                          </p:val>
-                                        </p:tav>
-                                        <p:tav tm="100000">
-                                          <p:val>
-                                            <p:strVal val="#ppt_x"/>
-                                          </p:val>
-                                        </p:tav>
-                                      </p:tavLst>
-                                    </p:anim>
-                                    <p:anim calcmode="lin" valueType="num">
-                                      <p:cBhvr additive="base">
-                                        <p:cTn id="8" dur="500" fill="hold"/>
-                                        <p:tgtEl>
-                                          <p:spTgt spid="2"/>
-                                        </p:tgtEl>
-                                        <p:attrNameLst>
-                                          <p:attrName>ppt_y</p:attrName>
-                                        </p:attrNameLst>
-                                      </p:cBhvr>
-                                      <p:tavLst>
-                                        <p:tav tm="0">
-                                          <p:val>
-                                            <p:strVal val="1+#ppt_h/2"/>
-                                          </p:val>
-                                        </p:tav>
-                                        <p:tav tm="100000">
-                                          <p:val>
-                                            <p:strVal val="#ppt_y"/>
-                                          </p:val>
-                                        </p:tav>
-                                      </p:tavLst>
-                                    </p:anim>
-                                  </p:childTnLst>
-                                </p:cTn>
-                              </p:par>
-                            </p:childTnLst>
-                          </p:cTn>
-                        </p:par>
-                      </p:childTnLst>
-                    </p:cTn>
-                  </p:par>
-                  <p:par>
-                    <p:cTn id="9" fill="hold">
-                      <p:stCondLst>
-                        <p:cond delay="indefinite"/>
-                      </p:stCondLst>
-                      <p:childTnLst>
-                        <p:par>
-                          <p:cTn id="10" fill="hold">
-                            <p:stCondLst>
-                              <p:cond delay="0"/>
-                            </p:stCondLst>
-                            <p:childTnLst>
-                              <p:par>
-                                <p:cTn id="11" presetID="42" presetClass="entr" presetSubtype="0" fill="hold" grpId="0" nodeType="clickEffect">
-                                  <p:stCondLst>
-                                    <p:cond delay="0"/>
-                                  </p:stCondLst>
-                                  <p:childTnLst>
-                                    <p:set>
-                                      <p:cBhvr>
-                                        <p:cTn id="12" dur="1" fill="hold">
-                                          <p:stCondLst>
-                                            <p:cond delay="0"/>
-                                          </p:stCondLst>
-                                        </p:cTn>
-                                        <p:tgtEl>
-                                          <p:spTgt spid="3">
-                                            <p:txEl>
-                                              <p:pRg st="0" end="0"/>
-                                            </p:txEl>
-                                          </p:spTgt>
-                                        </p:tgtEl>
-                                        <p:attrNameLst>
-                                          <p:attrName>style.visibility</p:attrName>
-                                        </p:attrNameLst>
-                                      </p:cBhvr>
-                                      <p:to>
-                                        <p:strVal val="visible"/>
-                                      </p:to>
-                                    </p:set>
-                                    <p:animEffect transition="in" filter="fade">
-                                      <p:cBhvr>
-                                        <p:cTn id="13" dur="1000"/>
-                                        <p:tgtEl>
-                                          <p:spTgt spid="3">
-                                            <p:txEl>
-                                              <p:pRg st="0" end="0"/>
-                                            </p:txEl>
-                                          </p:spTgt>
-                                        </p:tgtEl>
-                                      </p:cBhvr>
-                                    </p:animEffect>
-                                    <p:anim calcmode="lin" valueType="num">
-                                      <p:cBhvr>
-                                        <p:cTn id="14" dur="1000" fill="hold"/>
-                                        <p:tgtEl>
-                                          <p:spTgt spid="3">
-                                            <p:txEl>
-                                              <p:pRg st="0" end="0"/>
-                                            </p:txEl>
-                                          </p:spTgt>
-                                        </p:tgtEl>
-                                        <p:attrNameLst>
-                                          <p:attrName>ppt_x</p:attrName>
-                                        </p:attrNameLst>
-                                      </p:cBhvr>
-                                      <p:tavLst>
-                                        <p:tav tm="0">
-                                          <p:val>
-                                            <p:strVal val="#ppt_x"/>
-                                          </p:val>
-                                        </p:tav>
-                                        <p:tav tm="100000">
-                                          <p:val>
-                                            <p:strVal val="#ppt_x"/>
-                                          </p:val>
-                                        </p:tav>
-                                      </p:tavLst>
-                                    </p:anim>
-                                    <p:anim calcmode="lin" valueType="num">
-                                      <p:cBhvr>
-                                        <p:cTn id="15" dur="1000" fill="hold"/>
-                                        <p:tgtEl>
-                                          <p:spTgt spid="3">
-                                            <p:txEl>
-                                              <p:pRg st="0" end="0"/>
-                                            </p:txEl>
-                                          </p:spTgt>
-                                        </p:tgtEl>
-                                        <p:attrNameLst>
-                                          <p:attrName>ppt_y</p:attrName>
-                                        </p:attrNameLst>
-                                      </p:cBhvr>
-                                      <p:tavLst>
-                                        <p:tav tm="0">
-                                          <p:val>
-                                            <p:strVal val="#ppt_y+.1"/>
-                                          </p:val>
-                                        </p:tav>
-                                        <p:tav tm="100000">
-                                          <p:val>
-                                            <p:strVal val="#ppt_y"/>
-                                          </p:val>
-                                        </p:tav>
-                                      </p:tavLst>
-                                    </p:anim>
-                                  </p:childTnLst>
-                                </p:cTn>
-                              </p:par>
-                            </p:childTnLst>
-                          </p:cTn>
-                        </p:par>
-                      </p:childTnLst>
-                    </p:cTn>
-                  </p:par>
-                  <p:par>
-                    <p:cTn id="16" fill="hold">
-                      <p:stCondLst>
-                        <p:cond delay="indefinite"/>
-                      </p:stCondLst>
-                      <p:childTnLst>
-                        <p:par>
-                          <p:cTn id="17" fill="hold">
-                            <p:stCondLst>
-                              <p:cond delay="0"/>
-                            </p:stCondLst>
-                            <p:childTnLst>
-                              <p:par>
-                                <p:cTn id="18" presetID="42" presetClass="entr" presetSubtype="0" fill="hold" grpId="0" nodeType="clickEffect">
-                                  <p:stCondLst>
-                                    <p:cond delay="0"/>
-                                  </p:stCondLst>
-                                  <p:childTnLst>
-                                    <p:set>
-                                      <p:cBhvr>
-                                        <p:cTn id="19" dur="1" fill="hold">
-                                          <p:stCondLst>
-                                            <p:cond delay="0"/>
-                                          </p:stCondLst>
-                                        </p:cTn>
-                                        <p:tgtEl>
-                                          <p:spTgt spid="5">
-                                            <p:txEl>
-                                              <p:pRg st="0" end="0"/>
-                                            </p:txEl>
-                                          </p:spTgt>
-                                        </p:tgtEl>
-                                        <p:attrNameLst>
-                                          <p:attrName>style.visibility</p:attrName>
-                                        </p:attrNameLst>
-                                      </p:cBhvr>
-                                      <p:to>
-                                        <p:strVal val="visible"/>
-                                      </p:to>
-                                    </p:set>
-                                    <p:animEffect transition="in" filter="fade">
-                                      <p:cBhvr>
-                                        <p:cTn id="20" dur="1000"/>
-                                        <p:tgtEl>
-                                          <p:spTgt spid="5">
-                                            <p:txEl>
-                                              <p:pRg st="0" end="0"/>
-                                            </p:txEl>
-                                          </p:spTgt>
-                                        </p:tgtEl>
-                                      </p:cBhvr>
-                                    </p:animEffect>
-                                    <p:anim calcmode="lin" valueType="num">
-                                      <p:cBhvr>
-                                        <p:cTn id="21" dur="1000" fill="hold"/>
-                                        <p:tgtEl>
-                                          <p:spTgt spid="5">
-                                            <p:txEl>
-                                              <p:pRg st="0" end="0"/>
-                                            </p:txEl>
-                                          </p:spTgt>
-                                        </p:tgtEl>
-                                        <p:attrNameLst>
-                                          <p:attrName>ppt_x</p:attrName>
-                                        </p:attrNameLst>
-                                      </p:cBhvr>
-                                      <p:tavLst>
-                                        <p:tav tm="0">
-                                          <p:val>
-                                            <p:strVal val="#ppt_x"/>
-                                          </p:val>
-                                        </p:tav>
-                                        <p:tav tm="100000">
-                                          <p:val>
-                                            <p:strVal val="#ppt_x"/>
-                                          </p:val>
-                                        </p:tav>
-                                      </p:tavLst>
-                                    </p:anim>
-                                    <p:anim calcmode="lin" valueType="num">
-                                      <p:cBhvr>
-                                        <p:cTn id="22" dur="1000" fill="hold"/>
-                                        <p:tgtEl>
-                                          <p:spTgt spid="5">
-                                            <p:txEl>
-                                              <p:pRg st="0" end="0"/>
-                                            </p:txEl>
-                                          </p:spTgt>
-                                        </p:tgtEl>
-                                        <p:attrNameLst>
-                                          <p:attrName>ppt_y</p:attrName>
-                                        </p:attrNameLst>
-                                      </p:cBhvr>
-                                      <p:tavLst>
-                                        <p:tav tm="0">
-                                          <p:val>
-                                            <p:strVal val="#ppt_y+.1"/>
-                                          </p:val>
-                                        </p:tav>
-                                        <p:tav tm="100000">
-                                          <p:val>
-                                            <p:strVal val="#ppt_y"/>
-                                          </p:val>
-                                        </p:tav>
-                                      </p:tavLst>
-                                    </p:anim>
-                                  </p:childTnLst>
-                                </p:cTn>
-                              </p:par>
-                            </p:childTnLst>
-                          </p:cTn>
-                        </p:par>
-                      </p:childTnLst>
-                    </p:cTn>
-                  </p:par>
-                  <p:par>
-                    <p:cTn id="23" fill="hold">
-                      <p:stCondLst>
-                        <p:cond delay="indefinite"/>
-                      </p:stCondLst>
-                      <p:childTnLst>
-                        <p:par>
-                          <p:cTn id="24" fill="hold">
-                            <p:stCondLst>
-                              <p:cond delay="0"/>
-                            </p:stCondLst>
-                            <p:childTnLst>
-                              <p:par>
-                                <p:cTn id="25" presetID="10" presetClass="entr" presetSubtype="0" fill="hold" grpId="0" nodeType="clickEffect">
-                                  <p:stCondLst>
-                                    <p:cond delay="0"/>
-                                  </p:stCondLst>
-                                  <p:childTnLst>
-                                    <p:set>
-                                      <p:cBhvr>
-                                        <p:cTn id="26" dur="1" fill="hold">
-                                          <p:stCondLst>
-                                            <p:cond delay="0"/>
-                                          </p:stCondLst>
-                                        </p:cTn>
-                                        <p:tgtEl>
-                                          <p:spTgt spid="4"/>
-                                        </p:tgtEl>
-                                        <p:attrNameLst>
-                                          <p:attrName>style.visibility</p:attrName>
-                                        </p:attrNameLst>
-                                      </p:cBhvr>
-                                      <p:to>
-                                        <p:strVal val="visible"/>
-                                      </p:to>
-                                    </p:set>
-                                    <p:animEffect transition="in" filter="fade">
-                                      <p:cBhvr>
-                                        <p:cTn id="27" dur="500"/>
-                                        <p:tgtEl>
-                                          <p:spTgt spid="4"/>
-                                        </p:tgtEl>
-                                      </p:cBhvr>
-                                    </p:animEffect>
-                                  </p:childTnLst>
-                                </p:cTn>
-                              </p:par>
-                            </p:childTnLst>
-                          </p:cTn>
-                        </p:par>
-                      </p:childTnLst>
-                    </p:cTn>
-                  </p:par>
-                </p:childTnLst>
-              </p:cTn>
-              <p:prevCondLst>
-                <p:cond evt="onPrev" delay="0">
-                  <p:tgtEl>
-                    <p:sldTgt/>
-                  </p:tgtEl>
-                </p:cond>
-              </p:prevCondLst>
-              <p:nextCondLst>
-                <p:cond evt="onNext" delay="0">
-                  <p:tgtEl>
-                    <p:sldTgt/>
-                  </p:tgtEl>
-                </p:cond>
-              </p:nextCondLst>
-            </p:seq>
-          </p:childTnLst>
-        </p:cTn>
-      </p:par>
-    </p:tnLst>
-    <p:bldLst>
-      <p:bldP spid="2" grpId="0" animBg="1"/>
-      <p:bldP spid="3" grpId="0" build="p"/>
-      <p:bldP spid="5" grpId="0" build="p"/>
-      <p:bldP spid="4" grpId="0"/>
-    </p:bldLst>
-  </p:timing>
-</p:sld>
-</file>
-
-<file path=ppt/slides/slide7.xml><?xml version="1.0" encoding="utf-8"?>
-<p:sld xmlns:a="http://schemas.openxmlformats.org/drawingml/2006/main" xmlns:r="http://schemas.openxmlformats.org/officeDocument/2006/relationships" xmlns:p="http://schemas.openxmlformats.org/presentationml/2006/main">
-  <p:cSld>
-    <p:spTree>
-      <p:nvGrpSpPr>
-        <p:cNvPr id="1" name=""/>
-        <p:cNvGrpSpPr/>
-        <p:nvPr/>
-      </p:nvGrpSpPr>
-      <p:grpSpPr>
-        <a:xfrm>
-          <a:off x="0" y="0"/>
-          <a:ext cx="0" cy="0"/>
-          <a:chOff x="0" y="0"/>
-          <a:chExt cx="0" cy="0"/>
-        </a:xfrm>
-      </p:grpSpPr>
+      </p:pic>
+      <p:pic>
+        <p:nvPicPr>
+          <p:cNvPr id="8" name="Picture 7"/>
+          <p:cNvPicPr>
+            <a:picLocks noChangeAspect="1"/>
+          </p:cNvPicPr>
+          <p:nvPr/>
+        </p:nvPicPr>
+        <p:blipFill>
+          <a:blip r:embed="rId3">
+            <a:extLst>
+              <a:ext uri="{28A0092B-C50C-407E-A947-70E740481C1C}">
+                <a14:useLocalDpi xmlns:a14="http://schemas.microsoft.com/office/drawing/2010/main" val="0"/>
+              </a:ext>
+            </a:extLst>
+          </a:blip>
+          <a:stretch>
+            <a:fillRect/>
+          </a:stretch>
+        </p:blipFill>
+        <p:spPr>
+          <a:xfrm>
+            <a:off x="7180136" y="4182255"/>
+            <a:ext cx="4452231" cy="2503358"/>
+          </a:xfrm>
+          <a:prstGeom prst="rect">
+            <a:avLst/>
+          </a:prstGeom>
+        </p:spPr>
+      </p:pic>
       <p:sp>
         <p:nvSpPr>
-          <p:cNvPr id="2" name="Title 1"/>
-          <p:cNvSpPr>
-            <a:spLocks noGrp="1"/>
-          </p:cNvSpPr>
-          <p:nvPr>
-            <p:ph type="ctrTitle"/>
-          </p:nvPr>
-        </p:nvSpPr>
-        <p:spPr>
-          <a:xfrm>
-            <a:off x="0" y="0"/>
-            <a:ext cx="12192000" cy="1214203"/>
-          </a:xfrm>
-        </p:spPr>
-        <p:style>
-          <a:lnRef idx="0">
-            <a:schemeClr val="accent3"/>
-          </a:lnRef>
-          <a:fillRef idx="3">
-            <a:schemeClr val="accent3"/>
-          </a:fillRef>
-          <a:effectRef idx="3">
-            <a:schemeClr val="accent3"/>
-          </a:effectRef>
-          <a:fontRef idx="minor">
-            <a:schemeClr val="lt1"/>
-          </a:fontRef>
-        </p:style>
-        <p:txBody>
-          <a:bodyPr/>
-          <a:lstStyle/>
-          <a:p>
-            <a:pPr algn="ctr"/>
-            <a:r>
-              <a:rPr lang="en-US" dirty="0" smtClean="0">
-                <a:solidFill>
-                  <a:schemeClr val="bg1"/>
-                </a:solidFill>
-                <a:effectLst>
-                  <a:outerShdw blurRad="38100" dist="38100" dir="2700000" algn="tl">
-                    <a:srgbClr val="000000">
-                      <a:alpha val="43137"/>
-                    </a:srgbClr>
-                  </a:outerShdw>
-                </a:effectLst>
-                <a:latin typeface="Aharoni" panose="02010803020104030203" pitchFamily="2" charset="-79"/>
-                <a:cs typeface="Aharoni" panose="02010803020104030203" pitchFamily="2" charset="-79"/>
-              </a:rPr>
-              <a:t>Function</a:t>
-            </a:r>
-            <a:endParaRPr lang="en-US" dirty="0">
-              <a:solidFill>
-                <a:schemeClr val="bg1"/>
-              </a:solidFill>
-              <a:effectLst>
-                <a:outerShdw blurRad="38100" dist="38100" dir="2700000" algn="tl">
-                  <a:srgbClr val="000000">
-                    <a:alpha val="43137"/>
-                  </a:srgbClr>
-                </a:outerShdw>
-              </a:effectLst>
-              <a:latin typeface="Aharoni" panose="02010803020104030203" pitchFamily="2" charset="-79"/>
-              <a:cs typeface="Aharoni" panose="02010803020104030203" pitchFamily="2" charset="-79"/>
-            </a:endParaRPr>
-          </a:p>
-        </p:txBody>
-      </p:sp>
-      <p:sp>
-        <p:nvSpPr>
-          <p:cNvPr id="3" name="Subtitle 2"/>
-          <p:cNvSpPr>
-            <a:spLocks noGrp="1"/>
-          </p:cNvSpPr>
-          <p:nvPr>
-            <p:ph type="subTitle" idx="1"/>
-          </p:nvPr>
-        </p:nvSpPr>
-        <p:spPr>
-          <a:xfrm>
-            <a:off x="-1" y="1479546"/>
-            <a:ext cx="12192000" cy="649059"/>
-          </a:xfrm>
-        </p:spPr>
-        <p:txBody>
-          <a:bodyPr>
-            <a:normAutofit/>
-          </a:bodyPr>
-          <a:lstStyle/>
-          <a:p>
-            <a:pPr algn="ctr"/>
-            <a:r>
-              <a:rPr lang="en-US" sz="3500" b="1" cap="none" dirty="0" smtClean="0">
-                <a:solidFill>
-                  <a:srgbClr val="FFFF00"/>
-                </a:solidFill>
-                <a:effectLst>
-                  <a:outerShdw blurRad="38100" dist="38100" dir="2700000" algn="tl">
-                    <a:srgbClr val="000000">
-                      <a:alpha val="43137"/>
-                    </a:srgbClr>
-                  </a:outerShdw>
-                </a:effectLst>
-              </a:rPr>
-              <a:t>Function </a:t>
-            </a:r>
-            <a:r>
-              <a:rPr lang="en-US" sz="3600" b="1" dirty="0" err="1" smtClean="0">
-                <a:solidFill>
-                  <a:srgbClr val="FFC000"/>
-                </a:solidFill>
-                <a:latin typeface="Hind Siliguri"/>
-              </a:rPr>
-              <a:t>কিভাবে</a:t>
-            </a:r>
-            <a:r>
-              <a:rPr lang="en-US" sz="3600" b="1" dirty="0" smtClean="0">
-                <a:solidFill>
-                  <a:srgbClr val="FFC000"/>
-                </a:solidFill>
-                <a:latin typeface="Hind Siliguri"/>
-              </a:rPr>
-              <a:t> </a:t>
-            </a:r>
-            <a:r>
-              <a:rPr lang="en-US" sz="3600" b="1" dirty="0" err="1" smtClean="0">
-                <a:solidFill>
-                  <a:srgbClr val="FFC000"/>
-                </a:solidFill>
-                <a:latin typeface="Hind Siliguri"/>
-              </a:rPr>
-              <a:t>কাজ</a:t>
-            </a:r>
-            <a:r>
-              <a:rPr lang="en-US" sz="3600" b="1" dirty="0" smtClean="0">
-                <a:solidFill>
-                  <a:srgbClr val="FFC000"/>
-                </a:solidFill>
-                <a:latin typeface="Hind Siliguri"/>
-              </a:rPr>
-              <a:t> </a:t>
-            </a:r>
-            <a:r>
-              <a:rPr lang="en-US" sz="3600" b="1" dirty="0" err="1" smtClean="0">
-                <a:solidFill>
-                  <a:srgbClr val="FFC000"/>
-                </a:solidFill>
-                <a:latin typeface="Hind Siliguri"/>
-              </a:rPr>
-              <a:t>করে</a:t>
-            </a:r>
-            <a:r>
-              <a:rPr lang="en-US" sz="3600" b="1" dirty="0" smtClean="0">
-                <a:solidFill>
-                  <a:srgbClr val="FFC000"/>
-                </a:solidFill>
-                <a:latin typeface="Hind Siliguri"/>
-              </a:rPr>
-              <a:t> ?</a:t>
-            </a:r>
-            <a:endParaRPr lang="en-US" sz="3500" b="1" cap="none" dirty="0">
-              <a:solidFill>
-                <a:srgbClr val="FFFF00"/>
-              </a:solidFill>
-              <a:effectLst>
-                <a:outerShdw blurRad="38100" dist="38100" dir="2700000" algn="tl">
-                  <a:srgbClr val="000000">
-                    <a:alpha val="43137"/>
-                  </a:srgbClr>
-                </a:outerShdw>
-              </a:effectLst>
-            </a:endParaRPr>
-          </a:p>
-        </p:txBody>
-      </p:sp>
-      <p:sp>
-        <p:nvSpPr>
-          <p:cNvPr id="5" name="Subtitle 2"/>
+          <p:cNvPr id="9" name="Subtitle 2"/>
           <p:cNvSpPr txBox="1">
             <a:spLocks/>
           </p:cNvSpPr>
@@ -12011,8 +12357,8 @@
         </p:nvSpPr>
         <p:spPr>
           <a:xfrm>
-            <a:off x="239844" y="2393949"/>
-            <a:ext cx="11692326" cy="501652"/>
+            <a:off x="522157" y="3385540"/>
+            <a:ext cx="5204086" cy="811705"/>
           </a:xfrm>
           <a:prstGeom prst="rect">
             <a:avLst/>
@@ -12269,15 +12615,10 @@
             </a:lvl9pPr>
           </a:lstStyle>
           <a:p>
-            <a:pPr>
-              <a:lnSpc>
-                <a:spcPct val="120000"/>
-              </a:lnSpc>
-            </a:pPr>
-            <a:r>
-              <a:rPr lang="en-US" sz="2600" b="1" cap="none" dirty="0" smtClean="0">
-                <a:solidFill>
-                  <a:schemeClr val="tx1"/>
+            <a:r>
+              <a:rPr lang="en-US" sz="2200" b="1" cap="none" dirty="0" smtClean="0">
+                <a:solidFill>
+                  <a:srgbClr val="FFC000"/>
                 </a:solidFill>
                 <a:effectLst>
                   <a:outerShdw blurRad="38100" dist="38100" dir="2700000" algn="tl">
@@ -12286,61 +12627,310 @@
                     </a:srgbClr>
                   </a:outerShdw>
                 </a:effectLst>
-                <a:sym typeface="Wingdings" panose="05000000000000000000" pitchFamily="2" charset="2"/>
-              </a:rPr>
-              <a:t> </a:t>
-            </a:r>
-            <a:r>
-              <a:rPr lang="as-IN" sz="2200" b="1" dirty="0" smtClean="0">
-                <a:solidFill>
-                  <a:schemeClr val="tx1"/>
-                </a:solidFill>
-              </a:rPr>
-              <a:t>জাভাস্ক্রিপ্ট </a:t>
-            </a:r>
-            <a:r>
-              <a:rPr lang="as-IN" sz="2200" b="1" dirty="0">
-                <a:solidFill>
-                  <a:schemeClr val="tx1"/>
-                </a:solidFill>
-              </a:rPr>
-              <a:t>ফাংশন হল কিছু জাভাস্ক্রিপ্ট কোড যা সুপ্ত অবস্থায় থাকে, যতক্ষণ পর্যন্ত না তাকে কাজ করতে বা </a:t>
-            </a:r>
-            <a:r>
-              <a:rPr lang="en-US" sz="2200" b="1" dirty="0">
-                <a:solidFill>
-                  <a:schemeClr val="tx1"/>
-                </a:solidFill>
-              </a:rPr>
-              <a:t>execute </a:t>
-            </a:r>
-            <a:r>
-              <a:rPr lang="as-IN" sz="2200" b="1" dirty="0">
-                <a:solidFill>
-                  <a:schemeClr val="tx1"/>
-                </a:solidFill>
-              </a:rPr>
-              <a:t>করতে বলা হয়। একটি জাভাস্ক্রিপ্ট ফাংশন তখনই কাজ করে যখন কোন জাভাস্ক্রিপ্ট ইভেন্ট সংঘটিত হয় বা অন্য কোন জাভাস্ক্রিপ্ট ফাংশন তাকে </a:t>
-            </a:r>
-            <a:r>
-              <a:rPr lang="en-US" sz="2200" b="1" dirty="0">
-                <a:solidFill>
-                  <a:schemeClr val="tx1"/>
-                </a:solidFill>
-              </a:rPr>
-              <a:t>call </a:t>
-            </a:r>
-            <a:r>
-              <a:rPr lang="as-IN" sz="2200" b="1" dirty="0">
-                <a:solidFill>
-                  <a:schemeClr val="tx1"/>
-                </a:solidFill>
-              </a:rPr>
-              <a:t>করে।</a:t>
+              </a:rPr>
+              <a:t>Example-01: Recursive Function with Condition</a:t>
             </a:r>
             <a:endParaRPr lang="en-US" sz="2200" b="1" cap="none" dirty="0">
               <a:solidFill>
-                <a:schemeClr val="tx1"/>
+                <a:srgbClr val="FFC000"/>
+              </a:solidFill>
+              <a:effectLst>
+                <a:outerShdw blurRad="38100" dist="38100" dir="2700000" algn="tl">
+                  <a:srgbClr val="000000">
+                    <a:alpha val="43137"/>
+                  </a:srgbClr>
+                </a:outerShdw>
+              </a:effectLst>
+            </a:endParaRPr>
+          </a:p>
+        </p:txBody>
+      </p:sp>
+      <p:sp>
+        <p:nvSpPr>
+          <p:cNvPr id="10" name="Subtitle 2"/>
+          <p:cNvSpPr txBox="1">
+            <a:spLocks/>
+          </p:cNvSpPr>
+          <p:nvPr/>
+        </p:nvSpPr>
+        <p:spPr>
+          <a:xfrm>
+            <a:off x="6804208" y="3416635"/>
+            <a:ext cx="5204086" cy="811705"/>
+          </a:xfrm>
+          <a:prstGeom prst="rect">
+            <a:avLst/>
+          </a:prstGeom>
+        </p:spPr>
+        <p:txBody>
+          <a:bodyPr vert="horz" lIns="91440" tIns="45720" rIns="91440" bIns="45720" rtlCol="0" anchor="t">
+            <a:noAutofit/>
+          </a:bodyPr>
+          <a:lstStyle>
+            <a:lvl1pPr marL="0" indent="0" algn="l" defTabSz="457200" rtl="0" eaLnBrk="1" latinLnBrk="0" hangingPunct="1">
+              <a:spcBef>
+                <a:spcPts val="1000"/>
+              </a:spcBef>
+              <a:spcAft>
+                <a:spcPts val="0"/>
+              </a:spcAft>
+              <a:buClr>
+                <a:schemeClr val="bg2">
+                  <a:lumMod val="40000"/>
+                  <a:lumOff val="60000"/>
+                </a:schemeClr>
+              </a:buClr>
+              <a:buSzPct val="80000"/>
+              <a:buFont typeface="Wingdings 3" charset="2"/>
+              <a:buNone/>
+              <a:defRPr sz="2000" b="0" i="0" kern="1200" cap="all">
+                <a:solidFill>
+                  <a:schemeClr val="bg2">
+                    <a:lumMod val="40000"/>
+                    <a:lumOff val="60000"/>
+                  </a:schemeClr>
+                </a:solidFill>
+                <a:latin typeface="+mj-lt"/>
+                <a:ea typeface="+mj-ea"/>
+                <a:cs typeface="+mj-cs"/>
+              </a:defRPr>
+            </a:lvl1pPr>
+            <a:lvl2pPr marL="457200" indent="0" algn="ctr" defTabSz="457200" rtl="0" eaLnBrk="1" latinLnBrk="0" hangingPunct="1">
+              <a:spcBef>
+                <a:spcPts val="1000"/>
+              </a:spcBef>
+              <a:spcAft>
+                <a:spcPts val="0"/>
+              </a:spcAft>
+              <a:buClr>
+                <a:schemeClr val="bg2">
+                  <a:lumMod val="40000"/>
+                  <a:lumOff val="60000"/>
+                </a:schemeClr>
+              </a:buClr>
+              <a:buSzPct val="80000"/>
+              <a:buFont typeface="Wingdings 3" charset="2"/>
+              <a:buNone/>
+              <a:defRPr sz="1800" b="0" i="0" kern="1200">
+                <a:solidFill>
+                  <a:schemeClr val="tx1">
+                    <a:tint val="75000"/>
+                  </a:schemeClr>
+                </a:solidFill>
+                <a:latin typeface="+mj-lt"/>
+                <a:ea typeface="+mj-ea"/>
+                <a:cs typeface="+mj-cs"/>
+              </a:defRPr>
+            </a:lvl2pPr>
+            <a:lvl3pPr marL="914400" indent="0" algn="ctr" defTabSz="457200" rtl="0" eaLnBrk="1" latinLnBrk="0" hangingPunct="1">
+              <a:spcBef>
+                <a:spcPts val="1000"/>
+              </a:spcBef>
+              <a:spcAft>
+                <a:spcPts val="0"/>
+              </a:spcAft>
+              <a:buClr>
+                <a:schemeClr val="bg2">
+                  <a:lumMod val="40000"/>
+                  <a:lumOff val="60000"/>
+                </a:schemeClr>
+              </a:buClr>
+              <a:buSzPct val="80000"/>
+              <a:buFont typeface="Wingdings 3" charset="2"/>
+              <a:buNone/>
+              <a:defRPr sz="1600" b="0" i="0" kern="1200">
+                <a:solidFill>
+                  <a:schemeClr val="tx1">
+                    <a:tint val="75000"/>
+                  </a:schemeClr>
+                </a:solidFill>
+                <a:latin typeface="+mj-lt"/>
+                <a:ea typeface="+mj-ea"/>
+                <a:cs typeface="+mj-cs"/>
+              </a:defRPr>
+            </a:lvl3pPr>
+            <a:lvl4pPr marL="1371600" indent="0" algn="ctr" defTabSz="457200" rtl="0" eaLnBrk="1" latinLnBrk="0" hangingPunct="1">
+              <a:spcBef>
+                <a:spcPts val="1000"/>
+              </a:spcBef>
+              <a:spcAft>
+                <a:spcPts val="0"/>
+              </a:spcAft>
+              <a:buClr>
+                <a:schemeClr val="bg2">
+                  <a:lumMod val="40000"/>
+                  <a:lumOff val="60000"/>
+                </a:schemeClr>
+              </a:buClr>
+              <a:buSzPct val="80000"/>
+              <a:buFont typeface="Wingdings 3" charset="2"/>
+              <a:buNone/>
+              <a:defRPr sz="1400" b="0" i="0" kern="1200">
+                <a:solidFill>
+                  <a:schemeClr val="tx1">
+                    <a:tint val="75000"/>
+                  </a:schemeClr>
+                </a:solidFill>
+                <a:latin typeface="+mj-lt"/>
+                <a:ea typeface="+mj-ea"/>
+                <a:cs typeface="+mj-cs"/>
+              </a:defRPr>
+            </a:lvl4pPr>
+            <a:lvl5pPr marL="1828800" indent="0" algn="ctr" defTabSz="457200" rtl="0" eaLnBrk="1" latinLnBrk="0" hangingPunct="1">
+              <a:spcBef>
+                <a:spcPts val="1000"/>
+              </a:spcBef>
+              <a:spcAft>
+                <a:spcPts val="0"/>
+              </a:spcAft>
+              <a:buClr>
+                <a:schemeClr val="bg2">
+                  <a:lumMod val="40000"/>
+                  <a:lumOff val="60000"/>
+                </a:schemeClr>
+              </a:buClr>
+              <a:buSzPct val="80000"/>
+              <a:buFont typeface="Wingdings 3" charset="2"/>
+              <a:buNone/>
+              <a:defRPr sz="1400" b="0" i="0" kern="1200">
+                <a:solidFill>
+                  <a:schemeClr val="tx1">
+                    <a:tint val="75000"/>
+                  </a:schemeClr>
+                </a:solidFill>
+                <a:latin typeface="+mj-lt"/>
+                <a:ea typeface="+mj-ea"/>
+                <a:cs typeface="+mj-cs"/>
+              </a:defRPr>
+            </a:lvl5pPr>
+            <a:lvl6pPr marL="2286000" indent="0" algn="ctr" defTabSz="457200" rtl="0" eaLnBrk="1" latinLnBrk="0" hangingPunct="1">
+              <a:spcBef>
+                <a:spcPts val="1000"/>
+              </a:spcBef>
+              <a:spcAft>
+                <a:spcPts val="0"/>
+              </a:spcAft>
+              <a:buClr>
+                <a:schemeClr val="bg2">
+                  <a:lumMod val="40000"/>
+                  <a:lumOff val="60000"/>
+                </a:schemeClr>
+              </a:buClr>
+              <a:buSzPct val="80000"/>
+              <a:buFont typeface="Wingdings 3" charset="2"/>
+              <a:buNone/>
+              <a:defRPr sz="1400" b="0" i="0" kern="1200">
+                <a:solidFill>
+                  <a:schemeClr val="tx1">
+                    <a:tint val="75000"/>
+                  </a:schemeClr>
+                </a:solidFill>
+                <a:latin typeface="+mj-lt"/>
+                <a:ea typeface="+mj-ea"/>
+                <a:cs typeface="+mj-cs"/>
+              </a:defRPr>
+            </a:lvl6pPr>
+            <a:lvl7pPr marL="2743200" indent="0" algn="ctr" defTabSz="457200" rtl="0" eaLnBrk="1" latinLnBrk="0" hangingPunct="1">
+              <a:spcBef>
+                <a:spcPts val="1000"/>
+              </a:spcBef>
+              <a:spcAft>
+                <a:spcPts val="0"/>
+              </a:spcAft>
+              <a:buClr>
+                <a:schemeClr val="bg2">
+                  <a:lumMod val="40000"/>
+                  <a:lumOff val="60000"/>
+                </a:schemeClr>
+              </a:buClr>
+              <a:buSzPct val="80000"/>
+              <a:buFont typeface="Wingdings 3" charset="2"/>
+              <a:buNone/>
+              <a:defRPr sz="1400" b="0" i="0" kern="1200">
+                <a:solidFill>
+                  <a:schemeClr val="tx1">
+                    <a:tint val="75000"/>
+                  </a:schemeClr>
+                </a:solidFill>
+                <a:latin typeface="+mj-lt"/>
+                <a:ea typeface="+mj-ea"/>
+                <a:cs typeface="+mj-cs"/>
+              </a:defRPr>
+            </a:lvl7pPr>
+            <a:lvl8pPr marL="3200400" indent="0" algn="ctr" defTabSz="457200" rtl="0" eaLnBrk="1" latinLnBrk="0" hangingPunct="1">
+              <a:spcBef>
+                <a:spcPts val="1000"/>
+              </a:spcBef>
+              <a:spcAft>
+                <a:spcPts val="0"/>
+              </a:spcAft>
+              <a:buClr>
+                <a:schemeClr val="bg2">
+                  <a:lumMod val="40000"/>
+                  <a:lumOff val="60000"/>
+                </a:schemeClr>
+              </a:buClr>
+              <a:buSzPct val="80000"/>
+              <a:buFont typeface="Wingdings 3" charset="2"/>
+              <a:buNone/>
+              <a:defRPr sz="1400" b="0" i="0" kern="1200">
+                <a:solidFill>
+                  <a:schemeClr val="tx1">
+                    <a:tint val="75000"/>
+                  </a:schemeClr>
+                </a:solidFill>
+                <a:latin typeface="+mj-lt"/>
+                <a:ea typeface="+mj-ea"/>
+                <a:cs typeface="+mj-cs"/>
+              </a:defRPr>
+            </a:lvl8pPr>
+            <a:lvl9pPr marL="3657600" indent="0" algn="ctr" defTabSz="457200" rtl="0" eaLnBrk="1" latinLnBrk="0" hangingPunct="1">
+              <a:spcBef>
+                <a:spcPts val="1000"/>
+              </a:spcBef>
+              <a:spcAft>
+                <a:spcPts val="0"/>
+              </a:spcAft>
+              <a:buClr>
+                <a:schemeClr val="bg2">
+                  <a:lumMod val="40000"/>
+                  <a:lumOff val="60000"/>
+                </a:schemeClr>
+              </a:buClr>
+              <a:buSzPct val="80000"/>
+              <a:buFont typeface="Wingdings 3" charset="2"/>
+              <a:buNone/>
+              <a:defRPr sz="1400" b="0" i="0" kern="1200">
+                <a:solidFill>
+                  <a:schemeClr val="tx1">
+                    <a:tint val="75000"/>
+                  </a:schemeClr>
+                </a:solidFill>
+                <a:latin typeface="+mj-lt"/>
+                <a:ea typeface="+mj-ea"/>
+                <a:cs typeface="+mj-cs"/>
+              </a:defRPr>
+            </a:lvl9pPr>
+          </a:lstStyle>
+          <a:p>
+            <a:r>
+              <a:rPr lang="en-US" sz="2200" b="1" cap="none" dirty="0" smtClean="0">
+                <a:solidFill>
+                  <a:srgbClr val="FFC000"/>
+                </a:solidFill>
+                <a:effectLst>
+                  <a:outerShdw blurRad="38100" dist="38100" dir="2700000" algn="tl">
+                    <a:srgbClr val="000000">
+                      <a:alpha val="43137"/>
+                    </a:srgbClr>
+                  </a:outerShdw>
+                </a:effectLst>
+              </a:rPr>
+              <a:t>Example-02: Recursive Function infinity without Condition</a:t>
+            </a:r>
+            <a:endParaRPr lang="en-US" sz="2200" b="1" cap="none" dirty="0">
+              <a:solidFill>
+                <a:srgbClr val="FFC000"/>
               </a:solidFill>
               <a:effectLst>
                 <a:outerShdw blurRad="38100" dist="38100" dir="2700000" algn="tl">
@@ -12603,7 +13193,7 @@
                                           </p:stCondLst>
                                         </p:cTn>
                                         <p:tgtEl>
-                                          <p:spTgt spid="5">
+                                          <p:spTgt spid="6">
                                             <p:txEl>
                                               <p:pRg st="0" end="0"/>
                                             </p:txEl>
@@ -12621,7 +13211,7 @@
                                       <p:cBhvr>
                                         <p:cTn id="20" dur="1000"/>
                                         <p:tgtEl>
-                                          <p:spTgt spid="5">
+                                          <p:spTgt spid="6">
                                             <p:txEl>
                                               <p:pRg st="0" end="0"/>
                                             </p:txEl>
@@ -12633,7 +13223,7 @@
                                       <p:cBhvr>
                                         <p:cTn id="21" dur="1000" fill="hold"/>
                                         <p:tgtEl>
-                                          <p:spTgt spid="5">
+                                          <p:spTgt spid="6">
                                             <p:txEl>
                                               <p:pRg st="0" end="0"/>
                                             </p:txEl>
@@ -12660,7 +13250,352 @@
                                       <p:cBhvr>
                                         <p:cTn id="22" dur="1000" fill="hold"/>
                                         <p:tgtEl>
-                                          <p:spTgt spid="5">
+                                          <p:spTgt spid="6">
+                                            <p:txEl>
+                                              <p:pRg st="0" end="0"/>
+                                            </p:txEl>
+                                          </p:spTgt>
+                                        </p:tgtEl>
+                                        <p:attrNameLst>
+                                          <p:attrName>ppt_y</p:attrName>
+                                        </p:attrNameLst>
+                                      </p:cBhvr>
+                                      <p:tavLst>
+                                        <p:tav tm="0">
+                                          <p:val>
+                                            <p:strVal val="#ppt_y+.1"/>
+                                          </p:val>
+                                        </p:tav>
+                                        <p:tav tm="100000">
+                                          <p:val>
+                                            <p:strVal val="#ppt_y"/>
+                                          </p:val>
+                                        </p:tav>
+                                      </p:tavLst>
+                                    </p:anim>
+                                  </p:childTnLst>
+                                </p:cTn>
+                              </p:par>
+                            </p:childTnLst>
+                          </p:cTn>
+                        </p:par>
+                      </p:childTnLst>
+                    </p:cTn>
+                  </p:par>
+                  <p:par>
+                    <p:cTn id="23" fill="hold">
+                      <p:stCondLst>
+                        <p:cond delay="indefinite"/>
+                      </p:stCondLst>
+                      <p:childTnLst>
+                        <p:par>
+                          <p:cTn id="24" fill="hold">
+                            <p:stCondLst>
+                              <p:cond delay="0"/>
+                            </p:stCondLst>
+                            <p:childTnLst>
+                              <p:par>
+                                <p:cTn id="25" presetID="42" presetClass="entr" presetSubtype="0" fill="hold" grpId="0" nodeType="clickEffect">
+                                  <p:stCondLst>
+                                    <p:cond delay="0"/>
+                                  </p:stCondLst>
+                                  <p:childTnLst>
+                                    <p:set>
+                                      <p:cBhvr>
+                                        <p:cTn id="26" dur="1" fill="hold">
+                                          <p:stCondLst>
+                                            <p:cond delay="0"/>
+                                          </p:stCondLst>
+                                        </p:cTn>
+                                        <p:tgtEl>
+                                          <p:spTgt spid="7">
+                                            <p:txEl>
+                                              <p:pRg st="0" end="0"/>
+                                            </p:txEl>
+                                          </p:spTgt>
+                                        </p:tgtEl>
+                                        <p:attrNameLst>
+                                          <p:attrName>style.visibility</p:attrName>
+                                        </p:attrNameLst>
+                                      </p:cBhvr>
+                                      <p:to>
+                                        <p:strVal val="visible"/>
+                                      </p:to>
+                                    </p:set>
+                                    <p:animEffect transition="in" filter="fade">
+                                      <p:cBhvr>
+                                        <p:cTn id="27" dur="1000"/>
+                                        <p:tgtEl>
+                                          <p:spTgt spid="7">
+                                            <p:txEl>
+                                              <p:pRg st="0" end="0"/>
+                                            </p:txEl>
+                                          </p:spTgt>
+                                        </p:tgtEl>
+                                      </p:cBhvr>
+                                    </p:animEffect>
+                                    <p:anim calcmode="lin" valueType="num">
+                                      <p:cBhvr>
+                                        <p:cTn id="28" dur="1000" fill="hold"/>
+                                        <p:tgtEl>
+                                          <p:spTgt spid="7">
+                                            <p:txEl>
+                                              <p:pRg st="0" end="0"/>
+                                            </p:txEl>
+                                          </p:spTgt>
+                                        </p:tgtEl>
+                                        <p:attrNameLst>
+                                          <p:attrName>ppt_x</p:attrName>
+                                        </p:attrNameLst>
+                                      </p:cBhvr>
+                                      <p:tavLst>
+                                        <p:tav tm="0">
+                                          <p:val>
+                                            <p:strVal val="#ppt_x"/>
+                                          </p:val>
+                                        </p:tav>
+                                        <p:tav tm="100000">
+                                          <p:val>
+                                            <p:strVal val="#ppt_x"/>
+                                          </p:val>
+                                        </p:tav>
+                                      </p:tavLst>
+                                    </p:anim>
+                                    <p:anim calcmode="lin" valueType="num">
+                                      <p:cBhvr>
+                                        <p:cTn id="29" dur="1000" fill="hold"/>
+                                        <p:tgtEl>
+                                          <p:spTgt spid="7">
+                                            <p:txEl>
+                                              <p:pRg st="0" end="0"/>
+                                            </p:txEl>
+                                          </p:spTgt>
+                                        </p:tgtEl>
+                                        <p:attrNameLst>
+                                          <p:attrName>ppt_y</p:attrName>
+                                        </p:attrNameLst>
+                                      </p:cBhvr>
+                                      <p:tavLst>
+                                        <p:tav tm="0">
+                                          <p:val>
+                                            <p:strVal val="#ppt_y+.1"/>
+                                          </p:val>
+                                        </p:tav>
+                                        <p:tav tm="100000">
+                                          <p:val>
+                                            <p:strVal val="#ppt_y"/>
+                                          </p:val>
+                                        </p:tav>
+                                      </p:tavLst>
+                                    </p:anim>
+                                  </p:childTnLst>
+                                </p:cTn>
+                              </p:par>
+                            </p:childTnLst>
+                          </p:cTn>
+                        </p:par>
+                      </p:childTnLst>
+                    </p:cTn>
+                  </p:par>
+                  <p:par>
+                    <p:cTn id="30" fill="hold">
+                      <p:stCondLst>
+                        <p:cond delay="indefinite"/>
+                      </p:stCondLst>
+                      <p:childTnLst>
+                        <p:par>
+                          <p:cTn id="31" fill="hold">
+                            <p:stCondLst>
+                              <p:cond delay="0"/>
+                            </p:stCondLst>
+                            <p:childTnLst>
+                              <p:par>
+                                <p:cTn id="32" presetID="42" presetClass="entr" presetSubtype="0" fill="hold" grpId="0" nodeType="clickEffect">
+                                  <p:stCondLst>
+                                    <p:cond delay="0"/>
+                                  </p:stCondLst>
+                                  <p:childTnLst>
+                                    <p:set>
+                                      <p:cBhvr>
+                                        <p:cTn id="33" dur="1" fill="hold">
+                                          <p:stCondLst>
+                                            <p:cond delay="0"/>
+                                          </p:stCondLst>
+                                        </p:cTn>
+                                        <p:tgtEl>
+                                          <p:spTgt spid="9">
+                                            <p:txEl>
+                                              <p:pRg st="0" end="0"/>
+                                            </p:txEl>
+                                          </p:spTgt>
+                                        </p:tgtEl>
+                                        <p:attrNameLst>
+                                          <p:attrName>style.visibility</p:attrName>
+                                        </p:attrNameLst>
+                                      </p:cBhvr>
+                                      <p:to>
+                                        <p:strVal val="visible"/>
+                                      </p:to>
+                                    </p:set>
+                                    <p:animEffect transition="in" filter="fade">
+                                      <p:cBhvr>
+                                        <p:cTn id="34" dur="1000"/>
+                                        <p:tgtEl>
+                                          <p:spTgt spid="9">
+                                            <p:txEl>
+                                              <p:pRg st="0" end="0"/>
+                                            </p:txEl>
+                                          </p:spTgt>
+                                        </p:tgtEl>
+                                      </p:cBhvr>
+                                    </p:animEffect>
+                                    <p:anim calcmode="lin" valueType="num">
+                                      <p:cBhvr>
+                                        <p:cTn id="35" dur="1000" fill="hold"/>
+                                        <p:tgtEl>
+                                          <p:spTgt spid="9">
+                                            <p:txEl>
+                                              <p:pRg st="0" end="0"/>
+                                            </p:txEl>
+                                          </p:spTgt>
+                                        </p:tgtEl>
+                                        <p:attrNameLst>
+                                          <p:attrName>ppt_x</p:attrName>
+                                        </p:attrNameLst>
+                                      </p:cBhvr>
+                                      <p:tavLst>
+                                        <p:tav tm="0">
+                                          <p:val>
+                                            <p:strVal val="#ppt_x"/>
+                                          </p:val>
+                                        </p:tav>
+                                        <p:tav tm="100000">
+                                          <p:val>
+                                            <p:strVal val="#ppt_x"/>
+                                          </p:val>
+                                        </p:tav>
+                                      </p:tavLst>
+                                    </p:anim>
+                                    <p:anim calcmode="lin" valueType="num">
+                                      <p:cBhvr>
+                                        <p:cTn id="36" dur="1000" fill="hold"/>
+                                        <p:tgtEl>
+                                          <p:spTgt spid="9">
+                                            <p:txEl>
+                                              <p:pRg st="0" end="0"/>
+                                            </p:txEl>
+                                          </p:spTgt>
+                                        </p:tgtEl>
+                                        <p:attrNameLst>
+                                          <p:attrName>ppt_y</p:attrName>
+                                        </p:attrNameLst>
+                                      </p:cBhvr>
+                                      <p:tavLst>
+                                        <p:tav tm="0">
+                                          <p:val>
+                                            <p:strVal val="#ppt_y+.1"/>
+                                          </p:val>
+                                        </p:tav>
+                                        <p:tav tm="100000">
+                                          <p:val>
+                                            <p:strVal val="#ppt_y"/>
+                                          </p:val>
+                                        </p:tav>
+                                      </p:tavLst>
+                                    </p:anim>
+                                  </p:childTnLst>
+                                </p:cTn>
+                              </p:par>
+                            </p:childTnLst>
+                          </p:cTn>
+                        </p:par>
+                      </p:childTnLst>
+                    </p:cTn>
+                  </p:par>
+                  <p:par>
+                    <p:cTn id="37" fill="hold">
+                      <p:stCondLst>
+                        <p:cond delay="indefinite"/>
+                      </p:stCondLst>
+                      <p:childTnLst>
+                        <p:par>
+                          <p:cTn id="38" fill="hold">
+                            <p:stCondLst>
+                              <p:cond delay="0"/>
+                            </p:stCondLst>
+                            <p:childTnLst>
+                              <p:par>
+                                <p:cTn id="39" presetID="42" presetClass="entr" presetSubtype="0" fill="hold" grpId="0" nodeType="clickEffect">
+                                  <p:stCondLst>
+                                    <p:cond delay="0"/>
+                                  </p:stCondLst>
+                                  <p:childTnLst>
+                                    <p:set>
+                                      <p:cBhvr>
+                                        <p:cTn id="40" dur="1" fill="hold">
+                                          <p:stCondLst>
+                                            <p:cond delay="0"/>
+                                          </p:stCondLst>
+                                        </p:cTn>
+                                        <p:tgtEl>
+                                          <p:spTgt spid="10">
+                                            <p:txEl>
+                                              <p:pRg st="0" end="0"/>
+                                            </p:txEl>
+                                          </p:spTgt>
+                                        </p:tgtEl>
+                                        <p:attrNameLst>
+                                          <p:attrName>style.visibility</p:attrName>
+                                        </p:attrNameLst>
+                                      </p:cBhvr>
+                                      <p:to>
+                                        <p:strVal val="visible"/>
+                                      </p:to>
+                                    </p:set>
+                                    <p:animEffect transition="in" filter="fade">
+                                      <p:cBhvr>
+                                        <p:cTn id="41" dur="1000"/>
+                                        <p:tgtEl>
+                                          <p:spTgt spid="10">
+                                            <p:txEl>
+                                              <p:pRg st="0" end="0"/>
+                                            </p:txEl>
+                                          </p:spTgt>
+                                        </p:tgtEl>
+                                      </p:cBhvr>
+                                    </p:animEffect>
+                                    <p:anim calcmode="lin" valueType="num">
+                                      <p:cBhvr>
+                                        <p:cTn id="42" dur="1000" fill="hold"/>
+                                        <p:tgtEl>
+                                          <p:spTgt spid="10">
+                                            <p:txEl>
+                                              <p:pRg st="0" end="0"/>
+                                            </p:txEl>
+                                          </p:spTgt>
+                                        </p:tgtEl>
+                                        <p:attrNameLst>
+                                          <p:attrName>ppt_x</p:attrName>
+                                        </p:attrNameLst>
+                                      </p:cBhvr>
+                                      <p:tavLst>
+                                        <p:tav tm="0">
+                                          <p:val>
+                                            <p:strVal val="#ppt_x"/>
+                                          </p:val>
+                                        </p:tav>
+                                        <p:tav tm="100000">
+                                          <p:val>
+                                            <p:strVal val="#ppt_x"/>
+                                          </p:val>
+                                        </p:tav>
+                                      </p:tavLst>
+                                    </p:anim>
+                                    <p:anim calcmode="lin" valueType="num">
+                                      <p:cBhvr>
+                                        <p:cTn id="43" dur="1000" fill="hold"/>
+                                        <p:tgtEl>
+                                          <p:spTgt spid="10">
                                             <p:txEl>
                                               <p:pRg st="0" end="0"/>
                                             </p:txEl>
@@ -12716,7 +13651,3454 @@
     <p:bldLst>
       <p:bldP spid="2" grpId="0" animBg="1"/>
       <p:bldP spid="3" grpId="0" build="p"/>
-      <p:bldP spid="5" grpId="0" build="p"/>
+      <p:bldP spid="6" grpId="0" build="p"/>
+      <p:bldP spid="7" grpId="0" build="p"/>
+      <p:bldP spid="9" grpId="0" build="p"/>
+      <p:bldP spid="10" grpId="0" build="p"/>
+    </p:bldLst>
+  </p:timing>
+</p:sld>
+</file>
+
+<file path=ppt/slides/slide7.xml><?xml version="1.0" encoding="utf-8"?>
+<p:sld xmlns:a="http://schemas.openxmlformats.org/drawingml/2006/main" xmlns:r="http://schemas.openxmlformats.org/officeDocument/2006/relationships" xmlns:p="http://schemas.openxmlformats.org/presentationml/2006/main">
+  <p:cSld>
+    <p:spTree>
+      <p:nvGrpSpPr>
+        <p:cNvPr id="1" name=""/>
+        <p:cNvGrpSpPr/>
+        <p:nvPr/>
+      </p:nvGrpSpPr>
+      <p:grpSpPr>
+        <a:xfrm>
+          <a:off x="0" y="0"/>
+          <a:ext cx="0" cy="0"/>
+          <a:chOff x="0" y="0"/>
+          <a:chExt cx="0" cy="0"/>
+        </a:xfrm>
+      </p:grpSpPr>
+      <p:sp>
+        <p:nvSpPr>
+          <p:cNvPr id="2" name="Title 1"/>
+          <p:cNvSpPr>
+            <a:spLocks noGrp="1"/>
+          </p:cNvSpPr>
+          <p:nvPr>
+            <p:ph type="ctrTitle"/>
+          </p:nvPr>
+        </p:nvSpPr>
+        <p:spPr>
+          <a:xfrm>
+            <a:off x="0" y="0"/>
+            <a:ext cx="12192000" cy="1214203"/>
+          </a:xfrm>
+        </p:spPr>
+        <p:style>
+          <a:lnRef idx="0">
+            <a:schemeClr val="accent3"/>
+          </a:lnRef>
+          <a:fillRef idx="3">
+            <a:schemeClr val="accent3"/>
+          </a:fillRef>
+          <a:effectRef idx="3">
+            <a:schemeClr val="accent3"/>
+          </a:effectRef>
+          <a:fontRef idx="minor">
+            <a:schemeClr val="lt1"/>
+          </a:fontRef>
+        </p:style>
+        <p:txBody>
+          <a:bodyPr/>
+          <a:lstStyle/>
+          <a:p>
+            <a:pPr algn="ctr"/>
+            <a:r>
+              <a:rPr lang="en-US" dirty="0" smtClean="0">
+                <a:solidFill>
+                  <a:schemeClr val="bg1"/>
+                </a:solidFill>
+                <a:effectLst>
+                  <a:outerShdw blurRad="38100" dist="38100" dir="2700000" algn="tl">
+                    <a:srgbClr val="000000">
+                      <a:alpha val="43137"/>
+                    </a:srgbClr>
+                  </a:outerShdw>
+                </a:effectLst>
+                <a:latin typeface="Aharoni" panose="02010803020104030203" pitchFamily="2" charset="-79"/>
+                <a:cs typeface="Aharoni" panose="02010803020104030203" pitchFamily="2" charset="-79"/>
+              </a:rPr>
+              <a:t>Function</a:t>
+            </a:r>
+            <a:endParaRPr lang="en-US" dirty="0">
+              <a:solidFill>
+                <a:schemeClr val="bg1"/>
+              </a:solidFill>
+              <a:effectLst>
+                <a:outerShdw blurRad="38100" dist="38100" dir="2700000" algn="tl">
+                  <a:srgbClr val="000000">
+                    <a:alpha val="43137"/>
+                  </a:srgbClr>
+                </a:outerShdw>
+              </a:effectLst>
+              <a:latin typeface="Aharoni" panose="02010803020104030203" pitchFamily="2" charset="-79"/>
+              <a:cs typeface="Aharoni" panose="02010803020104030203" pitchFamily="2" charset="-79"/>
+            </a:endParaRPr>
+          </a:p>
+        </p:txBody>
+      </p:sp>
+      <p:sp>
+        <p:nvSpPr>
+          <p:cNvPr id="3" name="Subtitle 2"/>
+          <p:cNvSpPr>
+            <a:spLocks noGrp="1"/>
+          </p:cNvSpPr>
+          <p:nvPr>
+            <p:ph type="subTitle" idx="1"/>
+          </p:nvPr>
+        </p:nvSpPr>
+        <p:spPr>
+          <a:xfrm>
+            <a:off x="-1" y="1359626"/>
+            <a:ext cx="12192000" cy="649059"/>
+          </a:xfrm>
+        </p:spPr>
+        <p:txBody>
+          <a:bodyPr>
+            <a:normAutofit/>
+          </a:bodyPr>
+          <a:lstStyle/>
+          <a:p>
+            <a:pPr algn="ctr"/>
+            <a:r>
+              <a:rPr lang="en-US" sz="3500" b="1" cap="none" dirty="0" smtClean="0">
+                <a:solidFill>
+                  <a:srgbClr val="FFFF00"/>
+                </a:solidFill>
+                <a:effectLst>
+                  <a:outerShdw blurRad="38100" dist="38100" dir="2700000" algn="tl">
+                    <a:srgbClr val="000000">
+                      <a:alpha val="43137"/>
+                    </a:srgbClr>
+                  </a:outerShdw>
+                </a:effectLst>
+              </a:rPr>
+              <a:t>Different Between Function and Recursive Function</a:t>
+            </a:r>
+            <a:endParaRPr lang="en-US" sz="3500" b="1" cap="none" dirty="0">
+              <a:solidFill>
+                <a:srgbClr val="FFFF00"/>
+              </a:solidFill>
+              <a:effectLst>
+                <a:outerShdw blurRad="38100" dist="38100" dir="2700000" algn="tl">
+                  <a:srgbClr val="000000">
+                    <a:alpha val="43137"/>
+                  </a:srgbClr>
+                </a:outerShdw>
+              </a:effectLst>
+            </a:endParaRPr>
+          </a:p>
+        </p:txBody>
+      </p:sp>
+      <p:sp>
+        <p:nvSpPr>
+          <p:cNvPr id="5" name="Rectangle 4"/>
+          <p:cNvSpPr/>
+          <p:nvPr/>
+        </p:nvSpPr>
+        <p:spPr>
+          <a:xfrm>
+            <a:off x="344774" y="2843653"/>
+            <a:ext cx="4272196" cy="2246769"/>
+          </a:xfrm>
+          <a:prstGeom prst="rect">
+            <a:avLst/>
+          </a:prstGeom>
+        </p:spPr>
+        <p:txBody>
+          <a:bodyPr wrap="square">
+            <a:spAutoFit/>
+          </a:bodyPr>
+          <a:lstStyle/>
+          <a:p>
+            <a:r>
+              <a:rPr lang="en-US" sz="2000" b="1" dirty="0"/>
+              <a:t>function </a:t>
+            </a:r>
+            <a:r>
+              <a:rPr lang="en-US" sz="2000" b="1" dirty="0" err="1"/>
+              <a:t>myFunction</a:t>
+            </a:r>
+            <a:r>
+              <a:rPr lang="en-US" sz="2000" b="1" dirty="0"/>
+              <a:t>() </a:t>
+            </a:r>
+            <a:r>
+              <a:rPr lang="en-US" sz="2000" b="1" dirty="0" smtClean="0"/>
+              <a:t>{</a:t>
+            </a:r>
+          </a:p>
+          <a:p>
+            <a:endParaRPr lang="en-US" sz="2000" b="1" dirty="0"/>
+          </a:p>
+          <a:p>
+            <a:r>
+              <a:rPr lang="en-US" sz="2000" b="1" dirty="0"/>
+              <a:t>  let </a:t>
+            </a:r>
+            <a:r>
+              <a:rPr lang="en-US" sz="2000" b="1" dirty="0" err="1" smtClean="0"/>
+              <a:t>myName</a:t>
+            </a:r>
+            <a:r>
+              <a:rPr lang="en-US" sz="2000" b="1" dirty="0" smtClean="0"/>
+              <a:t> </a:t>
+            </a:r>
+            <a:r>
+              <a:rPr lang="en-US" sz="2000" b="1" dirty="0"/>
+              <a:t>= </a:t>
+            </a:r>
+            <a:r>
+              <a:rPr lang="en-US" sz="2000" b="1" dirty="0" smtClean="0"/>
+              <a:t>“</a:t>
+            </a:r>
+            <a:r>
+              <a:rPr lang="en-US" sz="2000" b="1" dirty="0" err="1" smtClean="0"/>
+              <a:t>Mithun</a:t>
+            </a:r>
+            <a:r>
+              <a:rPr lang="en-US" sz="2000" b="1" dirty="0" smtClean="0"/>
+              <a:t> Miah";</a:t>
+            </a:r>
+            <a:endParaRPr lang="en-US" sz="2000" b="1" dirty="0"/>
+          </a:p>
+          <a:p>
+            <a:r>
+              <a:rPr lang="en-US" sz="2000" b="1" dirty="0"/>
+              <a:t> </a:t>
+            </a:r>
+            <a:r>
+              <a:rPr lang="en-US" sz="2000" b="1" dirty="0" smtClean="0"/>
+              <a:t> </a:t>
+            </a:r>
+            <a:r>
+              <a:rPr lang="en-US" sz="2000" b="1" dirty="0" err="1" smtClean="0"/>
+              <a:t>document.write</a:t>
+            </a:r>
+            <a:r>
+              <a:rPr lang="en-US" sz="2000" b="1" dirty="0" smtClean="0"/>
+              <a:t>(</a:t>
+            </a:r>
+            <a:r>
+              <a:rPr lang="en-US" sz="2000" b="1" dirty="0" err="1" smtClean="0"/>
+              <a:t>myName</a:t>
+            </a:r>
+            <a:r>
+              <a:rPr lang="en-US" sz="2000" b="1" dirty="0" smtClean="0"/>
+              <a:t>);</a:t>
+            </a:r>
+          </a:p>
+          <a:p>
+            <a:endParaRPr lang="en-US" sz="2000" b="1" dirty="0"/>
+          </a:p>
+          <a:p>
+            <a:r>
+              <a:rPr lang="en-US" sz="2000" b="1" dirty="0"/>
+              <a:t>}</a:t>
+            </a:r>
+          </a:p>
+          <a:p>
+            <a:r>
+              <a:rPr lang="en-US" sz="2000" b="1" dirty="0" err="1"/>
+              <a:t>myFunction</a:t>
+            </a:r>
+            <a:r>
+              <a:rPr lang="en-US" sz="2000" b="1" dirty="0"/>
+              <a:t>();</a:t>
+            </a:r>
+          </a:p>
+        </p:txBody>
+      </p:sp>
+      <p:sp>
+        <p:nvSpPr>
+          <p:cNvPr id="11" name="Subtitle 2"/>
+          <p:cNvSpPr txBox="1">
+            <a:spLocks/>
+          </p:cNvSpPr>
+          <p:nvPr/>
+        </p:nvSpPr>
+        <p:spPr>
+          <a:xfrm>
+            <a:off x="344774" y="2154108"/>
+            <a:ext cx="5021705" cy="544122"/>
+          </a:xfrm>
+          <a:prstGeom prst="rect">
+            <a:avLst/>
+          </a:prstGeom>
+        </p:spPr>
+        <p:txBody>
+          <a:bodyPr vert="horz" lIns="91440" tIns="45720" rIns="91440" bIns="45720" rtlCol="0" anchor="t">
+            <a:normAutofit/>
+          </a:bodyPr>
+          <a:lstStyle>
+            <a:lvl1pPr marL="0" indent="0" algn="l" defTabSz="457200" rtl="0" eaLnBrk="1" latinLnBrk="0" hangingPunct="1">
+              <a:spcBef>
+                <a:spcPts val="1000"/>
+              </a:spcBef>
+              <a:spcAft>
+                <a:spcPts val="0"/>
+              </a:spcAft>
+              <a:buClr>
+                <a:schemeClr val="bg2">
+                  <a:lumMod val="40000"/>
+                  <a:lumOff val="60000"/>
+                </a:schemeClr>
+              </a:buClr>
+              <a:buSzPct val="80000"/>
+              <a:buFont typeface="Wingdings 3" charset="2"/>
+              <a:buNone/>
+              <a:defRPr sz="2000" b="0" i="0" kern="1200" cap="all">
+                <a:solidFill>
+                  <a:schemeClr val="bg2">
+                    <a:lumMod val="40000"/>
+                    <a:lumOff val="60000"/>
+                  </a:schemeClr>
+                </a:solidFill>
+                <a:latin typeface="+mj-lt"/>
+                <a:ea typeface="+mj-ea"/>
+                <a:cs typeface="+mj-cs"/>
+              </a:defRPr>
+            </a:lvl1pPr>
+            <a:lvl2pPr marL="457200" indent="0" algn="ctr" defTabSz="457200" rtl="0" eaLnBrk="1" latinLnBrk="0" hangingPunct="1">
+              <a:spcBef>
+                <a:spcPts val="1000"/>
+              </a:spcBef>
+              <a:spcAft>
+                <a:spcPts val="0"/>
+              </a:spcAft>
+              <a:buClr>
+                <a:schemeClr val="bg2">
+                  <a:lumMod val="40000"/>
+                  <a:lumOff val="60000"/>
+                </a:schemeClr>
+              </a:buClr>
+              <a:buSzPct val="80000"/>
+              <a:buFont typeface="Wingdings 3" charset="2"/>
+              <a:buNone/>
+              <a:defRPr sz="1800" b="0" i="0" kern="1200">
+                <a:solidFill>
+                  <a:schemeClr val="tx1">
+                    <a:tint val="75000"/>
+                  </a:schemeClr>
+                </a:solidFill>
+                <a:latin typeface="+mj-lt"/>
+                <a:ea typeface="+mj-ea"/>
+                <a:cs typeface="+mj-cs"/>
+              </a:defRPr>
+            </a:lvl2pPr>
+            <a:lvl3pPr marL="914400" indent="0" algn="ctr" defTabSz="457200" rtl="0" eaLnBrk="1" latinLnBrk="0" hangingPunct="1">
+              <a:spcBef>
+                <a:spcPts val="1000"/>
+              </a:spcBef>
+              <a:spcAft>
+                <a:spcPts val="0"/>
+              </a:spcAft>
+              <a:buClr>
+                <a:schemeClr val="bg2">
+                  <a:lumMod val="40000"/>
+                  <a:lumOff val="60000"/>
+                </a:schemeClr>
+              </a:buClr>
+              <a:buSzPct val="80000"/>
+              <a:buFont typeface="Wingdings 3" charset="2"/>
+              <a:buNone/>
+              <a:defRPr sz="1600" b="0" i="0" kern="1200">
+                <a:solidFill>
+                  <a:schemeClr val="tx1">
+                    <a:tint val="75000"/>
+                  </a:schemeClr>
+                </a:solidFill>
+                <a:latin typeface="+mj-lt"/>
+                <a:ea typeface="+mj-ea"/>
+                <a:cs typeface="+mj-cs"/>
+              </a:defRPr>
+            </a:lvl3pPr>
+            <a:lvl4pPr marL="1371600" indent="0" algn="ctr" defTabSz="457200" rtl="0" eaLnBrk="1" latinLnBrk="0" hangingPunct="1">
+              <a:spcBef>
+                <a:spcPts val="1000"/>
+              </a:spcBef>
+              <a:spcAft>
+                <a:spcPts val="0"/>
+              </a:spcAft>
+              <a:buClr>
+                <a:schemeClr val="bg2">
+                  <a:lumMod val="40000"/>
+                  <a:lumOff val="60000"/>
+                </a:schemeClr>
+              </a:buClr>
+              <a:buSzPct val="80000"/>
+              <a:buFont typeface="Wingdings 3" charset="2"/>
+              <a:buNone/>
+              <a:defRPr sz="1400" b="0" i="0" kern="1200">
+                <a:solidFill>
+                  <a:schemeClr val="tx1">
+                    <a:tint val="75000"/>
+                  </a:schemeClr>
+                </a:solidFill>
+                <a:latin typeface="+mj-lt"/>
+                <a:ea typeface="+mj-ea"/>
+                <a:cs typeface="+mj-cs"/>
+              </a:defRPr>
+            </a:lvl4pPr>
+            <a:lvl5pPr marL="1828800" indent="0" algn="ctr" defTabSz="457200" rtl="0" eaLnBrk="1" latinLnBrk="0" hangingPunct="1">
+              <a:spcBef>
+                <a:spcPts val="1000"/>
+              </a:spcBef>
+              <a:spcAft>
+                <a:spcPts val="0"/>
+              </a:spcAft>
+              <a:buClr>
+                <a:schemeClr val="bg2">
+                  <a:lumMod val="40000"/>
+                  <a:lumOff val="60000"/>
+                </a:schemeClr>
+              </a:buClr>
+              <a:buSzPct val="80000"/>
+              <a:buFont typeface="Wingdings 3" charset="2"/>
+              <a:buNone/>
+              <a:defRPr sz="1400" b="0" i="0" kern="1200">
+                <a:solidFill>
+                  <a:schemeClr val="tx1">
+                    <a:tint val="75000"/>
+                  </a:schemeClr>
+                </a:solidFill>
+                <a:latin typeface="+mj-lt"/>
+                <a:ea typeface="+mj-ea"/>
+                <a:cs typeface="+mj-cs"/>
+              </a:defRPr>
+            </a:lvl5pPr>
+            <a:lvl6pPr marL="2286000" indent="0" algn="ctr" defTabSz="457200" rtl="0" eaLnBrk="1" latinLnBrk="0" hangingPunct="1">
+              <a:spcBef>
+                <a:spcPts val="1000"/>
+              </a:spcBef>
+              <a:spcAft>
+                <a:spcPts val="0"/>
+              </a:spcAft>
+              <a:buClr>
+                <a:schemeClr val="bg2">
+                  <a:lumMod val="40000"/>
+                  <a:lumOff val="60000"/>
+                </a:schemeClr>
+              </a:buClr>
+              <a:buSzPct val="80000"/>
+              <a:buFont typeface="Wingdings 3" charset="2"/>
+              <a:buNone/>
+              <a:defRPr sz="1400" b="0" i="0" kern="1200">
+                <a:solidFill>
+                  <a:schemeClr val="tx1">
+                    <a:tint val="75000"/>
+                  </a:schemeClr>
+                </a:solidFill>
+                <a:latin typeface="+mj-lt"/>
+                <a:ea typeface="+mj-ea"/>
+                <a:cs typeface="+mj-cs"/>
+              </a:defRPr>
+            </a:lvl6pPr>
+            <a:lvl7pPr marL="2743200" indent="0" algn="ctr" defTabSz="457200" rtl="0" eaLnBrk="1" latinLnBrk="0" hangingPunct="1">
+              <a:spcBef>
+                <a:spcPts val="1000"/>
+              </a:spcBef>
+              <a:spcAft>
+                <a:spcPts val="0"/>
+              </a:spcAft>
+              <a:buClr>
+                <a:schemeClr val="bg2">
+                  <a:lumMod val="40000"/>
+                  <a:lumOff val="60000"/>
+                </a:schemeClr>
+              </a:buClr>
+              <a:buSzPct val="80000"/>
+              <a:buFont typeface="Wingdings 3" charset="2"/>
+              <a:buNone/>
+              <a:defRPr sz="1400" b="0" i="0" kern="1200">
+                <a:solidFill>
+                  <a:schemeClr val="tx1">
+                    <a:tint val="75000"/>
+                  </a:schemeClr>
+                </a:solidFill>
+                <a:latin typeface="+mj-lt"/>
+                <a:ea typeface="+mj-ea"/>
+                <a:cs typeface="+mj-cs"/>
+              </a:defRPr>
+            </a:lvl7pPr>
+            <a:lvl8pPr marL="3200400" indent="0" algn="ctr" defTabSz="457200" rtl="0" eaLnBrk="1" latinLnBrk="0" hangingPunct="1">
+              <a:spcBef>
+                <a:spcPts val="1000"/>
+              </a:spcBef>
+              <a:spcAft>
+                <a:spcPts val="0"/>
+              </a:spcAft>
+              <a:buClr>
+                <a:schemeClr val="bg2">
+                  <a:lumMod val="40000"/>
+                  <a:lumOff val="60000"/>
+                </a:schemeClr>
+              </a:buClr>
+              <a:buSzPct val="80000"/>
+              <a:buFont typeface="Wingdings 3" charset="2"/>
+              <a:buNone/>
+              <a:defRPr sz="1400" b="0" i="0" kern="1200">
+                <a:solidFill>
+                  <a:schemeClr val="tx1">
+                    <a:tint val="75000"/>
+                  </a:schemeClr>
+                </a:solidFill>
+                <a:latin typeface="+mj-lt"/>
+                <a:ea typeface="+mj-ea"/>
+                <a:cs typeface="+mj-cs"/>
+              </a:defRPr>
+            </a:lvl8pPr>
+            <a:lvl9pPr marL="3657600" indent="0" algn="ctr" defTabSz="457200" rtl="0" eaLnBrk="1" latinLnBrk="0" hangingPunct="1">
+              <a:spcBef>
+                <a:spcPts val="1000"/>
+              </a:spcBef>
+              <a:spcAft>
+                <a:spcPts val="0"/>
+              </a:spcAft>
+              <a:buClr>
+                <a:schemeClr val="bg2">
+                  <a:lumMod val="40000"/>
+                  <a:lumOff val="60000"/>
+                </a:schemeClr>
+              </a:buClr>
+              <a:buSzPct val="80000"/>
+              <a:buFont typeface="Wingdings 3" charset="2"/>
+              <a:buNone/>
+              <a:defRPr sz="1400" b="0" i="0" kern="1200">
+                <a:solidFill>
+                  <a:schemeClr val="tx1">
+                    <a:tint val="75000"/>
+                  </a:schemeClr>
+                </a:solidFill>
+                <a:latin typeface="+mj-lt"/>
+                <a:ea typeface="+mj-ea"/>
+                <a:cs typeface="+mj-cs"/>
+              </a:defRPr>
+            </a:lvl9pPr>
+          </a:lstStyle>
+          <a:p>
+            <a:r>
+              <a:rPr lang="en-US" sz="2400" b="1" cap="none" dirty="0" smtClean="0">
+                <a:solidFill>
+                  <a:srgbClr val="FFFF00"/>
+                </a:solidFill>
+                <a:effectLst>
+                  <a:outerShdw blurRad="38100" dist="38100" dir="2700000" algn="tl">
+                    <a:srgbClr val="000000">
+                      <a:alpha val="43137"/>
+                    </a:srgbClr>
+                  </a:outerShdw>
+                </a:effectLst>
+              </a:rPr>
+              <a:t>General Function Example</a:t>
+            </a:r>
+            <a:endParaRPr lang="en-US" sz="2400" b="1" cap="none" dirty="0">
+              <a:solidFill>
+                <a:srgbClr val="FFFF00"/>
+              </a:solidFill>
+              <a:effectLst>
+                <a:outerShdw blurRad="38100" dist="38100" dir="2700000" algn="tl">
+                  <a:srgbClr val="000000">
+                    <a:alpha val="43137"/>
+                  </a:srgbClr>
+                </a:outerShdw>
+              </a:effectLst>
+            </a:endParaRPr>
+          </a:p>
+        </p:txBody>
+      </p:sp>
+      <p:sp>
+        <p:nvSpPr>
+          <p:cNvPr id="12" name="Subtitle 2"/>
+          <p:cNvSpPr txBox="1">
+            <a:spLocks/>
+          </p:cNvSpPr>
+          <p:nvPr/>
+        </p:nvSpPr>
+        <p:spPr>
+          <a:xfrm>
+            <a:off x="6942944" y="2154108"/>
+            <a:ext cx="5021705" cy="544122"/>
+          </a:xfrm>
+          <a:prstGeom prst="rect">
+            <a:avLst/>
+          </a:prstGeom>
+        </p:spPr>
+        <p:txBody>
+          <a:bodyPr vert="horz" lIns="91440" tIns="45720" rIns="91440" bIns="45720" rtlCol="0" anchor="t">
+            <a:normAutofit/>
+          </a:bodyPr>
+          <a:lstStyle>
+            <a:lvl1pPr marL="0" indent="0" algn="l" defTabSz="457200" rtl="0" eaLnBrk="1" latinLnBrk="0" hangingPunct="1">
+              <a:spcBef>
+                <a:spcPts val="1000"/>
+              </a:spcBef>
+              <a:spcAft>
+                <a:spcPts val="0"/>
+              </a:spcAft>
+              <a:buClr>
+                <a:schemeClr val="bg2">
+                  <a:lumMod val="40000"/>
+                  <a:lumOff val="60000"/>
+                </a:schemeClr>
+              </a:buClr>
+              <a:buSzPct val="80000"/>
+              <a:buFont typeface="Wingdings 3" charset="2"/>
+              <a:buNone/>
+              <a:defRPr sz="2000" b="0" i="0" kern="1200" cap="all">
+                <a:solidFill>
+                  <a:schemeClr val="bg2">
+                    <a:lumMod val="40000"/>
+                    <a:lumOff val="60000"/>
+                  </a:schemeClr>
+                </a:solidFill>
+                <a:latin typeface="+mj-lt"/>
+                <a:ea typeface="+mj-ea"/>
+                <a:cs typeface="+mj-cs"/>
+              </a:defRPr>
+            </a:lvl1pPr>
+            <a:lvl2pPr marL="457200" indent="0" algn="ctr" defTabSz="457200" rtl="0" eaLnBrk="1" latinLnBrk="0" hangingPunct="1">
+              <a:spcBef>
+                <a:spcPts val="1000"/>
+              </a:spcBef>
+              <a:spcAft>
+                <a:spcPts val="0"/>
+              </a:spcAft>
+              <a:buClr>
+                <a:schemeClr val="bg2">
+                  <a:lumMod val="40000"/>
+                  <a:lumOff val="60000"/>
+                </a:schemeClr>
+              </a:buClr>
+              <a:buSzPct val="80000"/>
+              <a:buFont typeface="Wingdings 3" charset="2"/>
+              <a:buNone/>
+              <a:defRPr sz="1800" b="0" i="0" kern="1200">
+                <a:solidFill>
+                  <a:schemeClr val="tx1">
+                    <a:tint val="75000"/>
+                  </a:schemeClr>
+                </a:solidFill>
+                <a:latin typeface="+mj-lt"/>
+                <a:ea typeface="+mj-ea"/>
+                <a:cs typeface="+mj-cs"/>
+              </a:defRPr>
+            </a:lvl2pPr>
+            <a:lvl3pPr marL="914400" indent="0" algn="ctr" defTabSz="457200" rtl="0" eaLnBrk="1" latinLnBrk="0" hangingPunct="1">
+              <a:spcBef>
+                <a:spcPts val="1000"/>
+              </a:spcBef>
+              <a:spcAft>
+                <a:spcPts val="0"/>
+              </a:spcAft>
+              <a:buClr>
+                <a:schemeClr val="bg2">
+                  <a:lumMod val="40000"/>
+                  <a:lumOff val="60000"/>
+                </a:schemeClr>
+              </a:buClr>
+              <a:buSzPct val="80000"/>
+              <a:buFont typeface="Wingdings 3" charset="2"/>
+              <a:buNone/>
+              <a:defRPr sz="1600" b="0" i="0" kern="1200">
+                <a:solidFill>
+                  <a:schemeClr val="tx1">
+                    <a:tint val="75000"/>
+                  </a:schemeClr>
+                </a:solidFill>
+                <a:latin typeface="+mj-lt"/>
+                <a:ea typeface="+mj-ea"/>
+                <a:cs typeface="+mj-cs"/>
+              </a:defRPr>
+            </a:lvl3pPr>
+            <a:lvl4pPr marL="1371600" indent="0" algn="ctr" defTabSz="457200" rtl="0" eaLnBrk="1" latinLnBrk="0" hangingPunct="1">
+              <a:spcBef>
+                <a:spcPts val="1000"/>
+              </a:spcBef>
+              <a:spcAft>
+                <a:spcPts val="0"/>
+              </a:spcAft>
+              <a:buClr>
+                <a:schemeClr val="bg2">
+                  <a:lumMod val="40000"/>
+                  <a:lumOff val="60000"/>
+                </a:schemeClr>
+              </a:buClr>
+              <a:buSzPct val="80000"/>
+              <a:buFont typeface="Wingdings 3" charset="2"/>
+              <a:buNone/>
+              <a:defRPr sz="1400" b="0" i="0" kern="1200">
+                <a:solidFill>
+                  <a:schemeClr val="tx1">
+                    <a:tint val="75000"/>
+                  </a:schemeClr>
+                </a:solidFill>
+                <a:latin typeface="+mj-lt"/>
+                <a:ea typeface="+mj-ea"/>
+                <a:cs typeface="+mj-cs"/>
+              </a:defRPr>
+            </a:lvl4pPr>
+            <a:lvl5pPr marL="1828800" indent="0" algn="ctr" defTabSz="457200" rtl="0" eaLnBrk="1" latinLnBrk="0" hangingPunct="1">
+              <a:spcBef>
+                <a:spcPts val="1000"/>
+              </a:spcBef>
+              <a:spcAft>
+                <a:spcPts val="0"/>
+              </a:spcAft>
+              <a:buClr>
+                <a:schemeClr val="bg2">
+                  <a:lumMod val="40000"/>
+                  <a:lumOff val="60000"/>
+                </a:schemeClr>
+              </a:buClr>
+              <a:buSzPct val="80000"/>
+              <a:buFont typeface="Wingdings 3" charset="2"/>
+              <a:buNone/>
+              <a:defRPr sz="1400" b="0" i="0" kern="1200">
+                <a:solidFill>
+                  <a:schemeClr val="tx1">
+                    <a:tint val="75000"/>
+                  </a:schemeClr>
+                </a:solidFill>
+                <a:latin typeface="+mj-lt"/>
+                <a:ea typeface="+mj-ea"/>
+                <a:cs typeface="+mj-cs"/>
+              </a:defRPr>
+            </a:lvl5pPr>
+            <a:lvl6pPr marL="2286000" indent="0" algn="ctr" defTabSz="457200" rtl="0" eaLnBrk="1" latinLnBrk="0" hangingPunct="1">
+              <a:spcBef>
+                <a:spcPts val="1000"/>
+              </a:spcBef>
+              <a:spcAft>
+                <a:spcPts val="0"/>
+              </a:spcAft>
+              <a:buClr>
+                <a:schemeClr val="bg2">
+                  <a:lumMod val="40000"/>
+                  <a:lumOff val="60000"/>
+                </a:schemeClr>
+              </a:buClr>
+              <a:buSzPct val="80000"/>
+              <a:buFont typeface="Wingdings 3" charset="2"/>
+              <a:buNone/>
+              <a:defRPr sz="1400" b="0" i="0" kern="1200">
+                <a:solidFill>
+                  <a:schemeClr val="tx1">
+                    <a:tint val="75000"/>
+                  </a:schemeClr>
+                </a:solidFill>
+                <a:latin typeface="+mj-lt"/>
+                <a:ea typeface="+mj-ea"/>
+                <a:cs typeface="+mj-cs"/>
+              </a:defRPr>
+            </a:lvl6pPr>
+            <a:lvl7pPr marL="2743200" indent="0" algn="ctr" defTabSz="457200" rtl="0" eaLnBrk="1" latinLnBrk="0" hangingPunct="1">
+              <a:spcBef>
+                <a:spcPts val="1000"/>
+              </a:spcBef>
+              <a:spcAft>
+                <a:spcPts val="0"/>
+              </a:spcAft>
+              <a:buClr>
+                <a:schemeClr val="bg2">
+                  <a:lumMod val="40000"/>
+                  <a:lumOff val="60000"/>
+                </a:schemeClr>
+              </a:buClr>
+              <a:buSzPct val="80000"/>
+              <a:buFont typeface="Wingdings 3" charset="2"/>
+              <a:buNone/>
+              <a:defRPr sz="1400" b="0" i="0" kern="1200">
+                <a:solidFill>
+                  <a:schemeClr val="tx1">
+                    <a:tint val="75000"/>
+                  </a:schemeClr>
+                </a:solidFill>
+                <a:latin typeface="+mj-lt"/>
+                <a:ea typeface="+mj-ea"/>
+                <a:cs typeface="+mj-cs"/>
+              </a:defRPr>
+            </a:lvl7pPr>
+            <a:lvl8pPr marL="3200400" indent="0" algn="ctr" defTabSz="457200" rtl="0" eaLnBrk="1" latinLnBrk="0" hangingPunct="1">
+              <a:spcBef>
+                <a:spcPts val="1000"/>
+              </a:spcBef>
+              <a:spcAft>
+                <a:spcPts val="0"/>
+              </a:spcAft>
+              <a:buClr>
+                <a:schemeClr val="bg2">
+                  <a:lumMod val="40000"/>
+                  <a:lumOff val="60000"/>
+                </a:schemeClr>
+              </a:buClr>
+              <a:buSzPct val="80000"/>
+              <a:buFont typeface="Wingdings 3" charset="2"/>
+              <a:buNone/>
+              <a:defRPr sz="1400" b="0" i="0" kern="1200">
+                <a:solidFill>
+                  <a:schemeClr val="tx1">
+                    <a:tint val="75000"/>
+                  </a:schemeClr>
+                </a:solidFill>
+                <a:latin typeface="+mj-lt"/>
+                <a:ea typeface="+mj-ea"/>
+                <a:cs typeface="+mj-cs"/>
+              </a:defRPr>
+            </a:lvl8pPr>
+            <a:lvl9pPr marL="3657600" indent="0" algn="ctr" defTabSz="457200" rtl="0" eaLnBrk="1" latinLnBrk="0" hangingPunct="1">
+              <a:spcBef>
+                <a:spcPts val="1000"/>
+              </a:spcBef>
+              <a:spcAft>
+                <a:spcPts val="0"/>
+              </a:spcAft>
+              <a:buClr>
+                <a:schemeClr val="bg2">
+                  <a:lumMod val="40000"/>
+                  <a:lumOff val="60000"/>
+                </a:schemeClr>
+              </a:buClr>
+              <a:buSzPct val="80000"/>
+              <a:buFont typeface="Wingdings 3" charset="2"/>
+              <a:buNone/>
+              <a:defRPr sz="1400" b="0" i="0" kern="1200">
+                <a:solidFill>
+                  <a:schemeClr val="tx1">
+                    <a:tint val="75000"/>
+                  </a:schemeClr>
+                </a:solidFill>
+                <a:latin typeface="+mj-lt"/>
+                <a:ea typeface="+mj-ea"/>
+                <a:cs typeface="+mj-cs"/>
+              </a:defRPr>
+            </a:lvl9pPr>
+          </a:lstStyle>
+          <a:p>
+            <a:r>
+              <a:rPr lang="en-US" sz="2400" b="1" cap="none" dirty="0" smtClean="0">
+                <a:solidFill>
+                  <a:srgbClr val="FFFF00"/>
+                </a:solidFill>
+                <a:effectLst>
+                  <a:outerShdw blurRad="38100" dist="38100" dir="2700000" algn="tl">
+                    <a:srgbClr val="000000">
+                      <a:alpha val="43137"/>
+                    </a:srgbClr>
+                  </a:outerShdw>
+                </a:effectLst>
+              </a:rPr>
+              <a:t>Recursive Function Example</a:t>
+            </a:r>
+            <a:endParaRPr lang="en-US" sz="2400" b="1" cap="none" dirty="0">
+              <a:solidFill>
+                <a:srgbClr val="FFFF00"/>
+              </a:solidFill>
+              <a:effectLst>
+                <a:outerShdw blurRad="38100" dist="38100" dir="2700000" algn="tl">
+                  <a:srgbClr val="000000">
+                    <a:alpha val="43137"/>
+                  </a:srgbClr>
+                </a:outerShdw>
+              </a:effectLst>
+            </a:endParaRPr>
+          </a:p>
+        </p:txBody>
+      </p:sp>
+      <p:sp>
+        <p:nvSpPr>
+          <p:cNvPr id="13" name="Rectangle 12"/>
+          <p:cNvSpPr/>
+          <p:nvPr/>
+        </p:nvSpPr>
+        <p:spPr>
+          <a:xfrm>
+            <a:off x="6745573" y="2982152"/>
+            <a:ext cx="5219075" cy="2862322"/>
+          </a:xfrm>
+          <a:prstGeom prst="rect">
+            <a:avLst/>
+          </a:prstGeom>
+        </p:spPr>
+        <p:txBody>
+          <a:bodyPr wrap="square">
+            <a:spAutoFit/>
+          </a:bodyPr>
+          <a:lstStyle/>
+          <a:p>
+            <a:r>
+              <a:rPr lang="en-US" sz="2000" b="1" dirty="0" err="1">
+                <a:solidFill>
+                  <a:srgbClr val="66D9EF"/>
+                </a:solidFill>
+                <a:latin typeface="Consolas" panose="020B0609020204030204" pitchFamily="49" charset="0"/>
+              </a:rPr>
+              <a:t>var</a:t>
+            </a:r>
+            <a:r>
+              <a:rPr lang="en-US" sz="2000" b="1" dirty="0">
+                <a:solidFill>
+                  <a:srgbClr val="F8F8F2"/>
+                </a:solidFill>
+                <a:latin typeface="Consolas" panose="020B0609020204030204" pitchFamily="49" charset="0"/>
+              </a:rPr>
+              <a:t> </a:t>
+            </a:r>
+            <a:r>
+              <a:rPr lang="en-US" sz="2000" b="1" dirty="0">
+                <a:solidFill>
+                  <a:srgbClr val="E6DB74"/>
+                </a:solidFill>
+                <a:latin typeface="Consolas" panose="020B0609020204030204" pitchFamily="49" charset="0"/>
+              </a:rPr>
+              <a:t>countdown</a:t>
+            </a:r>
+            <a:r>
+              <a:rPr lang="en-US" sz="2000" b="1" dirty="0">
+                <a:solidFill>
+                  <a:srgbClr val="F8F8F2"/>
+                </a:solidFill>
+                <a:latin typeface="Consolas" panose="020B0609020204030204" pitchFamily="49" charset="0"/>
+              </a:rPr>
+              <a:t> = </a:t>
+            </a:r>
+            <a:r>
+              <a:rPr lang="en-US" sz="2000" b="1" dirty="0">
+                <a:solidFill>
+                  <a:srgbClr val="66D9EF"/>
+                </a:solidFill>
+                <a:latin typeface="Consolas" panose="020B0609020204030204" pitchFamily="49" charset="0"/>
+              </a:rPr>
+              <a:t>function</a:t>
+            </a:r>
+            <a:r>
+              <a:rPr lang="en-US" sz="2000" b="1" dirty="0">
+                <a:solidFill>
+                  <a:srgbClr val="F8F8F2"/>
+                </a:solidFill>
+                <a:latin typeface="Consolas" panose="020B0609020204030204" pitchFamily="49" charset="0"/>
+              </a:rPr>
+              <a:t>(value) { </a:t>
+            </a:r>
+            <a:endParaRPr lang="en-US" sz="2000" b="1" dirty="0" smtClean="0">
+              <a:solidFill>
+                <a:srgbClr val="F8F8F2"/>
+              </a:solidFill>
+              <a:latin typeface="Consolas" panose="020B0609020204030204" pitchFamily="49" charset="0"/>
+            </a:endParaRPr>
+          </a:p>
+          <a:p>
+            <a:r>
+              <a:rPr lang="en-US" sz="2000" b="1" dirty="0" smtClean="0">
+                <a:solidFill>
+                  <a:srgbClr val="66D9EF"/>
+                </a:solidFill>
+                <a:latin typeface="Consolas" panose="020B0609020204030204" pitchFamily="49" charset="0"/>
+              </a:rPr>
+              <a:t>if</a:t>
+            </a:r>
+            <a:r>
+              <a:rPr lang="en-US" sz="2000" b="1" dirty="0" smtClean="0">
+                <a:solidFill>
+                  <a:srgbClr val="F8F8F2"/>
+                </a:solidFill>
+                <a:latin typeface="Consolas" panose="020B0609020204030204" pitchFamily="49" charset="0"/>
+              </a:rPr>
+              <a:t> </a:t>
+            </a:r>
+            <a:r>
+              <a:rPr lang="en-US" sz="2000" b="1" dirty="0">
+                <a:solidFill>
+                  <a:srgbClr val="F8F8F2"/>
+                </a:solidFill>
+                <a:latin typeface="Consolas" panose="020B0609020204030204" pitchFamily="49" charset="0"/>
+              </a:rPr>
+              <a:t>(value &gt; </a:t>
+            </a:r>
+            <a:r>
+              <a:rPr lang="en-US" sz="2000" b="1" dirty="0">
+                <a:solidFill>
+                  <a:srgbClr val="AE81FF"/>
+                </a:solidFill>
+                <a:latin typeface="Consolas" panose="020B0609020204030204" pitchFamily="49" charset="0"/>
+              </a:rPr>
+              <a:t>0</a:t>
+            </a:r>
+            <a:r>
+              <a:rPr lang="en-US" sz="2000" b="1" dirty="0">
+                <a:solidFill>
+                  <a:srgbClr val="F8F8F2"/>
+                </a:solidFill>
+                <a:latin typeface="Consolas" panose="020B0609020204030204" pitchFamily="49" charset="0"/>
+              </a:rPr>
+              <a:t>) { </a:t>
+            </a:r>
+            <a:endParaRPr lang="en-US" sz="2000" b="1" dirty="0" smtClean="0">
+              <a:solidFill>
+                <a:srgbClr val="F8F8F2"/>
+              </a:solidFill>
+              <a:latin typeface="Consolas" panose="020B0609020204030204" pitchFamily="49" charset="0"/>
+            </a:endParaRPr>
+          </a:p>
+          <a:p>
+            <a:r>
+              <a:rPr lang="en-US" sz="2000" b="1" dirty="0" smtClean="0">
+                <a:solidFill>
+                  <a:srgbClr val="E6DB74"/>
+                </a:solidFill>
+                <a:latin typeface="Consolas" panose="020B0609020204030204" pitchFamily="49" charset="0"/>
+              </a:rPr>
+              <a:t>console</a:t>
+            </a:r>
+            <a:r>
+              <a:rPr lang="en-US" sz="2000" b="1" dirty="0" smtClean="0">
+                <a:solidFill>
+                  <a:srgbClr val="F8F8F2"/>
+                </a:solidFill>
+                <a:latin typeface="Consolas" panose="020B0609020204030204" pitchFamily="49" charset="0"/>
+              </a:rPr>
+              <a:t>.</a:t>
+            </a:r>
+            <a:r>
+              <a:rPr lang="en-US" sz="2000" b="1" dirty="0" smtClean="0">
+                <a:solidFill>
+                  <a:srgbClr val="E6DB74"/>
+                </a:solidFill>
+                <a:latin typeface="Consolas" panose="020B0609020204030204" pitchFamily="49" charset="0"/>
+              </a:rPr>
+              <a:t>log</a:t>
+            </a:r>
+            <a:r>
+              <a:rPr lang="en-US" sz="2000" b="1" dirty="0" smtClean="0">
+                <a:solidFill>
+                  <a:srgbClr val="F8F8F2"/>
+                </a:solidFill>
+                <a:latin typeface="Consolas" panose="020B0609020204030204" pitchFamily="49" charset="0"/>
+              </a:rPr>
+              <a:t>(value</a:t>
+            </a:r>
+            <a:r>
+              <a:rPr lang="en-US" sz="2000" b="1" dirty="0">
+                <a:solidFill>
+                  <a:srgbClr val="F8F8F2"/>
+                </a:solidFill>
+                <a:latin typeface="Consolas" panose="020B0609020204030204" pitchFamily="49" charset="0"/>
+              </a:rPr>
+              <a:t>); </a:t>
+            </a:r>
+            <a:endParaRPr lang="en-US" sz="2000" b="1" dirty="0" smtClean="0">
+              <a:solidFill>
+                <a:srgbClr val="F8F8F2"/>
+              </a:solidFill>
+              <a:latin typeface="Consolas" panose="020B0609020204030204" pitchFamily="49" charset="0"/>
+            </a:endParaRPr>
+          </a:p>
+          <a:p>
+            <a:r>
+              <a:rPr lang="en-US" sz="2000" b="1" dirty="0" smtClean="0">
+                <a:solidFill>
+                  <a:srgbClr val="66D9EF"/>
+                </a:solidFill>
+                <a:latin typeface="Consolas" panose="020B0609020204030204" pitchFamily="49" charset="0"/>
+              </a:rPr>
+              <a:t>return</a:t>
+            </a:r>
+            <a:r>
+              <a:rPr lang="en-US" sz="2000" b="1" dirty="0" smtClean="0">
+                <a:solidFill>
+                  <a:srgbClr val="F8F8F2"/>
+                </a:solidFill>
+                <a:latin typeface="Consolas" panose="020B0609020204030204" pitchFamily="49" charset="0"/>
+              </a:rPr>
+              <a:t> </a:t>
+            </a:r>
+            <a:r>
+              <a:rPr lang="en-US" sz="2000" b="1" dirty="0">
+                <a:solidFill>
+                  <a:srgbClr val="E6DB74"/>
+                </a:solidFill>
+                <a:latin typeface="Consolas" panose="020B0609020204030204" pitchFamily="49" charset="0"/>
+              </a:rPr>
+              <a:t>countdown</a:t>
+            </a:r>
+            <a:r>
+              <a:rPr lang="en-US" sz="2000" b="1" dirty="0">
+                <a:solidFill>
+                  <a:srgbClr val="F8F8F2"/>
+                </a:solidFill>
+                <a:latin typeface="Consolas" panose="020B0609020204030204" pitchFamily="49" charset="0"/>
+              </a:rPr>
+              <a:t>(value - </a:t>
+            </a:r>
+            <a:r>
+              <a:rPr lang="en-US" sz="2000" b="1" dirty="0">
+                <a:solidFill>
+                  <a:srgbClr val="AE81FF"/>
+                </a:solidFill>
+                <a:latin typeface="Consolas" panose="020B0609020204030204" pitchFamily="49" charset="0"/>
+              </a:rPr>
+              <a:t>1</a:t>
+            </a:r>
+            <a:r>
+              <a:rPr lang="en-US" sz="2000" b="1" dirty="0">
+                <a:solidFill>
+                  <a:srgbClr val="F8F8F2"/>
+                </a:solidFill>
+                <a:latin typeface="Consolas" panose="020B0609020204030204" pitchFamily="49" charset="0"/>
+              </a:rPr>
+              <a:t>); </a:t>
+            </a:r>
+            <a:endParaRPr lang="en-US" sz="2000" b="1" dirty="0" smtClean="0">
+              <a:solidFill>
+                <a:srgbClr val="F8F8F2"/>
+              </a:solidFill>
+              <a:latin typeface="Consolas" panose="020B0609020204030204" pitchFamily="49" charset="0"/>
+            </a:endParaRPr>
+          </a:p>
+          <a:p>
+            <a:r>
+              <a:rPr lang="en-US" sz="2000" b="1" dirty="0" smtClean="0">
+                <a:solidFill>
+                  <a:srgbClr val="F8F8F2"/>
+                </a:solidFill>
+                <a:latin typeface="Consolas" panose="020B0609020204030204" pitchFamily="49" charset="0"/>
+              </a:rPr>
+              <a:t>} </a:t>
+            </a:r>
+            <a:r>
+              <a:rPr lang="en-US" sz="2000" b="1" dirty="0">
+                <a:solidFill>
+                  <a:srgbClr val="66D9EF"/>
+                </a:solidFill>
+                <a:latin typeface="Consolas" panose="020B0609020204030204" pitchFamily="49" charset="0"/>
+              </a:rPr>
+              <a:t>else</a:t>
+            </a:r>
+            <a:r>
+              <a:rPr lang="en-US" sz="2000" b="1" dirty="0">
+                <a:solidFill>
+                  <a:srgbClr val="F8F8F2"/>
+                </a:solidFill>
+                <a:latin typeface="Consolas" panose="020B0609020204030204" pitchFamily="49" charset="0"/>
+              </a:rPr>
+              <a:t> { </a:t>
+            </a:r>
+            <a:endParaRPr lang="en-US" sz="2000" b="1" dirty="0" smtClean="0">
+              <a:solidFill>
+                <a:srgbClr val="F8F8F2"/>
+              </a:solidFill>
+              <a:latin typeface="Consolas" panose="020B0609020204030204" pitchFamily="49" charset="0"/>
+            </a:endParaRPr>
+          </a:p>
+          <a:p>
+            <a:r>
+              <a:rPr lang="en-US" sz="2000" b="1" dirty="0" smtClean="0">
+                <a:solidFill>
+                  <a:srgbClr val="66D9EF"/>
+                </a:solidFill>
+                <a:latin typeface="Consolas" panose="020B0609020204030204" pitchFamily="49" charset="0"/>
+              </a:rPr>
+              <a:t>return</a:t>
+            </a:r>
+            <a:r>
+              <a:rPr lang="en-US" sz="2000" b="1" dirty="0" smtClean="0">
+                <a:solidFill>
+                  <a:srgbClr val="F8F8F2"/>
+                </a:solidFill>
+                <a:latin typeface="Consolas" panose="020B0609020204030204" pitchFamily="49" charset="0"/>
+              </a:rPr>
+              <a:t> </a:t>
+            </a:r>
+            <a:r>
+              <a:rPr lang="en-US" sz="2000" b="1" dirty="0">
+                <a:solidFill>
+                  <a:srgbClr val="F8F8F2"/>
+                </a:solidFill>
+                <a:latin typeface="Consolas" panose="020B0609020204030204" pitchFamily="49" charset="0"/>
+              </a:rPr>
+              <a:t>value; </a:t>
+            </a:r>
+            <a:endParaRPr lang="en-US" sz="2000" b="1" dirty="0" smtClean="0">
+              <a:solidFill>
+                <a:srgbClr val="F8F8F2"/>
+              </a:solidFill>
+              <a:latin typeface="Consolas" panose="020B0609020204030204" pitchFamily="49" charset="0"/>
+            </a:endParaRPr>
+          </a:p>
+          <a:p>
+            <a:r>
+              <a:rPr lang="en-US" sz="2000" b="1" dirty="0" smtClean="0">
+                <a:solidFill>
+                  <a:srgbClr val="F8F8F2"/>
+                </a:solidFill>
+                <a:latin typeface="Consolas" panose="020B0609020204030204" pitchFamily="49" charset="0"/>
+              </a:rPr>
+              <a:t>} </a:t>
+            </a:r>
+          </a:p>
+          <a:p>
+            <a:r>
+              <a:rPr lang="en-US" sz="2000" b="1" dirty="0" smtClean="0">
+                <a:solidFill>
+                  <a:srgbClr val="F8F8F2"/>
+                </a:solidFill>
+                <a:latin typeface="Consolas" panose="020B0609020204030204" pitchFamily="49" charset="0"/>
+              </a:rPr>
+              <a:t>}; </a:t>
+            </a:r>
+          </a:p>
+          <a:p>
+            <a:r>
+              <a:rPr lang="en-US" sz="2000" b="1" dirty="0" smtClean="0">
+                <a:solidFill>
+                  <a:srgbClr val="E6DB74"/>
+                </a:solidFill>
+                <a:latin typeface="Consolas" panose="020B0609020204030204" pitchFamily="49" charset="0"/>
+              </a:rPr>
+              <a:t>countdown</a:t>
+            </a:r>
+            <a:r>
+              <a:rPr lang="en-US" sz="2000" b="1" dirty="0" smtClean="0">
+                <a:solidFill>
+                  <a:srgbClr val="F8F8F2"/>
+                </a:solidFill>
+                <a:latin typeface="Consolas" panose="020B0609020204030204" pitchFamily="49" charset="0"/>
+              </a:rPr>
+              <a:t>(</a:t>
+            </a:r>
+            <a:r>
+              <a:rPr lang="en-US" sz="2000" b="1" dirty="0" smtClean="0">
+                <a:solidFill>
+                  <a:srgbClr val="AE81FF"/>
+                </a:solidFill>
+                <a:latin typeface="Consolas" panose="020B0609020204030204" pitchFamily="49" charset="0"/>
+              </a:rPr>
+              <a:t>10</a:t>
+            </a:r>
+            <a:r>
+              <a:rPr lang="en-US" sz="2000" b="1" dirty="0">
+                <a:solidFill>
+                  <a:srgbClr val="F8F8F2"/>
+                </a:solidFill>
+                <a:latin typeface="Consolas" panose="020B0609020204030204" pitchFamily="49" charset="0"/>
+              </a:rPr>
+              <a:t>);</a:t>
+            </a:r>
+            <a:endParaRPr lang="en-US" sz="2000" b="1" dirty="0"/>
+          </a:p>
+        </p:txBody>
+      </p:sp>
+    </p:spTree>
+    <p:extLst>
+      <p:ext uri="{BB962C8B-B14F-4D97-AF65-F5344CB8AC3E}">
+        <p14:creationId xmlns:p14="http://schemas.microsoft.com/office/powerpoint/2010/main" val="129118094"/>
+      </p:ext>
+    </p:extLst>
+  </p:cSld>
+  <p:clrMapOvr>
+    <a:masterClrMapping/>
+  </p:clrMapOvr>
+  <p:timing>
+    <p:tnLst>
+      <p:par>
+        <p:cTn id="1" dur="indefinite" restart="never" nodeType="tmRoot">
+          <p:childTnLst>
+            <p:seq concurrent="1" nextAc="seek">
+              <p:cTn id="2" dur="indefinite" nodeType="mainSeq">
+                <p:childTnLst>
+                  <p:par>
+                    <p:cTn id="3" fill="hold">
+                      <p:stCondLst>
+                        <p:cond delay="indefinite"/>
+                      </p:stCondLst>
+                      <p:childTnLst>
+                        <p:par>
+                          <p:cTn id="4" fill="hold">
+                            <p:stCondLst>
+                              <p:cond delay="0"/>
+                            </p:stCondLst>
+                            <p:childTnLst>
+                              <p:par>
+                                <p:cTn id="5" presetID="2" presetClass="entr" presetSubtype="4" fill="hold" grpId="0" nodeType="clickEffect">
+                                  <p:stCondLst>
+                                    <p:cond delay="0"/>
+                                  </p:stCondLst>
+                                  <p:childTnLst>
+                                    <p:set>
+                                      <p:cBhvr>
+                                        <p:cTn id="6" dur="1" fill="hold">
+                                          <p:stCondLst>
+                                            <p:cond delay="0"/>
+                                          </p:stCondLst>
+                                        </p:cTn>
+                                        <p:tgtEl>
+                                          <p:spTgt spid="2"/>
+                                        </p:tgtEl>
+                                        <p:attrNameLst>
+                                          <p:attrName>style.visibility</p:attrName>
+                                        </p:attrNameLst>
+                                      </p:cBhvr>
+                                      <p:to>
+                                        <p:strVal val="visible"/>
+                                      </p:to>
+                                    </p:set>
+                                    <p:anim calcmode="lin" valueType="num">
+                                      <p:cBhvr additive="base">
+                                        <p:cTn id="7" dur="500" fill="hold"/>
+                                        <p:tgtEl>
+                                          <p:spTgt spid="2"/>
+                                        </p:tgtEl>
+                                        <p:attrNameLst>
+                                          <p:attrName>ppt_x</p:attrName>
+                                        </p:attrNameLst>
+                                      </p:cBhvr>
+                                      <p:tavLst>
+                                        <p:tav tm="0">
+                                          <p:val>
+                                            <p:strVal val="#ppt_x"/>
+                                          </p:val>
+                                        </p:tav>
+                                        <p:tav tm="100000">
+                                          <p:val>
+                                            <p:strVal val="#ppt_x"/>
+                                          </p:val>
+                                        </p:tav>
+                                      </p:tavLst>
+                                    </p:anim>
+                                    <p:anim calcmode="lin" valueType="num">
+                                      <p:cBhvr additive="base">
+                                        <p:cTn id="8" dur="500" fill="hold"/>
+                                        <p:tgtEl>
+                                          <p:spTgt spid="2"/>
+                                        </p:tgtEl>
+                                        <p:attrNameLst>
+                                          <p:attrName>ppt_y</p:attrName>
+                                        </p:attrNameLst>
+                                      </p:cBhvr>
+                                      <p:tavLst>
+                                        <p:tav tm="0">
+                                          <p:val>
+                                            <p:strVal val="1+#ppt_h/2"/>
+                                          </p:val>
+                                        </p:tav>
+                                        <p:tav tm="100000">
+                                          <p:val>
+                                            <p:strVal val="#ppt_y"/>
+                                          </p:val>
+                                        </p:tav>
+                                      </p:tavLst>
+                                    </p:anim>
+                                  </p:childTnLst>
+                                </p:cTn>
+                              </p:par>
+                            </p:childTnLst>
+                          </p:cTn>
+                        </p:par>
+                      </p:childTnLst>
+                    </p:cTn>
+                  </p:par>
+                  <p:par>
+                    <p:cTn id="9" fill="hold">
+                      <p:stCondLst>
+                        <p:cond delay="indefinite"/>
+                      </p:stCondLst>
+                      <p:childTnLst>
+                        <p:par>
+                          <p:cTn id="10" fill="hold">
+                            <p:stCondLst>
+                              <p:cond delay="0"/>
+                            </p:stCondLst>
+                            <p:childTnLst>
+                              <p:par>
+                                <p:cTn id="11" presetID="42" presetClass="entr" presetSubtype="0" fill="hold" grpId="0" nodeType="clickEffect">
+                                  <p:stCondLst>
+                                    <p:cond delay="0"/>
+                                  </p:stCondLst>
+                                  <p:childTnLst>
+                                    <p:set>
+                                      <p:cBhvr>
+                                        <p:cTn id="12" dur="1" fill="hold">
+                                          <p:stCondLst>
+                                            <p:cond delay="0"/>
+                                          </p:stCondLst>
+                                        </p:cTn>
+                                        <p:tgtEl>
+                                          <p:spTgt spid="3">
+                                            <p:txEl>
+                                              <p:pRg st="0" end="0"/>
+                                            </p:txEl>
+                                          </p:spTgt>
+                                        </p:tgtEl>
+                                        <p:attrNameLst>
+                                          <p:attrName>style.visibility</p:attrName>
+                                        </p:attrNameLst>
+                                      </p:cBhvr>
+                                      <p:to>
+                                        <p:strVal val="visible"/>
+                                      </p:to>
+                                    </p:set>
+                                    <p:animEffect transition="in" filter="fade">
+                                      <p:cBhvr>
+                                        <p:cTn id="13" dur="1000"/>
+                                        <p:tgtEl>
+                                          <p:spTgt spid="3">
+                                            <p:txEl>
+                                              <p:pRg st="0" end="0"/>
+                                            </p:txEl>
+                                          </p:spTgt>
+                                        </p:tgtEl>
+                                      </p:cBhvr>
+                                    </p:animEffect>
+                                    <p:anim calcmode="lin" valueType="num">
+                                      <p:cBhvr>
+                                        <p:cTn id="14" dur="1000" fill="hold"/>
+                                        <p:tgtEl>
+                                          <p:spTgt spid="3">
+                                            <p:txEl>
+                                              <p:pRg st="0" end="0"/>
+                                            </p:txEl>
+                                          </p:spTgt>
+                                        </p:tgtEl>
+                                        <p:attrNameLst>
+                                          <p:attrName>ppt_x</p:attrName>
+                                        </p:attrNameLst>
+                                      </p:cBhvr>
+                                      <p:tavLst>
+                                        <p:tav tm="0">
+                                          <p:val>
+                                            <p:strVal val="#ppt_x"/>
+                                          </p:val>
+                                        </p:tav>
+                                        <p:tav tm="100000">
+                                          <p:val>
+                                            <p:strVal val="#ppt_x"/>
+                                          </p:val>
+                                        </p:tav>
+                                      </p:tavLst>
+                                    </p:anim>
+                                    <p:anim calcmode="lin" valueType="num">
+                                      <p:cBhvr>
+                                        <p:cTn id="15" dur="1000" fill="hold"/>
+                                        <p:tgtEl>
+                                          <p:spTgt spid="3">
+                                            <p:txEl>
+                                              <p:pRg st="0" end="0"/>
+                                            </p:txEl>
+                                          </p:spTgt>
+                                        </p:tgtEl>
+                                        <p:attrNameLst>
+                                          <p:attrName>ppt_y</p:attrName>
+                                        </p:attrNameLst>
+                                      </p:cBhvr>
+                                      <p:tavLst>
+                                        <p:tav tm="0">
+                                          <p:val>
+                                            <p:strVal val="#ppt_y+.1"/>
+                                          </p:val>
+                                        </p:tav>
+                                        <p:tav tm="100000">
+                                          <p:val>
+                                            <p:strVal val="#ppt_y"/>
+                                          </p:val>
+                                        </p:tav>
+                                      </p:tavLst>
+                                    </p:anim>
+                                  </p:childTnLst>
+                                </p:cTn>
+                              </p:par>
+                            </p:childTnLst>
+                          </p:cTn>
+                        </p:par>
+                      </p:childTnLst>
+                    </p:cTn>
+                  </p:par>
+                  <p:par>
+                    <p:cTn id="16" fill="hold">
+                      <p:stCondLst>
+                        <p:cond delay="indefinite"/>
+                      </p:stCondLst>
+                      <p:childTnLst>
+                        <p:par>
+                          <p:cTn id="17" fill="hold">
+                            <p:stCondLst>
+                              <p:cond delay="0"/>
+                            </p:stCondLst>
+                            <p:childTnLst>
+                              <p:par>
+                                <p:cTn id="18" presetID="42" presetClass="entr" presetSubtype="0" fill="hold" grpId="0" nodeType="clickEffect">
+                                  <p:stCondLst>
+                                    <p:cond delay="0"/>
+                                  </p:stCondLst>
+                                  <p:childTnLst>
+                                    <p:set>
+                                      <p:cBhvr>
+                                        <p:cTn id="19" dur="1" fill="hold">
+                                          <p:stCondLst>
+                                            <p:cond delay="0"/>
+                                          </p:stCondLst>
+                                        </p:cTn>
+                                        <p:tgtEl>
+                                          <p:spTgt spid="11">
+                                            <p:txEl>
+                                              <p:pRg st="0" end="0"/>
+                                            </p:txEl>
+                                          </p:spTgt>
+                                        </p:tgtEl>
+                                        <p:attrNameLst>
+                                          <p:attrName>style.visibility</p:attrName>
+                                        </p:attrNameLst>
+                                      </p:cBhvr>
+                                      <p:to>
+                                        <p:strVal val="visible"/>
+                                      </p:to>
+                                    </p:set>
+                                    <p:animEffect transition="in" filter="fade">
+                                      <p:cBhvr>
+                                        <p:cTn id="20" dur="1000"/>
+                                        <p:tgtEl>
+                                          <p:spTgt spid="11">
+                                            <p:txEl>
+                                              <p:pRg st="0" end="0"/>
+                                            </p:txEl>
+                                          </p:spTgt>
+                                        </p:tgtEl>
+                                      </p:cBhvr>
+                                    </p:animEffect>
+                                    <p:anim calcmode="lin" valueType="num">
+                                      <p:cBhvr>
+                                        <p:cTn id="21" dur="1000" fill="hold"/>
+                                        <p:tgtEl>
+                                          <p:spTgt spid="11">
+                                            <p:txEl>
+                                              <p:pRg st="0" end="0"/>
+                                            </p:txEl>
+                                          </p:spTgt>
+                                        </p:tgtEl>
+                                        <p:attrNameLst>
+                                          <p:attrName>ppt_x</p:attrName>
+                                        </p:attrNameLst>
+                                      </p:cBhvr>
+                                      <p:tavLst>
+                                        <p:tav tm="0">
+                                          <p:val>
+                                            <p:strVal val="#ppt_x"/>
+                                          </p:val>
+                                        </p:tav>
+                                        <p:tav tm="100000">
+                                          <p:val>
+                                            <p:strVal val="#ppt_x"/>
+                                          </p:val>
+                                        </p:tav>
+                                      </p:tavLst>
+                                    </p:anim>
+                                    <p:anim calcmode="lin" valueType="num">
+                                      <p:cBhvr>
+                                        <p:cTn id="22" dur="1000" fill="hold"/>
+                                        <p:tgtEl>
+                                          <p:spTgt spid="11">
+                                            <p:txEl>
+                                              <p:pRg st="0" end="0"/>
+                                            </p:txEl>
+                                          </p:spTgt>
+                                        </p:tgtEl>
+                                        <p:attrNameLst>
+                                          <p:attrName>ppt_y</p:attrName>
+                                        </p:attrNameLst>
+                                      </p:cBhvr>
+                                      <p:tavLst>
+                                        <p:tav tm="0">
+                                          <p:val>
+                                            <p:strVal val="#ppt_y+.1"/>
+                                          </p:val>
+                                        </p:tav>
+                                        <p:tav tm="100000">
+                                          <p:val>
+                                            <p:strVal val="#ppt_y"/>
+                                          </p:val>
+                                        </p:tav>
+                                      </p:tavLst>
+                                    </p:anim>
+                                  </p:childTnLst>
+                                </p:cTn>
+                              </p:par>
+                            </p:childTnLst>
+                          </p:cTn>
+                        </p:par>
+                      </p:childTnLst>
+                    </p:cTn>
+                  </p:par>
+                  <p:par>
+                    <p:cTn id="23" fill="hold">
+                      <p:stCondLst>
+                        <p:cond delay="indefinite"/>
+                      </p:stCondLst>
+                      <p:childTnLst>
+                        <p:par>
+                          <p:cTn id="24" fill="hold">
+                            <p:stCondLst>
+                              <p:cond delay="0"/>
+                            </p:stCondLst>
+                            <p:childTnLst>
+                              <p:par>
+                                <p:cTn id="25" presetID="42" presetClass="entr" presetSubtype="0" fill="hold" grpId="0" nodeType="clickEffect">
+                                  <p:stCondLst>
+                                    <p:cond delay="0"/>
+                                  </p:stCondLst>
+                                  <p:childTnLst>
+                                    <p:set>
+                                      <p:cBhvr>
+                                        <p:cTn id="26" dur="1" fill="hold">
+                                          <p:stCondLst>
+                                            <p:cond delay="0"/>
+                                          </p:stCondLst>
+                                        </p:cTn>
+                                        <p:tgtEl>
+                                          <p:spTgt spid="12">
+                                            <p:txEl>
+                                              <p:pRg st="0" end="0"/>
+                                            </p:txEl>
+                                          </p:spTgt>
+                                        </p:tgtEl>
+                                        <p:attrNameLst>
+                                          <p:attrName>style.visibility</p:attrName>
+                                        </p:attrNameLst>
+                                      </p:cBhvr>
+                                      <p:to>
+                                        <p:strVal val="visible"/>
+                                      </p:to>
+                                    </p:set>
+                                    <p:animEffect transition="in" filter="fade">
+                                      <p:cBhvr>
+                                        <p:cTn id="27" dur="1000"/>
+                                        <p:tgtEl>
+                                          <p:spTgt spid="12">
+                                            <p:txEl>
+                                              <p:pRg st="0" end="0"/>
+                                            </p:txEl>
+                                          </p:spTgt>
+                                        </p:tgtEl>
+                                      </p:cBhvr>
+                                    </p:animEffect>
+                                    <p:anim calcmode="lin" valueType="num">
+                                      <p:cBhvr>
+                                        <p:cTn id="28" dur="1000" fill="hold"/>
+                                        <p:tgtEl>
+                                          <p:spTgt spid="12">
+                                            <p:txEl>
+                                              <p:pRg st="0" end="0"/>
+                                            </p:txEl>
+                                          </p:spTgt>
+                                        </p:tgtEl>
+                                        <p:attrNameLst>
+                                          <p:attrName>ppt_x</p:attrName>
+                                        </p:attrNameLst>
+                                      </p:cBhvr>
+                                      <p:tavLst>
+                                        <p:tav tm="0">
+                                          <p:val>
+                                            <p:strVal val="#ppt_x"/>
+                                          </p:val>
+                                        </p:tav>
+                                        <p:tav tm="100000">
+                                          <p:val>
+                                            <p:strVal val="#ppt_x"/>
+                                          </p:val>
+                                        </p:tav>
+                                      </p:tavLst>
+                                    </p:anim>
+                                    <p:anim calcmode="lin" valueType="num">
+                                      <p:cBhvr>
+                                        <p:cTn id="29" dur="1000" fill="hold"/>
+                                        <p:tgtEl>
+                                          <p:spTgt spid="12">
+                                            <p:txEl>
+                                              <p:pRg st="0" end="0"/>
+                                            </p:txEl>
+                                          </p:spTgt>
+                                        </p:tgtEl>
+                                        <p:attrNameLst>
+                                          <p:attrName>ppt_y</p:attrName>
+                                        </p:attrNameLst>
+                                      </p:cBhvr>
+                                      <p:tavLst>
+                                        <p:tav tm="0">
+                                          <p:val>
+                                            <p:strVal val="#ppt_y+.1"/>
+                                          </p:val>
+                                        </p:tav>
+                                        <p:tav tm="100000">
+                                          <p:val>
+                                            <p:strVal val="#ppt_y"/>
+                                          </p:val>
+                                        </p:tav>
+                                      </p:tavLst>
+                                    </p:anim>
+                                  </p:childTnLst>
+                                </p:cTn>
+                              </p:par>
+                            </p:childTnLst>
+                          </p:cTn>
+                        </p:par>
+                      </p:childTnLst>
+                    </p:cTn>
+                  </p:par>
+                </p:childTnLst>
+              </p:cTn>
+              <p:prevCondLst>
+                <p:cond evt="onPrev" delay="0">
+                  <p:tgtEl>
+                    <p:sldTgt/>
+                  </p:tgtEl>
+                </p:cond>
+              </p:prevCondLst>
+              <p:nextCondLst>
+                <p:cond evt="onNext" delay="0">
+                  <p:tgtEl>
+                    <p:sldTgt/>
+                  </p:tgtEl>
+                </p:cond>
+              </p:nextCondLst>
+            </p:seq>
+          </p:childTnLst>
+        </p:cTn>
+      </p:par>
+    </p:tnLst>
+    <p:bldLst>
+      <p:bldP spid="2" grpId="0" animBg="1"/>
+      <p:bldP spid="3" grpId="0" build="p"/>
+      <p:bldP spid="11" grpId="0" build="p"/>
+      <p:bldP spid="12" grpId="0" build="p"/>
+    </p:bldLst>
+  </p:timing>
+</p:sld>
+</file>
+
+<file path=ppt/slides/slide8.xml><?xml version="1.0" encoding="utf-8"?>
+<p:sld xmlns:a="http://schemas.openxmlformats.org/drawingml/2006/main" xmlns:r="http://schemas.openxmlformats.org/officeDocument/2006/relationships" xmlns:p="http://schemas.openxmlformats.org/presentationml/2006/main">
+  <p:cSld>
+    <p:spTree>
+      <p:nvGrpSpPr>
+        <p:cNvPr id="1" name=""/>
+        <p:cNvGrpSpPr/>
+        <p:nvPr/>
+      </p:nvGrpSpPr>
+      <p:grpSpPr>
+        <a:xfrm>
+          <a:off x="0" y="0"/>
+          <a:ext cx="0" cy="0"/>
+          <a:chOff x="0" y="0"/>
+          <a:chExt cx="0" cy="0"/>
+        </a:xfrm>
+      </p:grpSpPr>
+      <p:sp>
+        <p:nvSpPr>
+          <p:cNvPr id="2" name="Title 1"/>
+          <p:cNvSpPr>
+            <a:spLocks noGrp="1"/>
+          </p:cNvSpPr>
+          <p:nvPr>
+            <p:ph type="ctrTitle"/>
+          </p:nvPr>
+        </p:nvSpPr>
+        <p:spPr>
+          <a:xfrm>
+            <a:off x="0" y="0"/>
+            <a:ext cx="12192000" cy="1214203"/>
+          </a:xfrm>
+        </p:spPr>
+        <p:style>
+          <a:lnRef idx="0">
+            <a:schemeClr val="accent3"/>
+          </a:lnRef>
+          <a:fillRef idx="3">
+            <a:schemeClr val="accent3"/>
+          </a:fillRef>
+          <a:effectRef idx="3">
+            <a:schemeClr val="accent3"/>
+          </a:effectRef>
+          <a:fontRef idx="minor">
+            <a:schemeClr val="lt1"/>
+          </a:fontRef>
+        </p:style>
+        <p:txBody>
+          <a:bodyPr/>
+          <a:lstStyle/>
+          <a:p>
+            <a:pPr algn="ctr"/>
+            <a:r>
+              <a:rPr lang="en-US" dirty="0" smtClean="0">
+                <a:solidFill>
+                  <a:schemeClr val="bg1"/>
+                </a:solidFill>
+                <a:effectLst>
+                  <a:outerShdw blurRad="38100" dist="38100" dir="2700000" algn="tl">
+                    <a:srgbClr val="000000">
+                      <a:alpha val="43137"/>
+                    </a:srgbClr>
+                  </a:outerShdw>
+                </a:effectLst>
+                <a:latin typeface="Aharoni" panose="02010803020104030203" pitchFamily="2" charset="-79"/>
+                <a:cs typeface="Aharoni" panose="02010803020104030203" pitchFamily="2" charset="-79"/>
+              </a:rPr>
+              <a:t>Function</a:t>
+            </a:r>
+            <a:endParaRPr lang="en-US" dirty="0">
+              <a:solidFill>
+                <a:schemeClr val="bg1"/>
+              </a:solidFill>
+              <a:effectLst>
+                <a:outerShdw blurRad="38100" dist="38100" dir="2700000" algn="tl">
+                  <a:srgbClr val="000000">
+                    <a:alpha val="43137"/>
+                  </a:srgbClr>
+                </a:outerShdw>
+              </a:effectLst>
+              <a:latin typeface="Aharoni" panose="02010803020104030203" pitchFamily="2" charset="-79"/>
+              <a:cs typeface="Aharoni" panose="02010803020104030203" pitchFamily="2" charset="-79"/>
+            </a:endParaRPr>
+          </a:p>
+        </p:txBody>
+      </p:sp>
+      <p:sp>
+        <p:nvSpPr>
+          <p:cNvPr id="3" name="Subtitle 2"/>
+          <p:cNvSpPr>
+            <a:spLocks noGrp="1"/>
+          </p:cNvSpPr>
+          <p:nvPr>
+            <p:ph type="subTitle" idx="1"/>
+          </p:nvPr>
+        </p:nvSpPr>
+        <p:spPr>
+          <a:xfrm>
+            <a:off x="-1" y="1359626"/>
+            <a:ext cx="12192000" cy="649059"/>
+          </a:xfrm>
+        </p:spPr>
+        <p:txBody>
+          <a:bodyPr>
+            <a:normAutofit/>
+          </a:bodyPr>
+          <a:lstStyle/>
+          <a:p>
+            <a:pPr algn="ctr"/>
+            <a:r>
+              <a:rPr lang="en-US" sz="3500" b="1" cap="none" dirty="0" smtClean="0">
+                <a:solidFill>
+                  <a:srgbClr val="FFFF00"/>
+                </a:solidFill>
+                <a:effectLst>
+                  <a:outerShdw blurRad="38100" dist="38100" dir="2700000" algn="tl">
+                    <a:srgbClr val="000000">
+                      <a:alpha val="43137"/>
+                    </a:srgbClr>
+                  </a:outerShdw>
+                </a:effectLst>
+              </a:rPr>
+              <a:t>Real Life Application</a:t>
+            </a:r>
+            <a:endParaRPr lang="en-US" sz="3500" b="1" cap="none" dirty="0">
+              <a:solidFill>
+                <a:srgbClr val="FFFF00"/>
+              </a:solidFill>
+              <a:effectLst>
+                <a:outerShdw blurRad="38100" dist="38100" dir="2700000" algn="tl">
+                  <a:srgbClr val="000000">
+                    <a:alpha val="43137"/>
+                  </a:srgbClr>
+                </a:outerShdw>
+              </a:effectLst>
+            </a:endParaRPr>
+          </a:p>
+        </p:txBody>
+      </p:sp>
+      <p:sp>
+        <p:nvSpPr>
+          <p:cNvPr id="5" name="Rectangle 4"/>
+          <p:cNvSpPr/>
+          <p:nvPr/>
+        </p:nvSpPr>
+        <p:spPr>
+          <a:xfrm>
+            <a:off x="344774" y="2843653"/>
+            <a:ext cx="4272196" cy="2246769"/>
+          </a:xfrm>
+          <a:prstGeom prst="rect">
+            <a:avLst/>
+          </a:prstGeom>
+        </p:spPr>
+        <p:txBody>
+          <a:bodyPr wrap="square">
+            <a:spAutoFit/>
+          </a:bodyPr>
+          <a:lstStyle/>
+          <a:p>
+            <a:r>
+              <a:rPr lang="en-US" sz="2000" b="1" dirty="0"/>
+              <a:t>function </a:t>
+            </a:r>
+            <a:r>
+              <a:rPr lang="en-US" sz="2000" b="1" dirty="0" err="1"/>
+              <a:t>myFunction</a:t>
+            </a:r>
+            <a:r>
+              <a:rPr lang="en-US" sz="2000" b="1" dirty="0"/>
+              <a:t>() </a:t>
+            </a:r>
+            <a:r>
+              <a:rPr lang="en-US" sz="2000" b="1" dirty="0" smtClean="0"/>
+              <a:t>{</a:t>
+            </a:r>
+          </a:p>
+          <a:p>
+            <a:endParaRPr lang="en-US" sz="2000" b="1" dirty="0"/>
+          </a:p>
+          <a:p>
+            <a:r>
+              <a:rPr lang="en-US" sz="2000" b="1" dirty="0"/>
+              <a:t>  let </a:t>
+            </a:r>
+            <a:r>
+              <a:rPr lang="en-US" sz="2000" b="1" dirty="0" err="1" smtClean="0"/>
+              <a:t>myName</a:t>
+            </a:r>
+            <a:r>
+              <a:rPr lang="en-US" sz="2000" b="1" dirty="0" smtClean="0"/>
+              <a:t> </a:t>
+            </a:r>
+            <a:r>
+              <a:rPr lang="en-US" sz="2000" b="1" dirty="0"/>
+              <a:t>= </a:t>
+            </a:r>
+            <a:r>
+              <a:rPr lang="en-US" sz="2000" b="1" dirty="0" smtClean="0"/>
+              <a:t>“</a:t>
+            </a:r>
+            <a:r>
+              <a:rPr lang="en-US" sz="2000" b="1" dirty="0" err="1" smtClean="0"/>
+              <a:t>Mithun</a:t>
+            </a:r>
+            <a:r>
+              <a:rPr lang="en-US" sz="2000" b="1" dirty="0" smtClean="0"/>
+              <a:t> Miah";</a:t>
+            </a:r>
+            <a:endParaRPr lang="en-US" sz="2000" b="1" dirty="0"/>
+          </a:p>
+          <a:p>
+            <a:r>
+              <a:rPr lang="en-US" sz="2000" b="1" dirty="0"/>
+              <a:t> </a:t>
+            </a:r>
+            <a:r>
+              <a:rPr lang="en-US" sz="2000" b="1" dirty="0" smtClean="0"/>
+              <a:t> </a:t>
+            </a:r>
+            <a:r>
+              <a:rPr lang="en-US" sz="2000" b="1" dirty="0" err="1" smtClean="0"/>
+              <a:t>document.write</a:t>
+            </a:r>
+            <a:r>
+              <a:rPr lang="en-US" sz="2000" b="1" dirty="0" smtClean="0"/>
+              <a:t>(</a:t>
+            </a:r>
+            <a:r>
+              <a:rPr lang="en-US" sz="2000" b="1" dirty="0" err="1" smtClean="0"/>
+              <a:t>myName</a:t>
+            </a:r>
+            <a:r>
+              <a:rPr lang="en-US" sz="2000" b="1" dirty="0" smtClean="0"/>
+              <a:t>);</a:t>
+            </a:r>
+          </a:p>
+          <a:p>
+            <a:endParaRPr lang="en-US" sz="2000" b="1" dirty="0"/>
+          </a:p>
+          <a:p>
+            <a:r>
+              <a:rPr lang="en-US" sz="2000" b="1" dirty="0"/>
+              <a:t>}</a:t>
+            </a:r>
+          </a:p>
+          <a:p>
+            <a:r>
+              <a:rPr lang="en-US" sz="2000" b="1" dirty="0" err="1"/>
+              <a:t>myFunction</a:t>
+            </a:r>
+            <a:r>
+              <a:rPr lang="en-US" sz="2000" b="1" dirty="0"/>
+              <a:t>();</a:t>
+            </a:r>
+          </a:p>
+        </p:txBody>
+      </p:sp>
+      <p:sp>
+        <p:nvSpPr>
+          <p:cNvPr id="11" name="Subtitle 2"/>
+          <p:cNvSpPr txBox="1">
+            <a:spLocks/>
+          </p:cNvSpPr>
+          <p:nvPr/>
+        </p:nvSpPr>
+        <p:spPr>
+          <a:xfrm>
+            <a:off x="344774" y="2154108"/>
+            <a:ext cx="5021705" cy="544122"/>
+          </a:xfrm>
+          <a:prstGeom prst="rect">
+            <a:avLst/>
+          </a:prstGeom>
+        </p:spPr>
+        <p:txBody>
+          <a:bodyPr vert="horz" lIns="91440" tIns="45720" rIns="91440" bIns="45720" rtlCol="0" anchor="t">
+            <a:normAutofit/>
+          </a:bodyPr>
+          <a:lstStyle>
+            <a:lvl1pPr marL="0" indent="0" algn="l" defTabSz="457200" rtl="0" eaLnBrk="1" latinLnBrk="0" hangingPunct="1">
+              <a:spcBef>
+                <a:spcPts val="1000"/>
+              </a:spcBef>
+              <a:spcAft>
+                <a:spcPts val="0"/>
+              </a:spcAft>
+              <a:buClr>
+                <a:schemeClr val="bg2">
+                  <a:lumMod val="40000"/>
+                  <a:lumOff val="60000"/>
+                </a:schemeClr>
+              </a:buClr>
+              <a:buSzPct val="80000"/>
+              <a:buFont typeface="Wingdings 3" charset="2"/>
+              <a:buNone/>
+              <a:defRPr sz="2000" b="0" i="0" kern="1200" cap="all">
+                <a:solidFill>
+                  <a:schemeClr val="bg2">
+                    <a:lumMod val="40000"/>
+                    <a:lumOff val="60000"/>
+                  </a:schemeClr>
+                </a:solidFill>
+                <a:latin typeface="+mj-lt"/>
+                <a:ea typeface="+mj-ea"/>
+                <a:cs typeface="+mj-cs"/>
+              </a:defRPr>
+            </a:lvl1pPr>
+            <a:lvl2pPr marL="457200" indent="0" algn="ctr" defTabSz="457200" rtl="0" eaLnBrk="1" latinLnBrk="0" hangingPunct="1">
+              <a:spcBef>
+                <a:spcPts val="1000"/>
+              </a:spcBef>
+              <a:spcAft>
+                <a:spcPts val="0"/>
+              </a:spcAft>
+              <a:buClr>
+                <a:schemeClr val="bg2">
+                  <a:lumMod val="40000"/>
+                  <a:lumOff val="60000"/>
+                </a:schemeClr>
+              </a:buClr>
+              <a:buSzPct val="80000"/>
+              <a:buFont typeface="Wingdings 3" charset="2"/>
+              <a:buNone/>
+              <a:defRPr sz="1800" b="0" i="0" kern="1200">
+                <a:solidFill>
+                  <a:schemeClr val="tx1">
+                    <a:tint val="75000"/>
+                  </a:schemeClr>
+                </a:solidFill>
+                <a:latin typeface="+mj-lt"/>
+                <a:ea typeface="+mj-ea"/>
+                <a:cs typeface="+mj-cs"/>
+              </a:defRPr>
+            </a:lvl2pPr>
+            <a:lvl3pPr marL="914400" indent="0" algn="ctr" defTabSz="457200" rtl="0" eaLnBrk="1" latinLnBrk="0" hangingPunct="1">
+              <a:spcBef>
+                <a:spcPts val="1000"/>
+              </a:spcBef>
+              <a:spcAft>
+                <a:spcPts val="0"/>
+              </a:spcAft>
+              <a:buClr>
+                <a:schemeClr val="bg2">
+                  <a:lumMod val="40000"/>
+                  <a:lumOff val="60000"/>
+                </a:schemeClr>
+              </a:buClr>
+              <a:buSzPct val="80000"/>
+              <a:buFont typeface="Wingdings 3" charset="2"/>
+              <a:buNone/>
+              <a:defRPr sz="1600" b="0" i="0" kern="1200">
+                <a:solidFill>
+                  <a:schemeClr val="tx1">
+                    <a:tint val="75000"/>
+                  </a:schemeClr>
+                </a:solidFill>
+                <a:latin typeface="+mj-lt"/>
+                <a:ea typeface="+mj-ea"/>
+                <a:cs typeface="+mj-cs"/>
+              </a:defRPr>
+            </a:lvl3pPr>
+            <a:lvl4pPr marL="1371600" indent="0" algn="ctr" defTabSz="457200" rtl="0" eaLnBrk="1" latinLnBrk="0" hangingPunct="1">
+              <a:spcBef>
+                <a:spcPts val="1000"/>
+              </a:spcBef>
+              <a:spcAft>
+                <a:spcPts val="0"/>
+              </a:spcAft>
+              <a:buClr>
+                <a:schemeClr val="bg2">
+                  <a:lumMod val="40000"/>
+                  <a:lumOff val="60000"/>
+                </a:schemeClr>
+              </a:buClr>
+              <a:buSzPct val="80000"/>
+              <a:buFont typeface="Wingdings 3" charset="2"/>
+              <a:buNone/>
+              <a:defRPr sz="1400" b="0" i="0" kern="1200">
+                <a:solidFill>
+                  <a:schemeClr val="tx1">
+                    <a:tint val="75000"/>
+                  </a:schemeClr>
+                </a:solidFill>
+                <a:latin typeface="+mj-lt"/>
+                <a:ea typeface="+mj-ea"/>
+                <a:cs typeface="+mj-cs"/>
+              </a:defRPr>
+            </a:lvl4pPr>
+            <a:lvl5pPr marL="1828800" indent="0" algn="ctr" defTabSz="457200" rtl="0" eaLnBrk="1" latinLnBrk="0" hangingPunct="1">
+              <a:spcBef>
+                <a:spcPts val="1000"/>
+              </a:spcBef>
+              <a:spcAft>
+                <a:spcPts val="0"/>
+              </a:spcAft>
+              <a:buClr>
+                <a:schemeClr val="bg2">
+                  <a:lumMod val="40000"/>
+                  <a:lumOff val="60000"/>
+                </a:schemeClr>
+              </a:buClr>
+              <a:buSzPct val="80000"/>
+              <a:buFont typeface="Wingdings 3" charset="2"/>
+              <a:buNone/>
+              <a:defRPr sz="1400" b="0" i="0" kern="1200">
+                <a:solidFill>
+                  <a:schemeClr val="tx1">
+                    <a:tint val="75000"/>
+                  </a:schemeClr>
+                </a:solidFill>
+                <a:latin typeface="+mj-lt"/>
+                <a:ea typeface="+mj-ea"/>
+                <a:cs typeface="+mj-cs"/>
+              </a:defRPr>
+            </a:lvl5pPr>
+            <a:lvl6pPr marL="2286000" indent="0" algn="ctr" defTabSz="457200" rtl="0" eaLnBrk="1" latinLnBrk="0" hangingPunct="1">
+              <a:spcBef>
+                <a:spcPts val="1000"/>
+              </a:spcBef>
+              <a:spcAft>
+                <a:spcPts val="0"/>
+              </a:spcAft>
+              <a:buClr>
+                <a:schemeClr val="bg2">
+                  <a:lumMod val="40000"/>
+                  <a:lumOff val="60000"/>
+                </a:schemeClr>
+              </a:buClr>
+              <a:buSzPct val="80000"/>
+              <a:buFont typeface="Wingdings 3" charset="2"/>
+              <a:buNone/>
+              <a:defRPr sz="1400" b="0" i="0" kern="1200">
+                <a:solidFill>
+                  <a:schemeClr val="tx1">
+                    <a:tint val="75000"/>
+                  </a:schemeClr>
+                </a:solidFill>
+                <a:latin typeface="+mj-lt"/>
+                <a:ea typeface="+mj-ea"/>
+                <a:cs typeface="+mj-cs"/>
+              </a:defRPr>
+            </a:lvl6pPr>
+            <a:lvl7pPr marL="2743200" indent="0" algn="ctr" defTabSz="457200" rtl="0" eaLnBrk="1" latinLnBrk="0" hangingPunct="1">
+              <a:spcBef>
+                <a:spcPts val="1000"/>
+              </a:spcBef>
+              <a:spcAft>
+                <a:spcPts val="0"/>
+              </a:spcAft>
+              <a:buClr>
+                <a:schemeClr val="bg2">
+                  <a:lumMod val="40000"/>
+                  <a:lumOff val="60000"/>
+                </a:schemeClr>
+              </a:buClr>
+              <a:buSzPct val="80000"/>
+              <a:buFont typeface="Wingdings 3" charset="2"/>
+              <a:buNone/>
+              <a:defRPr sz="1400" b="0" i="0" kern="1200">
+                <a:solidFill>
+                  <a:schemeClr val="tx1">
+                    <a:tint val="75000"/>
+                  </a:schemeClr>
+                </a:solidFill>
+                <a:latin typeface="+mj-lt"/>
+                <a:ea typeface="+mj-ea"/>
+                <a:cs typeface="+mj-cs"/>
+              </a:defRPr>
+            </a:lvl7pPr>
+            <a:lvl8pPr marL="3200400" indent="0" algn="ctr" defTabSz="457200" rtl="0" eaLnBrk="1" latinLnBrk="0" hangingPunct="1">
+              <a:spcBef>
+                <a:spcPts val="1000"/>
+              </a:spcBef>
+              <a:spcAft>
+                <a:spcPts val="0"/>
+              </a:spcAft>
+              <a:buClr>
+                <a:schemeClr val="bg2">
+                  <a:lumMod val="40000"/>
+                  <a:lumOff val="60000"/>
+                </a:schemeClr>
+              </a:buClr>
+              <a:buSzPct val="80000"/>
+              <a:buFont typeface="Wingdings 3" charset="2"/>
+              <a:buNone/>
+              <a:defRPr sz="1400" b="0" i="0" kern="1200">
+                <a:solidFill>
+                  <a:schemeClr val="tx1">
+                    <a:tint val="75000"/>
+                  </a:schemeClr>
+                </a:solidFill>
+                <a:latin typeface="+mj-lt"/>
+                <a:ea typeface="+mj-ea"/>
+                <a:cs typeface="+mj-cs"/>
+              </a:defRPr>
+            </a:lvl8pPr>
+            <a:lvl9pPr marL="3657600" indent="0" algn="ctr" defTabSz="457200" rtl="0" eaLnBrk="1" latinLnBrk="0" hangingPunct="1">
+              <a:spcBef>
+                <a:spcPts val="1000"/>
+              </a:spcBef>
+              <a:spcAft>
+                <a:spcPts val="0"/>
+              </a:spcAft>
+              <a:buClr>
+                <a:schemeClr val="bg2">
+                  <a:lumMod val="40000"/>
+                  <a:lumOff val="60000"/>
+                </a:schemeClr>
+              </a:buClr>
+              <a:buSzPct val="80000"/>
+              <a:buFont typeface="Wingdings 3" charset="2"/>
+              <a:buNone/>
+              <a:defRPr sz="1400" b="0" i="0" kern="1200">
+                <a:solidFill>
+                  <a:schemeClr val="tx1">
+                    <a:tint val="75000"/>
+                  </a:schemeClr>
+                </a:solidFill>
+                <a:latin typeface="+mj-lt"/>
+                <a:ea typeface="+mj-ea"/>
+                <a:cs typeface="+mj-cs"/>
+              </a:defRPr>
+            </a:lvl9pPr>
+          </a:lstStyle>
+          <a:p>
+            <a:r>
+              <a:rPr lang="en-US" sz="2400" b="1" cap="none" dirty="0" smtClean="0">
+                <a:solidFill>
+                  <a:srgbClr val="FFFF00"/>
+                </a:solidFill>
+                <a:effectLst>
+                  <a:outerShdw blurRad="38100" dist="38100" dir="2700000" algn="tl">
+                    <a:srgbClr val="000000">
+                      <a:alpha val="43137"/>
+                    </a:srgbClr>
+                  </a:outerShdw>
+                </a:effectLst>
+              </a:rPr>
+              <a:t>General Function Example</a:t>
+            </a:r>
+            <a:endParaRPr lang="en-US" sz="2400" b="1" cap="none" dirty="0">
+              <a:solidFill>
+                <a:srgbClr val="FFFF00"/>
+              </a:solidFill>
+              <a:effectLst>
+                <a:outerShdw blurRad="38100" dist="38100" dir="2700000" algn="tl">
+                  <a:srgbClr val="000000">
+                    <a:alpha val="43137"/>
+                  </a:srgbClr>
+                </a:outerShdw>
+              </a:effectLst>
+            </a:endParaRPr>
+          </a:p>
+        </p:txBody>
+      </p:sp>
+      <p:sp>
+        <p:nvSpPr>
+          <p:cNvPr id="12" name="Subtitle 2"/>
+          <p:cNvSpPr txBox="1">
+            <a:spLocks/>
+          </p:cNvSpPr>
+          <p:nvPr/>
+        </p:nvSpPr>
+        <p:spPr>
+          <a:xfrm>
+            <a:off x="6942944" y="2154108"/>
+            <a:ext cx="5021705" cy="544122"/>
+          </a:xfrm>
+          <a:prstGeom prst="rect">
+            <a:avLst/>
+          </a:prstGeom>
+        </p:spPr>
+        <p:txBody>
+          <a:bodyPr vert="horz" lIns="91440" tIns="45720" rIns="91440" bIns="45720" rtlCol="0" anchor="t">
+            <a:normAutofit/>
+          </a:bodyPr>
+          <a:lstStyle>
+            <a:lvl1pPr marL="0" indent="0" algn="l" defTabSz="457200" rtl="0" eaLnBrk="1" latinLnBrk="0" hangingPunct="1">
+              <a:spcBef>
+                <a:spcPts val="1000"/>
+              </a:spcBef>
+              <a:spcAft>
+                <a:spcPts val="0"/>
+              </a:spcAft>
+              <a:buClr>
+                <a:schemeClr val="bg2">
+                  <a:lumMod val="40000"/>
+                  <a:lumOff val="60000"/>
+                </a:schemeClr>
+              </a:buClr>
+              <a:buSzPct val="80000"/>
+              <a:buFont typeface="Wingdings 3" charset="2"/>
+              <a:buNone/>
+              <a:defRPr sz="2000" b="0" i="0" kern="1200" cap="all">
+                <a:solidFill>
+                  <a:schemeClr val="bg2">
+                    <a:lumMod val="40000"/>
+                    <a:lumOff val="60000"/>
+                  </a:schemeClr>
+                </a:solidFill>
+                <a:latin typeface="+mj-lt"/>
+                <a:ea typeface="+mj-ea"/>
+                <a:cs typeface="+mj-cs"/>
+              </a:defRPr>
+            </a:lvl1pPr>
+            <a:lvl2pPr marL="457200" indent="0" algn="ctr" defTabSz="457200" rtl="0" eaLnBrk="1" latinLnBrk="0" hangingPunct="1">
+              <a:spcBef>
+                <a:spcPts val="1000"/>
+              </a:spcBef>
+              <a:spcAft>
+                <a:spcPts val="0"/>
+              </a:spcAft>
+              <a:buClr>
+                <a:schemeClr val="bg2">
+                  <a:lumMod val="40000"/>
+                  <a:lumOff val="60000"/>
+                </a:schemeClr>
+              </a:buClr>
+              <a:buSzPct val="80000"/>
+              <a:buFont typeface="Wingdings 3" charset="2"/>
+              <a:buNone/>
+              <a:defRPr sz="1800" b="0" i="0" kern="1200">
+                <a:solidFill>
+                  <a:schemeClr val="tx1">
+                    <a:tint val="75000"/>
+                  </a:schemeClr>
+                </a:solidFill>
+                <a:latin typeface="+mj-lt"/>
+                <a:ea typeface="+mj-ea"/>
+                <a:cs typeface="+mj-cs"/>
+              </a:defRPr>
+            </a:lvl2pPr>
+            <a:lvl3pPr marL="914400" indent="0" algn="ctr" defTabSz="457200" rtl="0" eaLnBrk="1" latinLnBrk="0" hangingPunct="1">
+              <a:spcBef>
+                <a:spcPts val="1000"/>
+              </a:spcBef>
+              <a:spcAft>
+                <a:spcPts val="0"/>
+              </a:spcAft>
+              <a:buClr>
+                <a:schemeClr val="bg2">
+                  <a:lumMod val="40000"/>
+                  <a:lumOff val="60000"/>
+                </a:schemeClr>
+              </a:buClr>
+              <a:buSzPct val="80000"/>
+              <a:buFont typeface="Wingdings 3" charset="2"/>
+              <a:buNone/>
+              <a:defRPr sz="1600" b="0" i="0" kern="1200">
+                <a:solidFill>
+                  <a:schemeClr val="tx1">
+                    <a:tint val="75000"/>
+                  </a:schemeClr>
+                </a:solidFill>
+                <a:latin typeface="+mj-lt"/>
+                <a:ea typeface="+mj-ea"/>
+                <a:cs typeface="+mj-cs"/>
+              </a:defRPr>
+            </a:lvl3pPr>
+            <a:lvl4pPr marL="1371600" indent="0" algn="ctr" defTabSz="457200" rtl="0" eaLnBrk="1" latinLnBrk="0" hangingPunct="1">
+              <a:spcBef>
+                <a:spcPts val="1000"/>
+              </a:spcBef>
+              <a:spcAft>
+                <a:spcPts val="0"/>
+              </a:spcAft>
+              <a:buClr>
+                <a:schemeClr val="bg2">
+                  <a:lumMod val="40000"/>
+                  <a:lumOff val="60000"/>
+                </a:schemeClr>
+              </a:buClr>
+              <a:buSzPct val="80000"/>
+              <a:buFont typeface="Wingdings 3" charset="2"/>
+              <a:buNone/>
+              <a:defRPr sz="1400" b="0" i="0" kern="1200">
+                <a:solidFill>
+                  <a:schemeClr val="tx1">
+                    <a:tint val="75000"/>
+                  </a:schemeClr>
+                </a:solidFill>
+                <a:latin typeface="+mj-lt"/>
+                <a:ea typeface="+mj-ea"/>
+                <a:cs typeface="+mj-cs"/>
+              </a:defRPr>
+            </a:lvl4pPr>
+            <a:lvl5pPr marL="1828800" indent="0" algn="ctr" defTabSz="457200" rtl="0" eaLnBrk="1" latinLnBrk="0" hangingPunct="1">
+              <a:spcBef>
+                <a:spcPts val="1000"/>
+              </a:spcBef>
+              <a:spcAft>
+                <a:spcPts val="0"/>
+              </a:spcAft>
+              <a:buClr>
+                <a:schemeClr val="bg2">
+                  <a:lumMod val="40000"/>
+                  <a:lumOff val="60000"/>
+                </a:schemeClr>
+              </a:buClr>
+              <a:buSzPct val="80000"/>
+              <a:buFont typeface="Wingdings 3" charset="2"/>
+              <a:buNone/>
+              <a:defRPr sz="1400" b="0" i="0" kern="1200">
+                <a:solidFill>
+                  <a:schemeClr val="tx1">
+                    <a:tint val="75000"/>
+                  </a:schemeClr>
+                </a:solidFill>
+                <a:latin typeface="+mj-lt"/>
+                <a:ea typeface="+mj-ea"/>
+                <a:cs typeface="+mj-cs"/>
+              </a:defRPr>
+            </a:lvl5pPr>
+            <a:lvl6pPr marL="2286000" indent="0" algn="ctr" defTabSz="457200" rtl="0" eaLnBrk="1" latinLnBrk="0" hangingPunct="1">
+              <a:spcBef>
+                <a:spcPts val="1000"/>
+              </a:spcBef>
+              <a:spcAft>
+                <a:spcPts val="0"/>
+              </a:spcAft>
+              <a:buClr>
+                <a:schemeClr val="bg2">
+                  <a:lumMod val="40000"/>
+                  <a:lumOff val="60000"/>
+                </a:schemeClr>
+              </a:buClr>
+              <a:buSzPct val="80000"/>
+              <a:buFont typeface="Wingdings 3" charset="2"/>
+              <a:buNone/>
+              <a:defRPr sz="1400" b="0" i="0" kern="1200">
+                <a:solidFill>
+                  <a:schemeClr val="tx1">
+                    <a:tint val="75000"/>
+                  </a:schemeClr>
+                </a:solidFill>
+                <a:latin typeface="+mj-lt"/>
+                <a:ea typeface="+mj-ea"/>
+                <a:cs typeface="+mj-cs"/>
+              </a:defRPr>
+            </a:lvl6pPr>
+            <a:lvl7pPr marL="2743200" indent="0" algn="ctr" defTabSz="457200" rtl="0" eaLnBrk="1" latinLnBrk="0" hangingPunct="1">
+              <a:spcBef>
+                <a:spcPts val="1000"/>
+              </a:spcBef>
+              <a:spcAft>
+                <a:spcPts val="0"/>
+              </a:spcAft>
+              <a:buClr>
+                <a:schemeClr val="bg2">
+                  <a:lumMod val="40000"/>
+                  <a:lumOff val="60000"/>
+                </a:schemeClr>
+              </a:buClr>
+              <a:buSzPct val="80000"/>
+              <a:buFont typeface="Wingdings 3" charset="2"/>
+              <a:buNone/>
+              <a:defRPr sz="1400" b="0" i="0" kern="1200">
+                <a:solidFill>
+                  <a:schemeClr val="tx1">
+                    <a:tint val="75000"/>
+                  </a:schemeClr>
+                </a:solidFill>
+                <a:latin typeface="+mj-lt"/>
+                <a:ea typeface="+mj-ea"/>
+                <a:cs typeface="+mj-cs"/>
+              </a:defRPr>
+            </a:lvl7pPr>
+            <a:lvl8pPr marL="3200400" indent="0" algn="ctr" defTabSz="457200" rtl="0" eaLnBrk="1" latinLnBrk="0" hangingPunct="1">
+              <a:spcBef>
+                <a:spcPts val="1000"/>
+              </a:spcBef>
+              <a:spcAft>
+                <a:spcPts val="0"/>
+              </a:spcAft>
+              <a:buClr>
+                <a:schemeClr val="bg2">
+                  <a:lumMod val="40000"/>
+                  <a:lumOff val="60000"/>
+                </a:schemeClr>
+              </a:buClr>
+              <a:buSzPct val="80000"/>
+              <a:buFont typeface="Wingdings 3" charset="2"/>
+              <a:buNone/>
+              <a:defRPr sz="1400" b="0" i="0" kern="1200">
+                <a:solidFill>
+                  <a:schemeClr val="tx1">
+                    <a:tint val="75000"/>
+                  </a:schemeClr>
+                </a:solidFill>
+                <a:latin typeface="+mj-lt"/>
+                <a:ea typeface="+mj-ea"/>
+                <a:cs typeface="+mj-cs"/>
+              </a:defRPr>
+            </a:lvl8pPr>
+            <a:lvl9pPr marL="3657600" indent="0" algn="ctr" defTabSz="457200" rtl="0" eaLnBrk="1" latinLnBrk="0" hangingPunct="1">
+              <a:spcBef>
+                <a:spcPts val="1000"/>
+              </a:spcBef>
+              <a:spcAft>
+                <a:spcPts val="0"/>
+              </a:spcAft>
+              <a:buClr>
+                <a:schemeClr val="bg2">
+                  <a:lumMod val="40000"/>
+                  <a:lumOff val="60000"/>
+                </a:schemeClr>
+              </a:buClr>
+              <a:buSzPct val="80000"/>
+              <a:buFont typeface="Wingdings 3" charset="2"/>
+              <a:buNone/>
+              <a:defRPr sz="1400" b="0" i="0" kern="1200">
+                <a:solidFill>
+                  <a:schemeClr val="tx1">
+                    <a:tint val="75000"/>
+                  </a:schemeClr>
+                </a:solidFill>
+                <a:latin typeface="+mj-lt"/>
+                <a:ea typeface="+mj-ea"/>
+                <a:cs typeface="+mj-cs"/>
+              </a:defRPr>
+            </a:lvl9pPr>
+          </a:lstStyle>
+          <a:p>
+            <a:r>
+              <a:rPr lang="en-US" sz="2400" b="1" cap="none" dirty="0" smtClean="0">
+                <a:solidFill>
+                  <a:srgbClr val="FFFF00"/>
+                </a:solidFill>
+                <a:effectLst>
+                  <a:outerShdw blurRad="38100" dist="38100" dir="2700000" algn="tl">
+                    <a:srgbClr val="000000">
+                      <a:alpha val="43137"/>
+                    </a:srgbClr>
+                  </a:outerShdw>
+                </a:effectLst>
+              </a:rPr>
+              <a:t>Recursive Function Example</a:t>
+            </a:r>
+            <a:endParaRPr lang="en-US" sz="2400" b="1" cap="none" dirty="0">
+              <a:solidFill>
+                <a:srgbClr val="FFFF00"/>
+              </a:solidFill>
+              <a:effectLst>
+                <a:outerShdw blurRad="38100" dist="38100" dir="2700000" algn="tl">
+                  <a:srgbClr val="000000">
+                    <a:alpha val="43137"/>
+                  </a:srgbClr>
+                </a:outerShdw>
+              </a:effectLst>
+            </a:endParaRPr>
+          </a:p>
+        </p:txBody>
+      </p:sp>
+      <p:sp>
+        <p:nvSpPr>
+          <p:cNvPr id="13" name="Rectangle 12"/>
+          <p:cNvSpPr/>
+          <p:nvPr/>
+        </p:nvSpPr>
+        <p:spPr>
+          <a:xfrm>
+            <a:off x="6745573" y="2982152"/>
+            <a:ext cx="5219075" cy="2862322"/>
+          </a:xfrm>
+          <a:prstGeom prst="rect">
+            <a:avLst/>
+          </a:prstGeom>
+        </p:spPr>
+        <p:txBody>
+          <a:bodyPr wrap="square">
+            <a:spAutoFit/>
+          </a:bodyPr>
+          <a:lstStyle/>
+          <a:p>
+            <a:r>
+              <a:rPr lang="en-US" sz="2000" b="1" dirty="0" err="1">
+                <a:solidFill>
+                  <a:srgbClr val="66D9EF"/>
+                </a:solidFill>
+                <a:latin typeface="Consolas" panose="020B0609020204030204" pitchFamily="49" charset="0"/>
+              </a:rPr>
+              <a:t>var</a:t>
+            </a:r>
+            <a:r>
+              <a:rPr lang="en-US" sz="2000" b="1" dirty="0">
+                <a:solidFill>
+                  <a:srgbClr val="F8F8F2"/>
+                </a:solidFill>
+                <a:latin typeface="Consolas" panose="020B0609020204030204" pitchFamily="49" charset="0"/>
+              </a:rPr>
+              <a:t> </a:t>
+            </a:r>
+            <a:r>
+              <a:rPr lang="en-US" sz="2000" b="1" dirty="0">
+                <a:solidFill>
+                  <a:srgbClr val="E6DB74"/>
+                </a:solidFill>
+                <a:latin typeface="Consolas" panose="020B0609020204030204" pitchFamily="49" charset="0"/>
+              </a:rPr>
+              <a:t>countdown</a:t>
+            </a:r>
+            <a:r>
+              <a:rPr lang="en-US" sz="2000" b="1" dirty="0">
+                <a:solidFill>
+                  <a:srgbClr val="F8F8F2"/>
+                </a:solidFill>
+                <a:latin typeface="Consolas" panose="020B0609020204030204" pitchFamily="49" charset="0"/>
+              </a:rPr>
+              <a:t> = </a:t>
+            </a:r>
+            <a:r>
+              <a:rPr lang="en-US" sz="2000" b="1" dirty="0">
+                <a:solidFill>
+                  <a:srgbClr val="66D9EF"/>
+                </a:solidFill>
+                <a:latin typeface="Consolas" panose="020B0609020204030204" pitchFamily="49" charset="0"/>
+              </a:rPr>
+              <a:t>function</a:t>
+            </a:r>
+            <a:r>
+              <a:rPr lang="en-US" sz="2000" b="1" dirty="0">
+                <a:solidFill>
+                  <a:srgbClr val="F8F8F2"/>
+                </a:solidFill>
+                <a:latin typeface="Consolas" panose="020B0609020204030204" pitchFamily="49" charset="0"/>
+              </a:rPr>
+              <a:t>(value) { </a:t>
+            </a:r>
+            <a:endParaRPr lang="en-US" sz="2000" b="1" dirty="0" smtClean="0">
+              <a:solidFill>
+                <a:srgbClr val="F8F8F2"/>
+              </a:solidFill>
+              <a:latin typeface="Consolas" panose="020B0609020204030204" pitchFamily="49" charset="0"/>
+            </a:endParaRPr>
+          </a:p>
+          <a:p>
+            <a:r>
+              <a:rPr lang="en-US" sz="2000" b="1" dirty="0" smtClean="0">
+                <a:solidFill>
+                  <a:srgbClr val="66D9EF"/>
+                </a:solidFill>
+                <a:latin typeface="Consolas" panose="020B0609020204030204" pitchFamily="49" charset="0"/>
+              </a:rPr>
+              <a:t>if</a:t>
+            </a:r>
+            <a:r>
+              <a:rPr lang="en-US" sz="2000" b="1" dirty="0" smtClean="0">
+                <a:solidFill>
+                  <a:srgbClr val="F8F8F2"/>
+                </a:solidFill>
+                <a:latin typeface="Consolas" panose="020B0609020204030204" pitchFamily="49" charset="0"/>
+              </a:rPr>
+              <a:t> </a:t>
+            </a:r>
+            <a:r>
+              <a:rPr lang="en-US" sz="2000" b="1" dirty="0">
+                <a:solidFill>
+                  <a:srgbClr val="F8F8F2"/>
+                </a:solidFill>
+                <a:latin typeface="Consolas" panose="020B0609020204030204" pitchFamily="49" charset="0"/>
+              </a:rPr>
+              <a:t>(value &gt; </a:t>
+            </a:r>
+            <a:r>
+              <a:rPr lang="en-US" sz="2000" b="1" dirty="0">
+                <a:solidFill>
+                  <a:srgbClr val="AE81FF"/>
+                </a:solidFill>
+                <a:latin typeface="Consolas" panose="020B0609020204030204" pitchFamily="49" charset="0"/>
+              </a:rPr>
+              <a:t>0</a:t>
+            </a:r>
+            <a:r>
+              <a:rPr lang="en-US" sz="2000" b="1" dirty="0">
+                <a:solidFill>
+                  <a:srgbClr val="F8F8F2"/>
+                </a:solidFill>
+                <a:latin typeface="Consolas" panose="020B0609020204030204" pitchFamily="49" charset="0"/>
+              </a:rPr>
+              <a:t>) { </a:t>
+            </a:r>
+            <a:endParaRPr lang="en-US" sz="2000" b="1" dirty="0" smtClean="0">
+              <a:solidFill>
+                <a:srgbClr val="F8F8F2"/>
+              </a:solidFill>
+              <a:latin typeface="Consolas" panose="020B0609020204030204" pitchFamily="49" charset="0"/>
+            </a:endParaRPr>
+          </a:p>
+          <a:p>
+            <a:r>
+              <a:rPr lang="en-US" sz="2000" b="1" dirty="0" smtClean="0">
+                <a:solidFill>
+                  <a:srgbClr val="E6DB74"/>
+                </a:solidFill>
+                <a:latin typeface="Consolas" panose="020B0609020204030204" pitchFamily="49" charset="0"/>
+              </a:rPr>
+              <a:t>console</a:t>
+            </a:r>
+            <a:r>
+              <a:rPr lang="en-US" sz="2000" b="1" dirty="0" smtClean="0">
+                <a:solidFill>
+                  <a:srgbClr val="F8F8F2"/>
+                </a:solidFill>
+                <a:latin typeface="Consolas" panose="020B0609020204030204" pitchFamily="49" charset="0"/>
+              </a:rPr>
+              <a:t>.</a:t>
+            </a:r>
+            <a:r>
+              <a:rPr lang="en-US" sz="2000" b="1" dirty="0" smtClean="0">
+                <a:solidFill>
+                  <a:srgbClr val="E6DB74"/>
+                </a:solidFill>
+                <a:latin typeface="Consolas" panose="020B0609020204030204" pitchFamily="49" charset="0"/>
+              </a:rPr>
+              <a:t>log</a:t>
+            </a:r>
+            <a:r>
+              <a:rPr lang="en-US" sz="2000" b="1" dirty="0" smtClean="0">
+                <a:solidFill>
+                  <a:srgbClr val="F8F8F2"/>
+                </a:solidFill>
+                <a:latin typeface="Consolas" panose="020B0609020204030204" pitchFamily="49" charset="0"/>
+              </a:rPr>
+              <a:t>(value</a:t>
+            </a:r>
+            <a:r>
+              <a:rPr lang="en-US" sz="2000" b="1" dirty="0">
+                <a:solidFill>
+                  <a:srgbClr val="F8F8F2"/>
+                </a:solidFill>
+                <a:latin typeface="Consolas" panose="020B0609020204030204" pitchFamily="49" charset="0"/>
+              </a:rPr>
+              <a:t>); </a:t>
+            </a:r>
+            <a:endParaRPr lang="en-US" sz="2000" b="1" dirty="0" smtClean="0">
+              <a:solidFill>
+                <a:srgbClr val="F8F8F2"/>
+              </a:solidFill>
+              <a:latin typeface="Consolas" panose="020B0609020204030204" pitchFamily="49" charset="0"/>
+            </a:endParaRPr>
+          </a:p>
+          <a:p>
+            <a:r>
+              <a:rPr lang="en-US" sz="2000" b="1" dirty="0" smtClean="0">
+                <a:solidFill>
+                  <a:srgbClr val="66D9EF"/>
+                </a:solidFill>
+                <a:latin typeface="Consolas" panose="020B0609020204030204" pitchFamily="49" charset="0"/>
+              </a:rPr>
+              <a:t>return</a:t>
+            </a:r>
+            <a:r>
+              <a:rPr lang="en-US" sz="2000" b="1" dirty="0" smtClean="0">
+                <a:solidFill>
+                  <a:srgbClr val="F8F8F2"/>
+                </a:solidFill>
+                <a:latin typeface="Consolas" panose="020B0609020204030204" pitchFamily="49" charset="0"/>
+              </a:rPr>
+              <a:t> </a:t>
+            </a:r>
+            <a:r>
+              <a:rPr lang="en-US" sz="2000" b="1" dirty="0">
+                <a:solidFill>
+                  <a:srgbClr val="E6DB74"/>
+                </a:solidFill>
+                <a:latin typeface="Consolas" panose="020B0609020204030204" pitchFamily="49" charset="0"/>
+              </a:rPr>
+              <a:t>countdown</a:t>
+            </a:r>
+            <a:r>
+              <a:rPr lang="en-US" sz="2000" b="1" dirty="0">
+                <a:solidFill>
+                  <a:srgbClr val="F8F8F2"/>
+                </a:solidFill>
+                <a:latin typeface="Consolas" panose="020B0609020204030204" pitchFamily="49" charset="0"/>
+              </a:rPr>
+              <a:t>(value - </a:t>
+            </a:r>
+            <a:r>
+              <a:rPr lang="en-US" sz="2000" b="1" dirty="0">
+                <a:solidFill>
+                  <a:srgbClr val="AE81FF"/>
+                </a:solidFill>
+                <a:latin typeface="Consolas" panose="020B0609020204030204" pitchFamily="49" charset="0"/>
+              </a:rPr>
+              <a:t>1</a:t>
+            </a:r>
+            <a:r>
+              <a:rPr lang="en-US" sz="2000" b="1" dirty="0">
+                <a:solidFill>
+                  <a:srgbClr val="F8F8F2"/>
+                </a:solidFill>
+                <a:latin typeface="Consolas" panose="020B0609020204030204" pitchFamily="49" charset="0"/>
+              </a:rPr>
+              <a:t>); </a:t>
+            </a:r>
+            <a:endParaRPr lang="en-US" sz="2000" b="1" dirty="0" smtClean="0">
+              <a:solidFill>
+                <a:srgbClr val="F8F8F2"/>
+              </a:solidFill>
+              <a:latin typeface="Consolas" panose="020B0609020204030204" pitchFamily="49" charset="0"/>
+            </a:endParaRPr>
+          </a:p>
+          <a:p>
+            <a:r>
+              <a:rPr lang="en-US" sz="2000" b="1" dirty="0" smtClean="0">
+                <a:solidFill>
+                  <a:srgbClr val="F8F8F2"/>
+                </a:solidFill>
+                <a:latin typeface="Consolas" panose="020B0609020204030204" pitchFamily="49" charset="0"/>
+              </a:rPr>
+              <a:t>} </a:t>
+            </a:r>
+            <a:r>
+              <a:rPr lang="en-US" sz="2000" b="1" dirty="0">
+                <a:solidFill>
+                  <a:srgbClr val="66D9EF"/>
+                </a:solidFill>
+                <a:latin typeface="Consolas" panose="020B0609020204030204" pitchFamily="49" charset="0"/>
+              </a:rPr>
+              <a:t>else</a:t>
+            </a:r>
+            <a:r>
+              <a:rPr lang="en-US" sz="2000" b="1" dirty="0">
+                <a:solidFill>
+                  <a:srgbClr val="F8F8F2"/>
+                </a:solidFill>
+                <a:latin typeface="Consolas" panose="020B0609020204030204" pitchFamily="49" charset="0"/>
+              </a:rPr>
+              <a:t> { </a:t>
+            </a:r>
+            <a:endParaRPr lang="en-US" sz="2000" b="1" dirty="0" smtClean="0">
+              <a:solidFill>
+                <a:srgbClr val="F8F8F2"/>
+              </a:solidFill>
+              <a:latin typeface="Consolas" panose="020B0609020204030204" pitchFamily="49" charset="0"/>
+            </a:endParaRPr>
+          </a:p>
+          <a:p>
+            <a:r>
+              <a:rPr lang="en-US" sz="2000" b="1" dirty="0" smtClean="0">
+                <a:solidFill>
+                  <a:srgbClr val="66D9EF"/>
+                </a:solidFill>
+                <a:latin typeface="Consolas" panose="020B0609020204030204" pitchFamily="49" charset="0"/>
+              </a:rPr>
+              <a:t>return</a:t>
+            </a:r>
+            <a:r>
+              <a:rPr lang="en-US" sz="2000" b="1" dirty="0" smtClean="0">
+                <a:solidFill>
+                  <a:srgbClr val="F8F8F2"/>
+                </a:solidFill>
+                <a:latin typeface="Consolas" panose="020B0609020204030204" pitchFamily="49" charset="0"/>
+              </a:rPr>
+              <a:t> </a:t>
+            </a:r>
+            <a:r>
+              <a:rPr lang="en-US" sz="2000" b="1" dirty="0">
+                <a:solidFill>
+                  <a:srgbClr val="F8F8F2"/>
+                </a:solidFill>
+                <a:latin typeface="Consolas" panose="020B0609020204030204" pitchFamily="49" charset="0"/>
+              </a:rPr>
+              <a:t>value; </a:t>
+            </a:r>
+            <a:endParaRPr lang="en-US" sz="2000" b="1" dirty="0" smtClean="0">
+              <a:solidFill>
+                <a:srgbClr val="F8F8F2"/>
+              </a:solidFill>
+              <a:latin typeface="Consolas" panose="020B0609020204030204" pitchFamily="49" charset="0"/>
+            </a:endParaRPr>
+          </a:p>
+          <a:p>
+            <a:r>
+              <a:rPr lang="en-US" sz="2000" b="1" dirty="0" smtClean="0">
+                <a:solidFill>
+                  <a:srgbClr val="F8F8F2"/>
+                </a:solidFill>
+                <a:latin typeface="Consolas" panose="020B0609020204030204" pitchFamily="49" charset="0"/>
+              </a:rPr>
+              <a:t>} </a:t>
+            </a:r>
+          </a:p>
+          <a:p>
+            <a:r>
+              <a:rPr lang="en-US" sz="2000" b="1" dirty="0" smtClean="0">
+                <a:solidFill>
+                  <a:srgbClr val="F8F8F2"/>
+                </a:solidFill>
+                <a:latin typeface="Consolas" panose="020B0609020204030204" pitchFamily="49" charset="0"/>
+              </a:rPr>
+              <a:t>}; </a:t>
+            </a:r>
+          </a:p>
+          <a:p>
+            <a:r>
+              <a:rPr lang="en-US" sz="2000" b="1" dirty="0" smtClean="0">
+                <a:solidFill>
+                  <a:srgbClr val="E6DB74"/>
+                </a:solidFill>
+                <a:latin typeface="Consolas" panose="020B0609020204030204" pitchFamily="49" charset="0"/>
+              </a:rPr>
+              <a:t>countdown</a:t>
+            </a:r>
+            <a:r>
+              <a:rPr lang="en-US" sz="2000" b="1" dirty="0" smtClean="0">
+                <a:solidFill>
+                  <a:srgbClr val="F8F8F2"/>
+                </a:solidFill>
+                <a:latin typeface="Consolas" panose="020B0609020204030204" pitchFamily="49" charset="0"/>
+              </a:rPr>
+              <a:t>(</a:t>
+            </a:r>
+            <a:r>
+              <a:rPr lang="en-US" sz="2000" b="1" dirty="0" smtClean="0">
+                <a:solidFill>
+                  <a:srgbClr val="AE81FF"/>
+                </a:solidFill>
+                <a:latin typeface="Consolas" panose="020B0609020204030204" pitchFamily="49" charset="0"/>
+              </a:rPr>
+              <a:t>10</a:t>
+            </a:r>
+            <a:r>
+              <a:rPr lang="en-US" sz="2000" b="1" dirty="0">
+                <a:solidFill>
+                  <a:srgbClr val="F8F8F2"/>
+                </a:solidFill>
+                <a:latin typeface="Consolas" panose="020B0609020204030204" pitchFamily="49" charset="0"/>
+              </a:rPr>
+              <a:t>);</a:t>
+            </a:r>
+            <a:endParaRPr lang="en-US" sz="2000" b="1" dirty="0"/>
+          </a:p>
+        </p:txBody>
+      </p:sp>
+    </p:spTree>
+    <p:extLst>
+      <p:ext uri="{BB962C8B-B14F-4D97-AF65-F5344CB8AC3E}">
+        <p14:creationId xmlns:p14="http://schemas.microsoft.com/office/powerpoint/2010/main" val="961481561"/>
+      </p:ext>
+    </p:extLst>
+  </p:cSld>
+  <p:clrMapOvr>
+    <a:masterClrMapping/>
+  </p:clrMapOvr>
+  <p:timing>
+    <p:tnLst>
+      <p:par>
+        <p:cTn id="1" dur="indefinite" restart="never" nodeType="tmRoot">
+          <p:childTnLst>
+            <p:seq concurrent="1" nextAc="seek">
+              <p:cTn id="2" dur="indefinite" nodeType="mainSeq">
+                <p:childTnLst>
+                  <p:par>
+                    <p:cTn id="3" fill="hold">
+                      <p:stCondLst>
+                        <p:cond delay="indefinite"/>
+                      </p:stCondLst>
+                      <p:childTnLst>
+                        <p:par>
+                          <p:cTn id="4" fill="hold">
+                            <p:stCondLst>
+                              <p:cond delay="0"/>
+                            </p:stCondLst>
+                            <p:childTnLst>
+                              <p:par>
+                                <p:cTn id="5" presetID="2" presetClass="entr" presetSubtype="4" fill="hold" grpId="0" nodeType="clickEffect">
+                                  <p:stCondLst>
+                                    <p:cond delay="0"/>
+                                  </p:stCondLst>
+                                  <p:childTnLst>
+                                    <p:set>
+                                      <p:cBhvr>
+                                        <p:cTn id="6" dur="1" fill="hold">
+                                          <p:stCondLst>
+                                            <p:cond delay="0"/>
+                                          </p:stCondLst>
+                                        </p:cTn>
+                                        <p:tgtEl>
+                                          <p:spTgt spid="2"/>
+                                        </p:tgtEl>
+                                        <p:attrNameLst>
+                                          <p:attrName>style.visibility</p:attrName>
+                                        </p:attrNameLst>
+                                      </p:cBhvr>
+                                      <p:to>
+                                        <p:strVal val="visible"/>
+                                      </p:to>
+                                    </p:set>
+                                    <p:anim calcmode="lin" valueType="num">
+                                      <p:cBhvr additive="base">
+                                        <p:cTn id="7" dur="500" fill="hold"/>
+                                        <p:tgtEl>
+                                          <p:spTgt spid="2"/>
+                                        </p:tgtEl>
+                                        <p:attrNameLst>
+                                          <p:attrName>ppt_x</p:attrName>
+                                        </p:attrNameLst>
+                                      </p:cBhvr>
+                                      <p:tavLst>
+                                        <p:tav tm="0">
+                                          <p:val>
+                                            <p:strVal val="#ppt_x"/>
+                                          </p:val>
+                                        </p:tav>
+                                        <p:tav tm="100000">
+                                          <p:val>
+                                            <p:strVal val="#ppt_x"/>
+                                          </p:val>
+                                        </p:tav>
+                                      </p:tavLst>
+                                    </p:anim>
+                                    <p:anim calcmode="lin" valueType="num">
+                                      <p:cBhvr additive="base">
+                                        <p:cTn id="8" dur="500" fill="hold"/>
+                                        <p:tgtEl>
+                                          <p:spTgt spid="2"/>
+                                        </p:tgtEl>
+                                        <p:attrNameLst>
+                                          <p:attrName>ppt_y</p:attrName>
+                                        </p:attrNameLst>
+                                      </p:cBhvr>
+                                      <p:tavLst>
+                                        <p:tav tm="0">
+                                          <p:val>
+                                            <p:strVal val="1+#ppt_h/2"/>
+                                          </p:val>
+                                        </p:tav>
+                                        <p:tav tm="100000">
+                                          <p:val>
+                                            <p:strVal val="#ppt_y"/>
+                                          </p:val>
+                                        </p:tav>
+                                      </p:tavLst>
+                                    </p:anim>
+                                  </p:childTnLst>
+                                </p:cTn>
+                              </p:par>
+                            </p:childTnLst>
+                          </p:cTn>
+                        </p:par>
+                      </p:childTnLst>
+                    </p:cTn>
+                  </p:par>
+                  <p:par>
+                    <p:cTn id="9" fill="hold">
+                      <p:stCondLst>
+                        <p:cond delay="indefinite"/>
+                      </p:stCondLst>
+                      <p:childTnLst>
+                        <p:par>
+                          <p:cTn id="10" fill="hold">
+                            <p:stCondLst>
+                              <p:cond delay="0"/>
+                            </p:stCondLst>
+                            <p:childTnLst>
+                              <p:par>
+                                <p:cTn id="11" presetID="42" presetClass="entr" presetSubtype="0" fill="hold" grpId="0" nodeType="clickEffect">
+                                  <p:stCondLst>
+                                    <p:cond delay="0"/>
+                                  </p:stCondLst>
+                                  <p:childTnLst>
+                                    <p:set>
+                                      <p:cBhvr>
+                                        <p:cTn id="12" dur="1" fill="hold">
+                                          <p:stCondLst>
+                                            <p:cond delay="0"/>
+                                          </p:stCondLst>
+                                        </p:cTn>
+                                        <p:tgtEl>
+                                          <p:spTgt spid="3">
+                                            <p:txEl>
+                                              <p:pRg st="0" end="0"/>
+                                            </p:txEl>
+                                          </p:spTgt>
+                                        </p:tgtEl>
+                                        <p:attrNameLst>
+                                          <p:attrName>style.visibility</p:attrName>
+                                        </p:attrNameLst>
+                                      </p:cBhvr>
+                                      <p:to>
+                                        <p:strVal val="visible"/>
+                                      </p:to>
+                                    </p:set>
+                                    <p:animEffect transition="in" filter="fade">
+                                      <p:cBhvr>
+                                        <p:cTn id="13" dur="1000"/>
+                                        <p:tgtEl>
+                                          <p:spTgt spid="3">
+                                            <p:txEl>
+                                              <p:pRg st="0" end="0"/>
+                                            </p:txEl>
+                                          </p:spTgt>
+                                        </p:tgtEl>
+                                      </p:cBhvr>
+                                    </p:animEffect>
+                                    <p:anim calcmode="lin" valueType="num">
+                                      <p:cBhvr>
+                                        <p:cTn id="14" dur="1000" fill="hold"/>
+                                        <p:tgtEl>
+                                          <p:spTgt spid="3">
+                                            <p:txEl>
+                                              <p:pRg st="0" end="0"/>
+                                            </p:txEl>
+                                          </p:spTgt>
+                                        </p:tgtEl>
+                                        <p:attrNameLst>
+                                          <p:attrName>ppt_x</p:attrName>
+                                        </p:attrNameLst>
+                                      </p:cBhvr>
+                                      <p:tavLst>
+                                        <p:tav tm="0">
+                                          <p:val>
+                                            <p:strVal val="#ppt_x"/>
+                                          </p:val>
+                                        </p:tav>
+                                        <p:tav tm="100000">
+                                          <p:val>
+                                            <p:strVal val="#ppt_x"/>
+                                          </p:val>
+                                        </p:tav>
+                                      </p:tavLst>
+                                    </p:anim>
+                                    <p:anim calcmode="lin" valueType="num">
+                                      <p:cBhvr>
+                                        <p:cTn id="15" dur="1000" fill="hold"/>
+                                        <p:tgtEl>
+                                          <p:spTgt spid="3">
+                                            <p:txEl>
+                                              <p:pRg st="0" end="0"/>
+                                            </p:txEl>
+                                          </p:spTgt>
+                                        </p:tgtEl>
+                                        <p:attrNameLst>
+                                          <p:attrName>ppt_y</p:attrName>
+                                        </p:attrNameLst>
+                                      </p:cBhvr>
+                                      <p:tavLst>
+                                        <p:tav tm="0">
+                                          <p:val>
+                                            <p:strVal val="#ppt_y+.1"/>
+                                          </p:val>
+                                        </p:tav>
+                                        <p:tav tm="100000">
+                                          <p:val>
+                                            <p:strVal val="#ppt_y"/>
+                                          </p:val>
+                                        </p:tav>
+                                      </p:tavLst>
+                                    </p:anim>
+                                  </p:childTnLst>
+                                </p:cTn>
+                              </p:par>
+                            </p:childTnLst>
+                          </p:cTn>
+                        </p:par>
+                      </p:childTnLst>
+                    </p:cTn>
+                  </p:par>
+                  <p:par>
+                    <p:cTn id="16" fill="hold">
+                      <p:stCondLst>
+                        <p:cond delay="indefinite"/>
+                      </p:stCondLst>
+                      <p:childTnLst>
+                        <p:par>
+                          <p:cTn id="17" fill="hold">
+                            <p:stCondLst>
+                              <p:cond delay="0"/>
+                            </p:stCondLst>
+                            <p:childTnLst>
+                              <p:par>
+                                <p:cTn id="18" presetID="42" presetClass="entr" presetSubtype="0" fill="hold" grpId="0" nodeType="clickEffect">
+                                  <p:stCondLst>
+                                    <p:cond delay="0"/>
+                                  </p:stCondLst>
+                                  <p:childTnLst>
+                                    <p:set>
+                                      <p:cBhvr>
+                                        <p:cTn id="19" dur="1" fill="hold">
+                                          <p:stCondLst>
+                                            <p:cond delay="0"/>
+                                          </p:stCondLst>
+                                        </p:cTn>
+                                        <p:tgtEl>
+                                          <p:spTgt spid="11">
+                                            <p:txEl>
+                                              <p:pRg st="0" end="0"/>
+                                            </p:txEl>
+                                          </p:spTgt>
+                                        </p:tgtEl>
+                                        <p:attrNameLst>
+                                          <p:attrName>style.visibility</p:attrName>
+                                        </p:attrNameLst>
+                                      </p:cBhvr>
+                                      <p:to>
+                                        <p:strVal val="visible"/>
+                                      </p:to>
+                                    </p:set>
+                                    <p:animEffect transition="in" filter="fade">
+                                      <p:cBhvr>
+                                        <p:cTn id="20" dur="1000"/>
+                                        <p:tgtEl>
+                                          <p:spTgt spid="11">
+                                            <p:txEl>
+                                              <p:pRg st="0" end="0"/>
+                                            </p:txEl>
+                                          </p:spTgt>
+                                        </p:tgtEl>
+                                      </p:cBhvr>
+                                    </p:animEffect>
+                                    <p:anim calcmode="lin" valueType="num">
+                                      <p:cBhvr>
+                                        <p:cTn id="21" dur="1000" fill="hold"/>
+                                        <p:tgtEl>
+                                          <p:spTgt spid="11">
+                                            <p:txEl>
+                                              <p:pRg st="0" end="0"/>
+                                            </p:txEl>
+                                          </p:spTgt>
+                                        </p:tgtEl>
+                                        <p:attrNameLst>
+                                          <p:attrName>ppt_x</p:attrName>
+                                        </p:attrNameLst>
+                                      </p:cBhvr>
+                                      <p:tavLst>
+                                        <p:tav tm="0">
+                                          <p:val>
+                                            <p:strVal val="#ppt_x"/>
+                                          </p:val>
+                                        </p:tav>
+                                        <p:tav tm="100000">
+                                          <p:val>
+                                            <p:strVal val="#ppt_x"/>
+                                          </p:val>
+                                        </p:tav>
+                                      </p:tavLst>
+                                    </p:anim>
+                                    <p:anim calcmode="lin" valueType="num">
+                                      <p:cBhvr>
+                                        <p:cTn id="22" dur="1000" fill="hold"/>
+                                        <p:tgtEl>
+                                          <p:spTgt spid="11">
+                                            <p:txEl>
+                                              <p:pRg st="0" end="0"/>
+                                            </p:txEl>
+                                          </p:spTgt>
+                                        </p:tgtEl>
+                                        <p:attrNameLst>
+                                          <p:attrName>ppt_y</p:attrName>
+                                        </p:attrNameLst>
+                                      </p:cBhvr>
+                                      <p:tavLst>
+                                        <p:tav tm="0">
+                                          <p:val>
+                                            <p:strVal val="#ppt_y+.1"/>
+                                          </p:val>
+                                        </p:tav>
+                                        <p:tav tm="100000">
+                                          <p:val>
+                                            <p:strVal val="#ppt_y"/>
+                                          </p:val>
+                                        </p:tav>
+                                      </p:tavLst>
+                                    </p:anim>
+                                  </p:childTnLst>
+                                </p:cTn>
+                              </p:par>
+                            </p:childTnLst>
+                          </p:cTn>
+                        </p:par>
+                      </p:childTnLst>
+                    </p:cTn>
+                  </p:par>
+                  <p:par>
+                    <p:cTn id="23" fill="hold">
+                      <p:stCondLst>
+                        <p:cond delay="indefinite"/>
+                      </p:stCondLst>
+                      <p:childTnLst>
+                        <p:par>
+                          <p:cTn id="24" fill="hold">
+                            <p:stCondLst>
+                              <p:cond delay="0"/>
+                            </p:stCondLst>
+                            <p:childTnLst>
+                              <p:par>
+                                <p:cTn id="25" presetID="42" presetClass="entr" presetSubtype="0" fill="hold" grpId="0" nodeType="clickEffect">
+                                  <p:stCondLst>
+                                    <p:cond delay="0"/>
+                                  </p:stCondLst>
+                                  <p:childTnLst>
+                                    <p:set>
+                                      <p:cBhvr>
+                                        <p:cTn id="26" dur="1" fill="hold">
+                                          <p:stCondLst>
+                                            <p:cond delay="0"/>
+                                          </p:stCondLst>
+                                        </p:cTn>
+                                        <p:tgtEl>
+                                          <p:spTgt spid="12">
+                                            <p:txEl>
+                                              <p:pRg st="0" end="0"/>
+                                            </p:txEl>
+                                          </p:spTgt>
+                                        </p:tgtEl>
+                                        <p:attrNameLst>
+                                          <p:attrName>style.visibility</p:attrName>
+                                        </p:attrNameLst>
+                                      </p:cBhvr>
+                                      <p:to>
+                                        <p:strVal val="visible"/>
+                                      </p:to>
+                                    </p:set>
+                                    <p:animEffect transition="in" filter="fade">
+                                      <p:cBhvr>
+                                        <p:cTn id="27" dur="1000"/>
+                                        <p:tgtEl>
+                                          <p:spTgt spid="12">
+                                            <p:txEl>
+                                              <p:pRg st="0" end="0"/>
+                                            </p:txEl>
+                                          </p:spTgt>
+                                        </p:tgtEl>
+                                      </p:cBhvr>
+                                    </p:animEffect>
+                                    <p:anim calcmode="lin" valueType="num">
+                                      <p:cBhvr>
+                                        <p:cTn id="28" dur="1000" fill="hold"/>
+                                        <p:tgtEl>
+                                          <p:spTgt spid="12">
+                                            <p:txEl>
+                                              <p:pRg st="0" end="0"/>
+                                            </p:txEl>
+                                          </p:spTgt>
+                                        </p:tgtEl>
+                                        <p:attrNameLst>
+                                          <p:attrName>ppt_x</p:attrName>
+                                        </p:attrNameLst>
+                                      </p:cBhvr>
+                                      <p:tavLst>
+                                        <p:tav tm="0">
+                                          <p:val>
+                                            <p:strVal val="#ppt_x"/>
+                                          </p:val>
+                                        </p:tav>
+                                        <p:tav tm="100000">
+                                          <p:val>
+                                            <p:strVal val="#ppt_x"/>
+                                          </p:val>
+                                        </p:tav>
+                                      </p:tavLst>
+                                    </p:anim>
+                                    <p:anim calcmode="lin" valueType="num">
+                                      <p:cBhvr>
+                                        <p:cTn id="29" dur="1000" fill="hold"/>
+                                        <p:tgtEl>
+                                          <p:spTgt spid="12">
+                                            <p:txEl>
+                                              <p:pRg st="0" end="0"/>
+                                            </p:txEl>
+                                          </p:spTgt>
+                                        </p:tgtEl>
+                                        <p:attrNameLst>
+                                          <p:attrName>ppt_y</p:attrName>
+                                        </p:attrNameLst>
+                                      </p:cBhvr>
+                                      <p:tavLst>
+                                        <p:tav tm="0">
+                                          <p:val>
+                                            <p:strVal val="#ppt_y+.1"/>
+                                          </p:val>
+                                        </p:tav>
+                                        <p:tav tm="100000">
+                                          <p:val>
+                                            <p:strVal val="#ppt_y"/>
+                                          </p:val>
+                                        </p:tav>
+                                      </p:tavLst>
+                                    </p:anim>
+                                  </p:childTnLst>
+                                </p:cTn>
+                              </p:par>
+                            </p:childTnLst>
+                          </p:cTn>
+                        </p:par>
+                      </p:childTnLst>
+                    </p:cTn>
+                  </p:par>
+                </p:childTnLst>
+              </p:cTn>
+              <p:prevCondLst>
+                <p:cond evt="onPrev" delay="0">
+                  <p:tgtEl>
+                    <p:sldTgt/>
+                  </p:tgtEl>
+                </p:cond>
+              </p:prevCondLst>
+              <p:nextCondLst>
+                <p:cond evt="onNext" delay="0">
+                  <p:tgtEl>
+                    <p:sldTgt/>
+                  </p:tgtEl>
+                </p:cond>
+              </p:nextCondLst>
+            </p:seq>
+          </p:childTnLst>
+        </p:cTn>
+      </p:par>
+    </p:tnLst>
+    <p:bldLst>
+      <p:bldP spid="2" grpId="0" animBg="1"/>
+      <p:bldP spid="3" grpId="0" build="p"/>
+      <p:bldP spid="11" grpId="0" build="p"/>
+      <p:bldP spid="12" grpId="0" build="p"/>
     </p:bldLst>
   </p:timing>
 </p:sld>
